--- a/icons/icon workspace.pptx
+++ b/icons/icon workspace.pptx
@@ -109,6 +109,11 @@
       </a:defRPr>
     </a:lvl9pPr>
   </p:defaultTextStyle>
+  <p:extLst>
+    <p:ext uri="{EFAFB233-063F-42B5-8137-9DF3F51BA10A}">
+      <p15:sldGuideLst xmlns:p15="http://schemas.microsoft.com/office/powerpoint/2012/main"/>
+    </p:ext>
+  </p:extLst>
 </p:presentation>
 </file>
 
@@ -243,7 +248,7 @@
           <a:p>
             <a:fld id="{2FDA76B0-1AEE-4CAB-9E0D-CBF89B8634EB}" type="datetimeFigureOut">
               <a:rPr lang="en-US" smtClean="0"/>
-              <a:t>1/4/2026</a:t>
+              <a:t>1/9/2026</a:t>
             </a:fld>
             <a:endParaRPr lang="en-US"/>
           </a:p>
@@ -413,7 +418,7 @@
           <a:p>
             <a:fld id="{2FDA76B0-1AEE-4CAB-9E0D-CBF89B8634EB}" type="datetimeFigureOut">
               <a:rPr lang="en-US" smtClean="0"/>
-              <a:t>1/4/2026</a:t>
+              <a:t>1/9/2026</a:t>
             </a:fld>
             <a:endParaRPr lang="en-US"/>
           </a:p>
@@ -593,7 +598,7 @@
           <a:p>
             <a:fld id="{2FDA76B0-1AEE-4CAB-9E0D-CBF89B8634EB}" type="datetimeFigureOut">
               <a:rPr lang="en-US" smtClean="0"/>
-              <a:t>1/4/2026</a:t>
+              <a:t>1/9/2026</a:t>
             </a:fld>
             <a:endParaRPr lang="en-US"/>
           </a:p>
@@ -763,7 +768,7 @@
           <a:p>
             <a:fld id="{2FDA76B0-1AEE-4CAB-9E0D-CBF89B8634EB}" type="datetimeFigureOut">
               <a:rPr lang="en-US" smtClean="0"/>
-              <a:t>1/4/2026</a:t>
+              <a:t>1/9/2026</a:t>
             </a:fld>
             <a:endParaRPr lang="en-US"/>
           </a:p>
@@ -1009,7 +1014,7 @@
           <a:p>
             <a:fld id="{2FDA76B0-1AEE-4CAB-9E0D-CBF89B8634EB}" type="datetimeFigureOut">
               <a:rPr lang="en-US" smtClean="0"/>
-              <a:t>1/4/2026</a:t>
+              <a:t>1/9/2026</a:t>
             </a:fld>
             <a:endParaRPr lang="en-US"/>
           </a:p>
@@ -1241,7 +1246,7 @@
           <a:p>
             <a:fld id="{2FDA76B0-1AEE-4CAB-9E0D-CBF89B8634EB}" type="datetimeFigureOut">
               <a:rPr lang="en-US" smtClean="0"/>
-              <a:t>1/4/2026</a:t>
+              <a:t>1/9/2026</a:t>
             </a:fld>
             <a:endParaRPr lang="en-US"/>
           </a:p>
@@ -1608,7 +1613,7 @@
           <a:p>
             <a:fld id="{2FDA76B0-1AEE-4CAB-9E0D-CBF89B8634EB}" type="datetimeFigureOut">
               <a:rPr lang="en-US" smtClean="0"/>
-              <a:t>1/4/2026</a:t>
+              <a:t>1/9/2026</a:t>
             </a:fld>
             <a:endParaRPr lang="en-US"/>
           </a:p>
@@ -1726,7 +1731,7 @@
           <a:p>
             <a:fld id="{2FDA76B0-1AEE-4CAB-9E0D-CBF89B8634EB}" type="datetimeFigureOut">
               <a:rPr lang="en-US" smtClean="0"/>
-              <a:t>1/4/2026</a:t>
+              <a:t>1/9/2026</a:t>
             </a:fld>
             <a:endParaRPr lang="en-US"/>
           </a:p>
@@ -1821,7 +1826,7 @@
           <a:p>
             <a:fld id="{2FDA76B0-1AEE-4CAB-9E0D-CBF89B8634EB}" type="datetimeFigureOut">
               <a:rPr lang="en-US" smtClean="0"/>
-              <a:t>1/4/2026</a:t>
+              <a:t>1/9/2026</a:t>
             </a:fld>
             <a:endParaRPr lang="en-US"/>
           </a:p>
@@ -2098,7 +2103,7 @@
           <a:p>
             <a:fld id="{2FDA76B0-1AEE-4CAB-9E0D-CBF89B8634EB}" type="datetimeFigureOut">
               <a:rPr lang="en-US" smtClean="0"/>
-              <a:t>1/4/2026</a:t>
+              <a:t>1/9/2026</a:t>
             </a:fld>
             <a:endParaRPr lang="en-US"/>
           </a:p>
@@ -2355,7 +2360,7 @@
           <a:p>
             <a:fld id="{2FDA76B0-1AEE-4CAB-9E0D-CBF89B8634EB}" type="datetimeFigureOut">
               <a:rPr lang="en-US" smtClean="0"/>
-              <a:t>1/4/2026</a:t>
+              <a:t>1/9/2026</a:t>
             </a:fld>
             <a:endParaRPr lang="en-US"/>
           </a:p>
@@ -2568,7 +2573,7 @@
           <a:p>
             <a:fld id="{2FDA76B0-1AEE-4CAB-9E0D-CBF89B8634EB}" type="datetimeFigureOut">
               <a:rPr lang="en-US" smtClean="0"/>
-              <a:t>1/4/2026</a:t>
+              <a:t>1/9/2026</a:t>
             </a:fld>
             <a:endParaRPr lang="en-US"/>
           </a:p>
@@ -4263,7 +4268,7 @@
         </p:blipFill>
         <p:spPr bwMode="auto">
           <a:xfrm>
-            <a:off x="2703195" y="9448799"/>
+            <a:off x="985651" y="9023667"/>
             <a:ext cx="1155065" cy="1155065"/>
           </a:xfrm>
           <a:prstGeom prst="rect">
@@ -6755,22 +6760,28 @@
             <a:custGeom>
               <a:avLst/>
               <a:gdLst>
-                <a:gd name="csX0" fmla="*/ 0 w 817785"/>
-                <a:gd name="csY0" fmla="*/ 0 h 856452"/>
-                <a:gd name="csX1" fmla="*/ 417070 w 817785"/>
-                <a:gd name="csY1" fmla="*/ 0 h 856452"/>
-                <a:gd name="csX2" fmla="*/ 817785 w 817785"/>
-                <a:gd name="csY2" fmla="*/ 0 h 856452"/>
-                <a:gd name="csX3" fmla="*/ 690651 w 817785"/>
-                <a:gd name="csY3" fmla="*/ 411097 h 856452"/>
-                <a:gd name="csX4" fmla="*/ 552923 w 817785"/>
-                <a:gd name="csY4" fmla="*/ 856452 h 856452"/>
-                <a:gd name="csX5" fmla="*/ 266795 w 817785"/>
-                <a:gd name="csY5" fmla="*/ 856452 h 856452"/>
-                <a:gd name="csX6" fmla="*/ 130730 w 817785"/>
-                <a:gd name="csY6" fmla="*/ 419661 h 856452"/>
-                <a:gd name="csX7" fmla="*/ 0 w 817785"/>
-                <a:gd name="csY7" fmla="*/ 0 h 856452"/>
+                <a:gd name="csX0" fmla="*/ 0 w 1343025"/>
+                <a:gd name="csY0" fmla="*/ 0 h 1406525"/>
+                <a:gd name="csX1" fmla="*/ 474536 w 1343025"/>
+                <a:gd name="csY1" fmla="*/ 0 h 1406525"/>
+                <a:gd name="csX2" fmla="*/ 922211 w 1343025"/>
+                <a:gd name="csY2" fmla="*/ 0 h 1406525"/>
+                <a:gd name="csX3" fmla="*/ 1343025 w 1343025"/>
+                <a:gd name="csY3" fmla="*/ 0 h 1406525"/>
+                <a:gd name="csX4" fmla="*/ 1202383 w 1343025"/>
+                <a:gd name="csY4" fmla="*/ 454776 h 1406525"/>
+                <a:gd name="csX5" fmla="*/ 1066091 w 1343025"/>
+                <a:gd name="csY5" fmla="*/ 895487 h 1406525"/>
+                <a:gd name="csX6" fmla="*/ 908050 w 1343025"/>
+                <a:gd name="csY6" fmla="*/ 1406524 h 1406525"/>
+                <a:gd name="csX7" fmla="*/ 438150 w 1343025"/>
+                <a:gd name="csY7" fmla="*/ 1406524 h 1406525"/>
+                <a:gd name="csX8" fmla="*/ 292100 w 1343025"/>
+                <a:gd name="csY8" fmla="*/ 937683 h 1406525"/>
+                <a:gd name="csX9" fmla="*/ 141669 w 1343025"/>
+                <a:gd name="csY9" fmla="*/ 454776 h 1406525"/>
+                <a:gd name="csX10" fmla="*/ 0 w 1343025"/>
+                <a:gd name="csY10" fmla="*/ 0 h 1406525"/>
               </a:gdLst>
               <a:ahLst/>
               <a:cxnLst>
@@ -6798,87 +6809,126 @@
                 <a:cxn ang="0">
                   <a:pos x="csX7" y="csY7"/>
                 </a:cxn>
+                <a:cxn ang="0">
+                  <a:pos x="csX8" y="csY8"/>
+                </a:cxn>
+                <a:cxn ang="0">
+                  <a:pos x="csX9" y="csY9"/>
+                </a:cxn>
+                <a:cxn ang="0">
+                  <a:pos x="csX10" y="csY10"/>
+                </a:cxn>
               </a:cxnLst>
               <a:rect l="l" t="t" r="r" b="b"/>
               <a:pathLst>
-                <a:path w="817785" h="856452" fill="none" extrusionOk="0">
+                <a:path w="1343025" h="1406525" fill="none" extrusionOk="0">
                   <a:moveTo>
                     <a:pt x="0" y="0"/>
                   </a:moveTo>
                   <a:cubicBezTo>
-                    <a:pt x="197371" y="-11087"/>
-                    <a:pt x="257656" y="40736"/>
-                    <a:pt x="417070" y="0"/>
+                    <a:pt x="98207" y="-23324"/>
+                    <a:pt x="342943" y="38581"/>
+                    <a:pt x="474536" y="0"/>
                   </a:cubicBezTo>
                   <a:cubicBezTo>
-                    <a:pt x="576484" y="-40736"/>
-                    <a:pt x="640885" y="10068"/>
-                    <a:pt x="817785" y="0"/>
+                    <a:pt x="606129" y="-38581"/>
+                    <a:pt x="756984" y="7428"/>
+                    <a:pt x="922211" y="0"/>
                   </a:cubicBezTo>
                   <a:cubicBezTo>
-                    <a:pt x="798626" y="90238"/>
-                    <a:pt x="678591" y="309432"/>
-                    <a:pt x="690651" y="411097"/>
+                    <a:pt x="1087439" y="-7428"/>
+                    <a:pt x="1168510" y="37467"/>
+                    <a:pt x="1343025" y="0"/>
                   </a:cubicBezTo>
                   <a:cubicBezTo>
-                    <a:pt x="702711" y="512762"/>
-                    <a:pt x="576103" y="660832"/>
-                    <a:pt x="552923" y="856452"/>
+                    <a:pt x="1349751" y="129588"/>
+                    <a:pt x="1246748" y="268901"/>
+                    <a:pt x="1202383" y="454776"/>
                   </a:cubicBezTo>
                   <a:cubicBezTo>
-                    <a:pt x="462665" y="868365"/>
-                    <a:pt x="381942" y="831939"/>
-                    <a:pt x="266795" y="856452"/>
+                    <a:pt x="1158019" y="640651"/>
+                    <a:pt x="1082833" y="727212"/>
+                    <a:pt x="1066091" y="895487"/>
                   </a:cubicBezTo>
                   <a:cubicBezTo>
-                    <a:pt x="189075" y="772786"/>
-                    <a:pt x="202508" y="613823"/>
-                    <a:pt x="130730" y="419661"/>
+                    <a:pt x="1049349" y="1063762"/>
+                    <a:pt x="939486" y="1251192"/>
+                    <a:pt x="908050" y="1406524"/>
                   </a:cubicBezTo>
                   <a:cubicBezTo>
-                    <a:pt x="58952" y="225499"/>
-                    <a:pt x="72814" y="201157"/>
+                    <a:pt x="677087" y="1427960"/>
+                    <a:pt x="624317" y="1385735"/>
+                    <a:pt x="438150" y="1406524"/>
+                  </a:cubicBezTo>
+                  <a:cubicBezTo>
+                    <a:pt x="342844" y="1202737"/>
+                    <a:pt x="361204" y="1019262"/>
+                    <a:pt x="292100" y="937683"/>
+                  </a:cubicBezTo>
+                  <a:cubicBezTo>
+                    <a:pt x="222997" y="856104"/>
+                    <a:pt x="211132" y="638665"/>
+                    <a:pt x="141669" y="454776"/>
+                  </a:cubicBezTo>
+                  <a:cubicBezTo>
+                    <a:pt x="72205" y="270888"/>
+                    <a:pt x="91474" y="101467"/>
                     <a:pt x="0" y="0"/>
                   </a:cubicBezTo>
                   <a:close/>
                 </a:path>
-                <a:path w="817785" h="856452" stroke="0" extrusionOk="0">
+                <a:path w="1343025" h="1406525" stroke="0" extrusionOk="0">
                   <a:moveTo>
                     <a:pt x="0" y="0"/>
                   </a:moveTo>
                   <a:cubicBezTo>
-                    <a:pt x="84177" y="-43131"/>
-                    <a:pt x="312817" y="34349"/>
-                    <a:pt x="392537" y="0"/>
+                    <a:pt x="200886" y="-3677"/>
+                    <a:pt x="233565" y="35963"/>
+                    <a:pt x="420814" y="0"/>
                   </a:cubicBezTo>
                   <a:cubicBezTo>
-                    <a:pt x="472257" y="-34349"/>
-                    <a:pt x="705486" y="37371"/>
-                    <a:pt x="817785" y="0"/>
+                    <a:pt x="608063" y="-35963"/>
+                    <a:pt x="703521" y="4756"/>
+                    <a:pt x="855059" y="0"/>
                   </a:cubicBezTo>
                   <a:cubicBezTo>
-                    <a:pt x="811462" y="177892"/>
-                    <a:pt x="706752" y="240858"/>
-                    <a:pt x="690651" y="411097"/>
+                    <a:pt x="1006598" y="-4756"/>
+                    <a:pt x="1153305" y="19115"/>
+                    <a:pt x="1343025" y="0"/>
                   </a:cubicBezTo>
                   <a:cubicBezTo>
-                    <a:pt x="674550" y="581336"/>
-                    <a:pt x="558988" y="696646"/>
-                    <a:pt x="552923" y="856452"/>
+                    <a:pt x="1294234" y="181971"/>
+                    <a:pt x="1217254" y="275520"/>
+                    <a:pt x="1189334" y="496972"/>
                   </a:cubicBezTo>
                   <a:cubicBezTo>
-                    <a:pt x="410788" y="868597"/>
-                    <a:pt x="389789" y="829430"/>
-                    <a:pt x="266795" y="856452"/>
+                    <a:pt x="1161414" y="718424"/>
+                    <a:pt x="1088574" y="767896"/>
+                    <a:pt x="1044342" y="965813"/>
                   </a:cubicBezTo>
                   <a:cubicBezTo>
-                    <a:pt x="184535" y="708595"/>
-                    <a:pt x="207929" y="626652"/>
-                    <a:pt x="141401" y="453920"/>
+                    <a:pt x="1000110" y="1163730"/>
+                    <a:pt x="927824" y="1255579"/>
+                    <a:pt x="908050" y="1406524"/>
                   </a:cubicBezTo>
                   <a:cubicBezTo>
-                    <a:pt x="74873" y="281188"/>
-                    <a:pt x="88225" y="192455"/>
+                    <a:pt x="693390" y="1430430"/>
+                    <a:pt x="535259" y="1353698"/>
+                    <a:pt x="438150" y="1406524"/>
+                  </a:cubicBezTo>
+                  <a:cubicBezTo>
+                    <a:pt x="364377" y="1307359"/>
+                    <a:pt x="366156" y="1172585"/>
+                    <a:pt x="305245" y="979878"/>
+                  </a:cubicBezTo>
+                  <a:cubicBezTo>
+                    <a:pt x="244334" y="787171"/>
+                    <a:pt x="205665" y="642302"/>
+                    <a:pt x="150431" y="482907"/>
+                  </a:cubicBezTo>
+                  <a:cubicBezTo>
+                    <a:pt x="95197" y="323512"/>
+                    <a:pt x="78544" y="182871"/>
                     <a:pt x="0" y="0"/>
                   </a:cubicBezTo>
                   <a:close/>
@@ -7002,22 +7052,22 @@
             <a:custGeom>
               <a:avLst/>
               <a:gdLst>
-                <a:gd name="csX0" fmla="*/ 0 w 604155"/>
-                <a:gd name="csY0" fmla="*/ 591057 h 591057"/>
-                <a:gd name="csX1" fmla="*/ 308119 w 604155"/>
-                <a:gd name="csY1" fmla="*/ 591057 h 591057"/>
-                <a:gd name="csX2" fmla="*/ 604155 w 604155"/>
-                <a:gd name="csY2" fmla="*/ 591057 h 591057"/>
-                <a:gd name="csX3" fmla="*/ 524890 w 604155"/>
-                <a:gd name="csY3" fmla="*/ 295529 h 591057"/>
-                <a:gd name="csX4" fmla="*/ 445624 w 604155"/>
-                <a:gd name="csY4" fmla="*/ 0 h 591057"/>
-                <a:gd name="csX5" fmla="*/ 154663 w 604155"/>
-                <a:gd name="csY5" fmla="*/ 0 h 591057"/>
-                <a:gd name="csX6" fmla="*/ 78878 w 604155"/>
-                <a:gd name="csY6" fmla="*/ 289618 h 591057"/>
-                <a:gd name="csX7" fmla="*/ 0 w 604155"/>
-                <a:gd name="csY7" fmla="*/ 591057 h 591057"/>
+                <a:gd name="csX0" fmla="*/ 0 w 992187"/>
+                <a:gd name="csY0" fmla="*/ 970673 h 970674"/>
+                <a:gd name="csX1" fmla="*/ 506015 w 992187"/>
+                <a:gd name="csY1" fmla="*/ 970673 h 970674"/>
+                <a:gd name="csX2" fmla="*/ 992187 w 992187"/>
+                <a:gd name="csY2" fmla="*/ 970673 h 970674"/>
+                <a:gd name="csX3" fmla="*/ 862012 w 992187"/>
+                <a:gd name="csY3" fmla="*/ 485337 h 970674"/>
+                <a:gd name="csX4" fmla="*/ 731837 w 992187"/>
+                <a:gd name="csY4" fmla="*/ 0 h 970674"/>
+                <a:gd name="csX5" fmla="*/ 254000 w 992187"/>
+                <a:gd name="csY5" fmla="*/ 0 h 970674"/>
+                <a:gd name="csX6" fmla="*/ 129540 w 992187"/>
+                <a:gd name="csY6" fmla="*/ 475630 h 970674"/>
+                <a:gd name="csX7" fmla="*/ 0 w 992187"/>
+                <a:gd name="csY7" fmla="*/ 970673 h 970674"/>
               </a:gdLst>
               <a:ahLst/>
               <a:cxnLst>
@@ -7048,85 +7098,85 @@
               </a:cxnLst>
               <a:rect l="l" t="t" r="r" b="b"/>
               <a:pathLst>
-                <a:path w="604155" h="591057" fill="none" extrusionOk="0">
+                <a:path w="992187" h="970674" fill="none" extrusionOk="0">
                   <a:moveTo>
-                    <a:pt x="0" y="591057"/>
+                    <a:pt x="0" y="970673"/>
                   </a:moveTo>
                   <a:cubicBezTo>
-                    <a:pt x="74110" y="584515"/>
-                    <a:pt x="212188" y="627412"/>
-                    <a:pt x="308119" y="591057"/>
+                    <a:pt x="199398" y="914951"/>
+                    <a:pt x="381162" y="986307"/>
+                    <a:pt x="506015" y="970673"/>
                   </a:cubicBezTo>
                   <a:cubicBezTo>
-                    <a:pt x="404050" y="554702"/>
-                    <a:pt x="477293" y="603249"/>
-                    <a:pt x="604155" y="591057"/>
+                    <a:pt x="630869" y="955039"/>
+                    <a:pt x="847261" y="997104"/>
+                    <a:pt x="992187" y="970673"/>
                   </a:cubicBezTo>
                   <a:cubicBezTo>
-                    <a:pt x="567138" y="529369"/>
-                    <a:pt x="592487" y="429685"/>
-                    <a:pt x="524890" y="295529"/>
+                    <a:pt x="919974" y="815730"/>
+                    <a:pt x="936779" y="617462"/>
+                    <a:pt x="862012" y="485337"/>
                   </a:cubicBezTo>
                   <a:cubicBezTo>
-                    <a:pt x="457293" y="161373"/>
-                    <a:pt x="496334" y="56943"/>
-                    <a:pt x="445624" y="0"/>
+                    <a:pt x="787245" y="353212"/>
+                    <a:pt x="838731" y="198914"/>
+                    <a:pt x="731837" y="0"/>
                   </a:cubicBezTo>
                   <a:cubicBezTo>
-                    <a:pt x="342570" y="18827"/>
-                    <a:pt x="259927" y="-25841"/>
-                    <a:pt x="154663" y="0"/>
+                    <a:pt x="598804" y="12999"/>
+                    <a:pt x="445568" y="-45813"/>
+                    <a:pt x="254000" y="0"/>
                   </a:cubicBezTo>
                   <a:cubicBezTo>
-                    <a:pt x="129765" y="103660"/>
-                    <a:pt x="89534" y="220769"/>
-                    <a:pt x="78878" y="289618"/>
+                    <a:pt x="228358" y="227324"/>
+                    <a:pt x="149970" y="346085"/>
+                    <a:pt x="129540" y="475630"/>
                   </a:cubicBezTo>
                   <a:cubicBezTo>
-                    <a:pt x="68222" y="358467"/>
-                    <a:pt x="17765" y="475540"/>
-                    <a:pt x="0" y="591057"/>
+                    <a:pt x="109110" y="605175"/>
+                    <a:pt x="29359" y="827949"/>
+                    <a:pt x="0" y="970673"/>
                   </a:cubicBezTo>
                   <a:close/>
                 </a:path>
-                <a:path w="604155" h="591057" stroke="0" extrusionOk="0">
+                <a:path w="992187" h="970674" stroke="0" extrusionOk="0">
                   <a:moveTo>
-                    <a:pt x="0" y="591057"/>
+                    <a:pt x="0" y="970673"/>
                   </a:moveTo>
                   <a:cubicBezTo>
-                    <a:pt x="59422" y="578394"/>
-                    <a:pt x="229233" y="595921"/>
-                    <a:pt x="289994" y="591057"/>
+                    <a:pt x="113668" y="952576"/>
+                    <a:pt x="268518" y="981441"/>
+                    <a:pt x="476250" y="970673"/>
                   </a:cubicBezTo>
                   <a:cubicBezTo>
-                    <a:pt x="350755" y="586193"/>
-                    <a:pt x="527027" y="601075"/>
-                    <a:pt x="604155" y="591057"/>
+                    <a:pt x="683982" y="959905"/>
+                    <a:pt x="782710" y="1030700"/>
+                    <a:pt x="992187" y="970673"/>
                   </a:cubicBezTo>
                   <a:cubicBezTo>
-                    <a:pt x="551158" y="473847"/>
-                    <a:pt x="563752" y="371748"/>
-                    <a:pt x="529645" y="313260"/>
+                    <a:pt x="930096" y="779354"/>
+                    <a:pt x="965578" y="713368"/>
+                    <a:pt x="869823" y="514457"/>
                   </a:cubicBezTo>
                   <a:cubicBezTo>
-                    <a:pt x="495538" y="254772"/>
-                    <a:pt x="475587" y="62801"/>
-                    <a:pt x="445624" y="0"/>
+                    <a:pt x="774067" y="315546"/>
+                    <a:pt x="778707" y="122647"/>
+                    <a:pt x="731837" y="0"/>
                   </a:cubicBezTo>
                   <a:cubicBezTo>
-                    <a:pt x="308390" y="16719"/>
-                    <a:pt x="233130" y="-10253"/>
-                    <a:pt x="154663" y="0"/>
+                    <a:pt x="636089" y="13334"/>
+                    <a:pt x="361472" y="-8201"/>
+                    <a:pt x="254000" y="0"/>
                   </a:cubicBezTo>
                   <a:cubicBezTo>
-                    <a:pt x="138997" y="112705"/>
-                    <a:pt x="73033" y="209923"/>
-                    <a:pt x="80425" y="283707"/>
+                    <a:pt x="252820" y="117774"/>
+                    <a:pt x="175731" y="291913"/>
+                    <a:pt x="132080" y="465923"/>
                   </a:cubicBezTo>
                   <a:cubicBezTo>
-                    <a:pt x="87817" y="357491"/>
-                    <a:pt x="-9100" y="506640"/>
-                    <a:pt x="0" y="591057"/>
+                    <a:pt x="88429" y="639933"/>
+                    <a:pt x="27820" y="843652"/>
+                    <a:pt x="0" y="970673"/>
                   </a:cubicBezTo>
                   <a:close/>
                 </a:path>
@@ -7249,16 +7299,16 @@
             <a:custGeom>
               <a:avLst/>
               <a:gdLst>
-                <a:gd name="csX0" fmla="*/ 337844 w 337844"/>
-                <a:gd name="csY0" fmla="*/ 57999 h 57999"/>
-                <a:gd name="csX1" fmla="*/ 0 w 337844"/>
-                <a:gd name="csY1" fmla="*/ 57999 h 57999"/>
-                <a:gd name="csX2" fmla="*/ 0 w 337844"/>
-                <a:gd name="csY2" fmla="*/ 0 h 57999"/>
-                <a:gd name="csX3" fmla="*/ 337360 w 337844"/>
-                <a:gd name="csY3" fmla="*/ 0 h 57999"/>
-                <a:gd name="csX4" fmla="*/ 337844 w 337844"/>
-                <a:gd name="csY4" fmla="*/ 57999 h 57999"/>
+                <a:gd name="csX0" fmla="*/ 554831 w 554831"/>
+                <a:gd name="csY0" fmla="*/ 95250 h 95250"/>
+                <a:gd name="csX1" fmla="*/ 0 w 554831"/>
+                <a:gd name="csY1" fmla="*/ 95250 h 95250"/>
+                <a:gd name="csX2" fmla="*/ 0 w 554831"/>
+                <a:gd name="csY2" fmla="*/ 0 h 95250"/>
+                <a:gd name="csX3" fmla="*/ 554037 w 554831"/>
+                <a:gd name="csY3" fmla="*/ 0 h 95250"/>
+                <a:gd name="csX4" fmla="*/ 554831 w 554831"/>
+                <a:gd name="csY4" fmla="*/ 95250 h 95250"/>
               </a:gdLst>
               <a:ahLst/>
               <a:cxnLst>
@@ -7280,55 +7330,55 @@
               </a:cxnLst>
               <a:rect l="l" t="t" r="r" b="b"/>
               <a:pathLst>
-                <a:path w="337844" h="57999" fill="none" extrusionOk="0">
+                <a:path w="554831" h="95250" fill="none" extrusionOk="0">
                   <a:moveTo>
-                    <a:pt x="337844" y="57999"/>
+                    <a:pt x="554831" y="95250"/>
                   </a:moveTo>
                   <a:cubicBezTo>
-                    <a:pt x="205016" y="96144"/>
-                    <a:pt x="155956" y="51009"/>
-                    <a:pt x="0" y="57999"/>
+                    <a:pt x="332444" y="156913"/>
+                    <a:pt x="186917" y="71339"/>
+                    <a:pt x="0" y="95250"/>
                   </a:cubicBezTo>
                   <a:cubicBezTo>
-                    <a:pt x="-3192" y="32440"/>
-                    <a:pt x="6460" y="15471"/>
+                    <a:pt x="-1144" y="61630"/>
+                    <a:pt x="8373" y="29280"/>
                     <a:pt x="0" y="0"/>
                   </a:cubicBezTo>
                   <a:cubicBezTo>
-                    <a:pt x="74115" y="-464"/>
-                    <a:pt x="264496" y="17633"/>
-                    <a:pt x="337360" y="0"/>
+                    <a:pt x="141617" y="-25306"/>
+                    <a:pt x="352311" y="39046"/>
+                    <a:pt x="554037" y="0"/>
                   </a:cubicBezTo>
                   <a:cubicBezTo>
-                    <a:pt x="340833" y="18845"/>
-                    <a:pt x="338659" y="38577"/>
-                    <a:pt x="337844" y="57999"/>
+                    <a:pt x="561506" y="30688"/>
+                    <a:pt x="560817" y="62932"/>
+                    <a:pt x="554831" y="95250"/>
                   </a:cubicBezTo>
                   <a:close/>
                 </a:path>
-                <a:path w="337844" h="57999" stroke="0" extrusionOk="0">
+                <a:path w="554831" h="95250" stroke="0" extrusionOk="0">
                   <a:moveTo>
-                    <a:pt x="337844" y="57999"/>
+                    <a:pt x="554831" y="95250"/>
                   </a:moveTo>
                   <a:cubicBezTo>
-                    <a:pt x="216566" y="83634"/>
-                    <a:pt x="110756" y="46114"/>
-                    <a:pt x="0" y="57999"/>
+                    <a:pt x="440892" y="157690"/>
+                    <a:pt x="177780" y="72866"/>
+                    <a:pt x="0" y="95250"/>
                   </a:cubicBezTo>
                   <a:cubicBezTo>
-                    <a:pt x="-6370" y="40901"/>
-                    <a:pt x="190" y="18459"/>
+                    <a:pt x="-6362" y="70765"/>
+                    <a:pt x="5752" y="19551"/>
                     <a:pt x="0" y="0"/>
                   </a:cubicBezTo>
                   <a:cubicBezTo>
-                    <a:pt x="93613" y="-12276"/>
-                    <a:pt x="212175" y="28660"/>
-                    <a:pt x="337360" y="0"/>
+                    <a:pt x="196818" y="-65538"/>
+                    <a:pt x="403890" y="29507"/>
+                    <a:pt x="554037" y="0"/>
                   </a:cubicBezTo>
                   <a:cubicBezTo>
-                    <a:pt x="337766" y="20008"/>
-                    <a:pt x="337007" y="39536"/>
-                    <a:pt x="337844" y="57999"/>
+                    <a:pt x="555997" y="36420"/>
+                    <a:pt x="550048" y="69321"/>
+                    <a:pt x="554831" y="95250"/>
                   </a:cubicBezTo>
                   <a:close/>
                 </a:path>
@@ -7444,6 +7494,819 @@
           </p:txBody>
         </p:sp>
       </p:grpSp>
+      <p:sp>
+        <p:nvSpPr>
+          <p:cNvPr id="5" name="Rectangle 4">
+            <a:extLst>
+              <a:ext uri="{FF2B5EF4-FFF2-40B4-BE49-F238E27FC236}">
+                <a16:creationId xmlns:a16="http://schemas.microsoft.com/office/drawing/2014/main" id="{902EF474-E2D0-821C-1D5D-E2E8CBDA9DF6}"/>
+              </a:ext>
+            </a:extLst>
+          </p:cNvPr>
+          <p:cNvSpPr/>
+          <p:nvPr/>
+        </p:nvSpPr>
+        <p:spPr>
+          <a:xfrm rot="21321181">
+            <a:off x="4558797" y="3458035"/>
+            <a:ext cx="1664026" cy="1451926"/>
+          </a:xfrm>
+          <a:custGeom>
+            <a:avLst/>
+            <a:gdLst>
+              <a:gd name="csX0" fmla="*/ 0 w 1664026"/>
+              <a:gd name="csY0" fmla="*/ 0 h 1451926"/>
+              <a:gd name="csX1" fmla="*/ 554675 w 1664026"/>
+              <a:gd name="csY1" fmla="*/ 0 h 1451926"/>
+              <a:gd name="csX2" fmla="*/ 1142631 w 1664026"/>
+              <a:gd name="csY2" fmla="*/ 0 h 1451926"/>
+              <a:gd name="csX3" fmla="*/ 1664026 w 1664026"/>
+              <a:gd name="csY3" fmla="*/ 0 h 1451926"/>
+              <a:gd name="csX4" fmla="*/ 1664026 w 1664026"/>
+              <a:gd name="csY4" fmla="*/ 483975 h 1451926"/>
+              <a:gd name="csX5" fmla="*/ 1664026 w 1664026"/>
+              <a:gd name="csY5" fmla="*/ 924393 h 1451926"/>
+              <a:gd name="csX6" fmla="*/ 1664026 w 1664026"/>
+              <a:gd name="csY6" fmla="*/ 1451926 h 1451926"/>
+              <a:gd name="csX7" fmla="*/ 1125991 w 1664026"/>
+              <a:gd name="csY7" fmla="*/ 1451926 h 1451926"/>
+              <a:gd name="csX8" fmla="*/ 587956 w 1664026"/>
+              <a:gd name="csY8" fmla="*/ 1451926 h 1451926"/>
+              <a:gd name="csX9" fmla="*/ 0 w 1664026"/>
+              <a:gd name="csY9" fmla="*/ 1451926 h 1451926"/>
+              <a:gd name="csX10" fmla="*/ 0 w 1664026"/>
+              <a:gd name="csY10" fmla="*/ 967951 h 1451926"/>
+              <a:gd name="csX11" fmla="*/ 0 w 1664026"/>
+              <a:gd name="csY11" fmla="*/ 469456 h 1451926"/>
+              <a:gd name="csX12" fmla="*/ 0 w 1664026"/>
+              <a:gd name="csY12" fmla="*/ 0 h 1451926"/>
+            </a:gdLst>
+            <a:ahLst/>
+            <a:cxnLst>
+              <a:cxn ang="0">
+                <a:pos x="csX0" y="csY0"/>
+              </a:cxn>
+              <a:cxn ang="0">
+                <a:pos x="csX1" y="csY1"/>
+              </a:cxn>
+              <a:cxn ang="0">
+                <a:pos x="csX2" y="csY2"/>
+              </a:cxn>
+              <a:cxn ang="0">
+                <a:pos x="csX3" y="csY3"/>
+              </a:cxn>
+              <a:cxn ang="0">
+                <a:pos x="csX4" y="csY4"/>
+              </a:cxn>
+              <a:cxn ang="0">
+                <a:pos x="csX5" y="csY5"/>
+              </a:cxn>
+              <a:cxn ang="0">
+                <a:pos x="csX6" y="csY6"/>
+              </a:cxn>
+              <a:cxn ang="0">
+                <a:pos x="csX7" y="csY7"/>
+              </a:cxn>
+              <a:cxn ang="0">
+                <a:pos x="csX8" y="csY8"/>
+              </a:cxn>
+              <a:cxn ang="0">
+                <a:pos x="csX9" y="csY9"/>
+              </a:cxn>
+              <a:cxn ang="0">
+                <a:pos x="csX10" y="csY10"/>
+              </a:cxn>
+              <a:cxn ang="0">
+                <a:pos x="csX11" y="csY11"/>
+              </a:cxn>
+              <a:cxn ang="0">
+                <a:pos x="csX12" y="csY12"/>
+              </a:cxn>
+            </a:cxnLst>
+            <a:rect l="l" t="t" r="r" b="b"/>
+            <a:pathLst>
+              <a:path w="1664026" h="1451926" fill="none" extrusionOk="0">
+                <a:moveTo>
+                  <a:pt x="0" y="0"/>
+                </a:moveTo>
+                <a:cubicBezTo>
+                  <a:pt x="143554" y="372"/>
+                  <a:pt x="300797" y="21907"/>
+                  <a:pt x="554675" y="0"/>
+                </a:cubicBezTo>
+                <a:cubicBezTo>
+                  <a:pt x="808554" y="-21907"/>
+                  <a:pt x="1008613" y="-27675"/>
+                  <a:pt x="1142631" y="0"/>
+                </a:cubicBezTo>
+                <a:cubicBezTo>
+                  <a:pt x="1276649" y="27675"/>
+                  <a:pt x="1450214" y="-15431"/>
+                  <a:pt x="1664026" y="0"/>
+                </a:cubicBezTo>
+                <a:cubicBezTo>
+                  <a:pt x="1680532" y="102474"/>
+                  <a:pt x="1681393" y="306747"/>
+                  <a:pt x="1664026" y="483975"/>
+                </a:cubicBezTo>
+                <a:cubicBezTo>
+                  <a:pt x="1646659" y="661204"/>
+                  <a:pt x="1675938" y="718532"/>
+                  <a:pt x="1664026" y="924393"/>
+                </a:cubicBezTo>
+                <a:cubicBezTo>
+                  <a:pt x="1652114" y="1130254"/>
+                  <a:pt x="1647240" y="1320002"/>
+                  <a:pt x="1664026" y="1451926"/>
+                </a:cubicBezTo>
+                <a:cubicBezTo>
+                  <a:pt x="1466025" y="1430478"/>
+                  <a:pt x="1346692" y="1435243"/>
+                  <a:pt x="1125991" y="1451926"/>
+                </a:cubicBezTo>
+                <a:cubicBezTo>
+                  <a:pt x="905291" y="1468609"/>
+                  <a:pt x="753465" y="1439686"/>
+                  <a:pt x="587956" y="1451926"/>
+                </a:cubicBezTo>
+                <a:cubicBezTo>
+                  <a:pt x="422448" y="1464166"/>
+                  <a:pt x="263320" y="1452281"/>
+                  <a:pt x="0" y="1451926"/>
+                </a:cubicBezTo>
+                <a:cubicBezTo>
+                  <a:pt x="3376" y="1339274"/>
+                  <a:pt x="10933" y="1079928"/>
+                  <a:pt x="0" y="967951"/>
+                </a:cubicBezTo>
+                <a:cubicBezTo>
+                  <a:pt x="-10933" y="855975"/>
+                  <a:pt x="4392" y="575952"/>
+                  <a:pt x="0" y="469456"/>
+                </a:cubicBezTo>
+                <a:cubicBezTo>
+                  <a:pt x="-4392" y="362960"/>
+                  <a:pt x="-3140" y="189518"/>
+                  <a:pt x="0" y="0"/>
+                </a:cubicBezTo>
+                <a:close/>
+              </a:path>
+              <a:path w="1664026" h="1451926" stroke="0" extrusionOk="0">
+                <a:moveTo>
+                  <a:pt x="0" y="0"/>
+                </a:moveTo>
+                <a:cubicBezTo>
+                  <a:pt x="132413" y="-5362"/>
+                  <a:pt x="394807" y="-16265"/>
+                  <a:pt x="554675" y="0"/>
+                </a:cubicBezTo>
+                <a:cubicBezTo>
+                  <a:pt x="714543" y="16265"/>
+                  <a:pt x="950320" y="23038"/>
+                  <a:pt x="1076070" y="0"/>
+                </a:cubicBezTo>
+                <a:cubicBezTo>
+                  <a:pt x="1201821" y="-23038"/>
+                  <a:pt x="1389618" y="-11282"/>
+                  <a:pt x="1664026" y="0"/>
+                </a:cubicBezTo>
+                <a:cubicBezTo>
+                  <a:pt x="1670553" y="186117"/>
+                  <a:pt x="1647465" y="241409"/>
+                  <a:pt x="1664026" y="454937"/>
+                </a:cubicBezTo>
+                <a:cubicBezTo>
+                  <a:pt x="1680587" y="668465"/>
+                  <a:pt x="1661148" y="734687"/>
+                  <a:pt x="1664026" y="909874"/>
+                </a:cubicBezTo>
+                <a:cubicBezTo>
+                  <a:pt x="1666904" y="1085061"/>
+                  <a:pt x="1663025" y="1247685"/>
+                  <a:pt x="1664026" y="1451926"/>
+                </a:cubicBezTo>
+                <a:cubicBezTo>
+                  <a:pt x="1455379" y="1469005"/>
+                  <a:pt x="1313525" y="1446576"/>
+                  <a:pt x="1159271" y="1451926"/>
+                </a:cubicBezTo>
+                <a:cubicBezTo>
+                  <a:pt x="1005018" y="1457276"/>
+                  <a:pt x="775663" y="1458529"/>
+                  <a:pt x="587956" y="1451926"/>
+                </a:cubicBezTo>
+                <a:cubicBezTo>
+                  <a:pt x="400249" y="1445323"/>
+                  <a:pt x="266456" y="1450793"/>
+                  <a:pt x="0" y="1451926"/>
+                </a:cubicBezTo>
+                <a:cubicBezTo>
+                  <a:pt x="-24129" y="1205051"/>
+                  <a:pt x="-1231" y="1109971"/>
+                  <a:pt x="0" y="938912"/>
+                </a:cubicBezTo>
+                <a:cubicBezTo>
+                  <a:pt x="1231" y="767853"/>
+                  <a:pt x="17921" y="601121"/>
+                  <a:pt x="0" y="454937"/>
+                </a:cubicBezTo>
+                <a:cubicBezTo>
+                  <a:pt x="-17921" y="308754"/>
+                  <a:pt x="-2236" y="199435"/>
+                  <a:pt x="0" y="0"/>
+                </a:cubicBezTo>
+                <a:close/>
+              </a:path>
+            </a:pathLst>
+          </a:custGeom>
+          <a:solidFill>
+            <a:schemeClr val="bg1"/>
+          </a:solidFill>
+          <a:ln w="38100">
+            <a:solidFill>
+              <a:schemeClr val="tx1"/>
+            </a:solidFill>
+            <a:extLst>
+              <a:ext uri="{C807C97D-BFC1-408E-A445-0C87EB9F89A2}">
+                <ask:lineSketchStyleProps xmlns:ask="http://schemas.microsoft.com/office/drawing/2018/sketchyshapes" sd="1381636961">
+                  <a:prstGeom prst="rect">
+                    <a:avLst/>
+                  </a:prstGeom>
+                  <ask:type>
+                    <ask:lineSketchFreehand/>
+                  </ask:type>
+                </ask:lineSketchStyleProps>
+              </a:ext>
+            </a:extLst>
+          </a:ln>
+        </p:spPr>
+        <p:style>
+          <a:lnRef idx="2">
+            <a:schemeClr val="accent1">
+              <a:shade val="15000"/>
+            </a:schemeClr>
+          </a:lnRef>
+          <a:fillRef idx="1">
+            <a:schemeClr val="accent1"/>
+          </a:fillRef>
+          <a:effectRef idx="0">
+            <a:schemeClr val="accent1"/>
+          </a:effectRef>
+          <a:fontRef idx="minor">
+            <a:schemeClr val="lt1"/>
+          </a:fontRef>
+        </p:style>
+        <p:txBody>
+          <a:bodyPr rtlCol="0" anchor="ctr"/>
+          <a:lstStyle/>
+          <a:p>
+            <a:pPr algn="ctr"/>
+            <a:endParaRPr lang="en-US" sz="1013"/>
+          </a:p>
+        </p:txBody>
+      </p:sp>
+      <p:sp>
+        <p:nvSpPr>
+          <p:cNvPr id="6" name="Rectangle 5">
+            <a:extLst>
+              <a:ext uri="{FF2B5EF4-FFF2-40B4-BE49-F238E27FC236}">
+                <a16:creationId xmlns:a16="http://schemas.microsoft.com/office/drawing/2014/main" id="{6A1C502A-3588-4625-D08F-C259A8D7C53E}"/>
+              </a:ext>
+            </a:extLst>
+          </p:cNvPr>
+          <p:cNvSpPr/>
+          <p:nvPr/>
+        </p:nvSpPr>
+        <p:spPr>
+          <a:xfrm>
+            <a:off x="4743454" y="3623103"/>
+            <a:ext cx="1664026" cy="1451926"/>
+          </a:xfrm>
+          <a:custGeom>
+            <a:avLst/>
+            <a:gdLst>
+              <a:gd name="csX0" fmla="*/ 0 w 1664026"/>
+              <a:gd name="csY0" fmla="*/ 0 h 1451926"/>
+              <a:gd name="csX1" fmla="*/ 554675 w 1664026"/>
+              <a:gd name="csY1" fmla="*/ 0 h 1451926"/>
+              <a:gd name="csX2" fmla="*/ 1109351 w 1664026"/>
+              <a:gd name="csY2" fmla="*/ 0 h 1451926"/>
+              <a:gd name="csX3" fmla="*/ 1664026 w 1664026"/>
+              <a:gd name="csY3" fmla="*/ 0 h 1451926"/>
+              <a:gd name="csX4" fmla="*/ 1664026 w 1664026"/>
+              <a:gd name="csY4" fmla="*/ 498495 h 1451926"/>
+              <a:gd name="csX5" fmla="*/ 1664026 w 1664026"/>
+              <a:gd name="csY5" fmla="*/ 967951 h 1451926"/>
+              <a:gd name="csX6" fmla="*/ 1664026 w 1664026"/>
+              <a:gd name="csY6" fmla="*/ 1451926 h 1451926"/>
+              <a:gd name="csX7" fmla="*/ 1125991 w 1664026"/>
+              <a:gd name="csY7" fmla="*/ 1451926 h 1451926"/>
+              <a:gd name="csX8" fmla="*/ 538035 w 1664026"/>
+              <a:gd name="csY8" fmla="*/ 1451926 h 1451926"/>
+              <a:gd name="csX9" fmla="*/ 0 w 1664026"/>
+              <a:gd name="csY9" fmla="*/ 1451926 h 1451926"/>
+              <a:gd name="csX10" fmla="*/ 0 w 1664026"/>
+              <a:gd name="csY10" fmla="*/ 967951 h 1451926"/>
+              <a:gd name="csX11" fmla="*/ 0 w 1664026"/>
+              <a:gd name="csY11" fmla="*/ 469456 h 1451926"/>
+              <a:gd name="csX12" fmla="*/ 0 w 1664026"/>
+              <a:gd name="csY12" fmla="*/ 0 h 1451926"/>
+            </a:gdLst>
+            <a:ahLst/>
+            <a:cxnLst>
+              <a:cxn ang="0">
+                <a:pos x="csX0" y="csY0"/>
+              </a:cxn>
+              <a:cxn ang="0">
+                <a:pos x="csX1" y="csY1"/>
+              </a:cxn>
+              <a:cxn ang="0">
+                <a:pos x="csX2" y="csY2"/>
+              </a:cxn>
+              <a:cxn ang="0">
+                <a:pos x="csX3" y="csY3"/>
+              </a:cxn>
+              <a:cxn ang="0">
+                <a:pos x="csX4" y="csY4"/>
+              </a:cxn>
+              <a:cxn ang="0">
+                <a:pos x="csX5" y="csY5"/>
+              </a:cxn>
+              <a:cxn ang="0">
+                <a:pos x="csX6" y="csY6"/>
+              </a:cxn>
+              <a:cxn ang="0">
+                <a:pos x="csX7" y="csY7"/>
+              </a:cxn>
+              <a:cxn ang="0">
+                <a:pos x="csX8" y="csY8"/>
+              </a:cxn>
+              <a:cxn ang="0">
+                <a:pos x="csX9" y="csY9"/>
+              </a:cxn>
+              <a:cxn ang="0">
+                <a:pos x="csX10" y="csY10"/>
+              </a:cxn>
+              <a:cxn ang="0">
+                <a:pos x="csX11" y="csY11"/>
+              </a:cxn>
+              <a:cxn ang="0">
+                <a:pos x="csX12" y="csY12"/>
+              </a:cxn>
+            </a:cxnLst>
+            <a:rect l="l" t="t" r="r" b="b"/>
+            <a:pathLst>
+              <a:path w="1664026" h="1451926" fill="none" extrusionOk="0">
+                <a:moveTo>
+                  <a:pt x="0" y="0"/>
+                </a:moveTo>
+                <a:cubicBezTo>
+                  <a:pt x="168921" y="-19558"/>
+                  <a:pt x="281393" y="-20423"/>
+                  <a:pt x="554675" y="0"/>
+                </a:cubicBezTo>
+                <a:cubicBezTo>
+                  <a:pt x="827957" y="20423"/>
+                  <a:pt x="944035" y="19874"/>
+                  <a:pt x="1109351" y="0"/>
+                </a:cubicBezTo>
+                <a:cubicBezTo>
+                  <a:pt x="1274667" y="-19874"/>
+                  <a:pt x="1465391" y="8652"/>
+                  <a:pt x="1664026" y="0"/>
+                </a:cubicBezTo>
+                <a:cubicBezTo>
+                  <a:pt x="1665554" y="147268"/>
+                  <a:pt x="1664795" y="378530"/>
+                  <a:pt x="1664026" y="498495"/>
+                </a:cubicBezTo>
+                <a:cubicBezTo>
+                  <a:pt x="1663257" y="618461"/>
+                  <a:pt x="1663129" y="860570"/>
+                  <a:pt x="1664026" y="967951"/>
+                </a:cubicBezTo>
+                <a:cubicBezTo>
+                  <a:pt x="1664923" y="1075332"/>
+                  <a:pt x="1665600" y="1233889"/>
+                  <a:pt x="1664026" y="1451926"/>
+                </a:cubicBezTo>
+                <a:cubicBezTo>
+                  <a:pt x="1498934" y="1429661"/>
+                  <a:pt x="1325989" y="1445461"/>
+                  <a:pt x="1125991" y="1451926"/>
+                </a:cubicBezTo>
+                <a:cubicBezTo>
+                  <a:pt x="925994" y="1458391"/>
+                  <a:pt x="693102" y="1433721"/>
+                  <a:pt x="538035" y="1451926"/>
+                </a:cubicBezTo>
+                <a:cubicBezTo>
+                  <a:pt x="382968" y="1470131"/>
+                  <a:pt x="256742" y="1440151"/>
+                  <a:pt x="0" y="1451926"/>
+                </a:cubicBezTo>
+                <a:cubicBezTo>
+                  <a:pt x="7007" y="1293310"/>
+                  <a:pt x="13886" y="1065442"/>
+                  <a:pt x="0" y="967951"/>
+                </a:cubicBezTo>
+                <a:cubicBezTo>
+                  <a:pt x="-13886" y="870460"/>
+                  <a:pt x="-3422" y="576714"/>
+                  <a:pt x="0" y="469456"/>
+                </a:cubicBezTo>
+                <a:cubicBezTo>
+                  <a:pt x="3422" y="362198"/>
+                  <a:pt x="-3576" y="102320"/>
+                  <a:pt x="0" y="0"/>
+                </a:cubicBezTo>
+                <a:close/>
+              </a:path>
+              <a:path w="1664026" h="1451926" stroke="0" extrusionOk="0">
+                <a:moveTo>
+                  <a:pt x="0" y="0"/>
+                </a:moveTo>
+                <a:cubicBezTo>
+                  <a:pt x="216631" y="25703"/>
+                  <a:pt x="411707" y="17382"/>
+                  <a:pt x="554675" y="0"/>
+                </a:cubicBezTo>
+                <a:cubicBezTo>
+                  <a:pt x="697643" y="-17382"/>
+                  <a:pt x="971272" y="4518"/>
+                  <a:pt x="1109351" y="0"/>
+                </a:cubicBezTo>
+                <a:cubicBezTo>
+                  <a:pt x="1247430" y="-4518"/>
+                  <a:pt x="1450659" y="843"/>
+                  <a:pt x="1664026" y="0"/>
+                </a:cubicBezTo>
+                <a:cubicBezTo>
+                  <a:pt x="1674680" y="175036"/>
+                  <a:pt x="1686456" y="256629"/>
+                  <a:pt x="1664026" y="483975"/>
+                </a:cubicBezTo>
+                <a:cubicBezTo>
+                  <a:pt x="1641596" y="711322"/>
+                  <a:pt x="1683047" y="764526"/>
+                  <a:pt x="1664026" y="982470"/>
+                </a:cubicBezTo>
+                <a:cubicBezTo>
+                  <a:pt x="1645005" y="1200414"/>
+                  <a:pt x="1666407" y="1278289"/>
+                  <a:pt x="1664026" y="1451926"/>
+                </a:cubicBezTo>
+                <a:cubicBezTo>
+                  <a:pt x="1434909" y="1450886"/>
+                  <a:pt x="1198750" y="1478000"/>
+                  <a:pt x="1076070" y="1451926"/>
+                </a:cubicBezTo>
+                <a:cubicBezTo>
+                  <a:pt x="953390" y="1425852"/>
+                  <a:pt x="735177" y="1466664"/>
+                  <a:pt x="488114" y="1451926"/>
+                </a:cubicBezTo>
+                <a:cubicBezTo>
+                  <a:pt x="241051" y="1437188"/>
+                  <a:pt x="114730" y="1434579"/>
+                  <a:pt x="0" y="1451926"/>
+                </a:cubicBezTo>
+                <a:cubicBezTo>
+                  <a:pt x="20539" y="1306804"/>
+                  <a:pt x="-2269" y="1148072"/>
+                  <a:pt x="0" y="1011508"/>
+                </a:cubicBezTo>
+                <a:cubicBezTo>
+                  <a:pt x="2269" y="874944"/>
+                  <a:pt x="2364" y="658844"/>
+                  <a:pt x="0" y="527533"/>
+                </a:cubicBezTo>
+                <a:cubicBezTo>
+                  <a:pt x="-2364" y="396223"/>
+                  <a:pt x="-6564" y="113547"/>
+                  <a:pt x="0" y="0"/>
+                </a:cubicBezTo>
+                <a:close/>
+              </a:path>
+            </a:pathLst>
+          </a:custGeom>
+          <a:solidFill>
+            <a:schemeClr val="bg1"/>
+          </a:solidFill>
+          <a:ln w="38100">
+            <a:solidFill>
+              <a:schemeClr val="tx1"/>
+            </a:solidFill>
+            <a:extLst>
+              <a:ext uri="{C807C97D-BFC1-408E-A445-0C87EB9F89A2}">
+                <ask:lineSketchStyleProps xmlns:ask="http://schemas.microsoft.com/office/drawing/2018/sketchyshapes" sd="1697105241">
+                  <a:prstGeom prst="rect">
+                    <a:avLst/>
+                  </a:prstGeom>
+                  <ask:type>
+                    <ask:lineSketchFreehand/>
+                  </ask:type>
+                </ask:lineSketchStyleProps>
+              </a:ext>
+            </a:extLst>
+          </a:ln>
+        </p:spPr>
+        <p:style>
+          <a:lnRef idx="2">
+            <a:schemeClr val="accent1">
+              <a:shade val="15000"/>
+            </a:schemeClr>
+          </a:lnRef>
+          <a:fillRef idx="1">
+            <a:schemeClr val="accent1"/>
+          </a:fillRef>
+          <a:effectRef idx="0">
+            <a:schemeClr val="accent1"/>
+          </a:effectRef>
+          <a:fontRef idx="minor">
+            <a:schemeClr val="lt1"/>
+          </a:fontRef>
+        </p:style>
+        <p:txBody>
+          <a:bodyPr rtlCol="0" anchor="ctr"/>
+          <a:lstStyle/>
+          <a:p>
+            <a:pPr algn="ctr"/>
+            <a:endParaRPr lang="en-US" sz="1013"/>
+          </a:p>
+        </p:txBody>
+      </p:sp>
+      <p:sp>
+        <p:nvSpPr>
+          <p:cNvPr id="7" name="Rectangle 6">
+            <a:extLst>
+              <a:ext uri="{FF2B5EF4-FFF2-40B4-BE49-F238E27FC236}">
+                <a16:creationId xmlns:a16="http://schemas.microsoft.com/office/drawing/2014/main" id="{E47DDE33-D4BC-F0CE-3B2F-0C09E251E09D}"/>
+              </a:ext>
+            </a:extLst>
+          </p:cNvPr>
+          <p:cNvSpPr/>
+          <p:nvPr/>
+        </p:nvSpPr>
+        <p:spPr>
+          <a:xfrm rot="323135">
+            <a:off x="4968946" y="3790601"/>
+            <a:ext cx="1664026" cy="1451926"/>
+          </a:xfrm>
+          <a:custGeom>
+            <a:avLst/>
+            <a:gdLst>
+              <a:gd name="csX0" fmla="*/ 0 w 1664026"/>
+              <a:gd name="csY0" fmla="*/ 0 h 1451926"/>
+              <a:gd name="csX1" fmla="*/ 587956 w 1664026"/>
+              <a:gd name="csY1" fmla="*/ 0 h 1451926"/>
+              <a:gd name="csX2" fmla="*/ 1125991 w 1664026"/>
+              <a:gd name="csY2" fmla="*/ 0 h 1451926"/>
+              <a:gd name="csX3" fmla="*/ 1664026 w 1664026"/>
+              <a:gd name="csY3" fmla="*/ 0 h 1451926"/>
+              <a:gd name="csX4" fmla="*/ 1664026 w 1664026"/>
+              <a:gd name="csY4" fmla="*/ 513014 h 1451926"/>
+              <a:gd name="csX5" fmla="*/ 1664026 w 1664026"/>
+              <a:gd name="csY5" fmla="*/ 996989 h 1451926"/>
+              <a:gd name="csX6" fmla="*/ 1664026 w 1664026"/>
+              <a:gd name="csY6" fmla="*/ 1451926 h 1451926"/>
+              <a:gd name="csX7" fmla="*/ 1142631 w 1664026"/>
+              <a:gd name="csY7" fmla="*/ 1451926 h 1451926"/>
+              <a:gd name="csX8" fmla="*/ 571316 w 1664026"/>
+              <a:gd name="csY8" fmla="*/ 1451926 h 1451926"/>
+              <a:gd name="csX9" fmla="*/ 0 w 1664026"/>
+              <a:gd name="csY9" fmla="*/ 1451926 h 1451926"/>
+              <a:gd name="csX10" fmla="*/ 0 w 1664026"/>
+              <a:gd name="csY10" fmla="*/ 953431 h 1451926"/>
+              <a:gd name="csX11" fmla="*/ 0 w 1664026"/>
+              <a:gd name="csY11" fmla="*/ 469456 h 1451926"/>
+              <a:gd name="csX12" fmla="*/ 0 w 1664026"/>
+              <a:gd name="csY12" fmla="*/ 0 h 1451926"/>
+            </a:gdLst>
+            <a:ahLst/>
+            <a:cxnLst>
+              <a:cxn ang="0">
+                <a:pos x="csX0" y="csY0"/>
+              </a:cxn>
+              <a:cxn ang="0">
+                <a:pos x="csX1" y="csY1"/>
+              </a:cxn>
+              <a:cxn ang="0">
+                <a:pos x="csX2" y="csY2"/>
+              </a:cxn>
+              <a:cxn ang="0">
+                <a:pos x="csX3" y="csY3"/>
+              </a:cxn>
+              <a:cxn ang="0">
+                <a:pos x="csX4" y="csY4"/>
+              </a:cxn>
+              <a:cxn ang="0">
+                <a:pos x="csX5" y="csY5"/>
+              </a:cxn>
+              <a:cxn ang="0">
+                <a:pos x="csX6" y="csY6"/>
+              </a:cxn>
+              <a:cxn ang="0">
+                <a:pos x="csX7" y="csY7"/>
+              </a:cxn>
+              <a:cxn ang="0">
+                <a:pos x="csX8" y="csY8"/>
+              </a:cxn>
+              <a:cxn ang="0">
+                <a:pos x="csX9" y="csY9"/>
+              </a:cxn>
+              <a:cxn ang="0">
+                <a:pos x="csX10" y="csY10"/>
+              </a:cxn>
+              <a:cxn ang="0">
+                <a:pos x="csX11" y="csY11"/>
+              </a:cxn>
+              <a:cxn ang="0">
+                <a:pos x="csX12" y="csY12"/>
+              </a:cxn>
+            </a:cxnLst>
+            <a:rect l="l" t="t" r="r" b="b"/>
+            <a:pathLst>
+              <a:path w="1664026" h="1451926" fill="none" extrusionOk="0">
+                <a:moveTo>
+                  <a:pt x="0" y="0"/>
+                </a:moveTo>
+                <a:cubicBezTo>
+                  <a:pt x="195959" y="16231"/>
+                  <a:pt x="466056" y="-10004"/>
+                  <a:pt x="587956" y="0"/>
+                </a:cubicBezTo>
+                <a:cubicBezTo>
+                  <a:pt x="709856" y="10004"/>
+                  <a:pt x="1004358" y="-19605"/>
+                  <a:pt x="1125991" y="0"/>
+                </a:cubicBezTo>
+                <a:cubicBezTo>
+                  <a:pt x="1247625" y="19605"/>
+                  <a:pt x="1412963" y="635"/>
+                  <a:pt x="1664026" y="0"/>
+                </a:cubicBezTo>
+                <a:cubicBezTo>
+                  <a:pt x="1665786" y="162492"/>
+                  <a:pt x="1646739" y="380654"/>
+                  <a:pt x="1664026" y="513014"/>
+                </a:cubicBezTo>
+                <a:cubicBezTo>
+                  <a:pt x="1681313" y="645374"/>
+                  <a:pt x="1656837" y="878408"/>
+                  <a:pt x="1664026" y="996989"/>
+                </a:cubicBezTo>
+                <a:cubicBezTo>
+                  <a:pt x="1671215" y="1115570"/>
+                  <a:pt x="1672469" y="1329955"/>
+                  <a:pt x="1664026" y="1451926"/>
+                </a:cubicBezTo>
+                <a:cubicBezTo>
+                  <a:pt x="1557020" y="1427266"/>
+                  <a:pt x="1310853" y="1449303"/>
+                  <a:pt x="1142631" y="1451926"/>
+                </a:cubicBezTo>
+                <a:cubicBezTo>
+                  <a:pt x="974409" y="1454549"/>
+                  <a:pt x="767398" y="1459727"/>
+                  <a:pt x="571316" y="1451926"/>
+                </a:cubicBezTo>
+                <a:cubicBezTo>
+                  <a:pt x="375234" y="1444125"/>
+                  <a:pt x="278224" y="1450707"/>
+                  <a:pt x="0" y="1451926"/>
+                </a:cubicBezTo>
+                <a:cubicBezTo>
+                  <a:pt x="-10646" y="1327474"/>
+                  <a:pt x="-1616" y="1064557"/>
+                  <a:pt x="0" y="953431"/>
+                </a:cubicBezTo>
+                <a:cubicBezTo>
+                  <a:pt x="1616" y="842305"/>
+                  <a:pt x="23373" y="700307"/>
+                  <a:pt x="0" y="469456"/>
+                </a:cubicBezTo>
+                <a:cubicBezTo>
+                  <a:pt x="-23373" y="238606"/>
+                  <a:pt x="4780" y="166332"/>
+                  <a:pt x="0" y="0"/>
+                </a:cubicBezTo>
+                <a:close/>
+              </a:path>
+              <a:path w="1664026" h="1451926" stroke="0" extrusionOk="0">
+                <a:moveTo>
+                  <a:pt x="0" y="0"/>
+                </a:moveTo>
+                <a:cubicBezTo>
+                  <a:pt x="143585" y="14800"/>
+                  <a:pt x="385670" y="11363"/>
+                  <a:pt x="538035" y="0"/>
+                </a:cubicBezTo>
+                <a:cubicBezTo>
+                  <a:pt x="690401" y="-11363"/>
+                  <a:pt x="968456" y="2373"/>
+                  <a:pt x="1125991" y="0"/>
+                </a:cubicBezTo>
+                <a:cubicBezTo>
+                  <a:pt x="1283526" y="-2373"/>
+                  <a:pt x="1409968" y="-3342"/>
+                  <a:pt x="1664026" y="0"/>
+                </a:cubicBezTo>
+                <a:cubicBezTo>
+                  <a:pt x="1669880" y="192840"/>
+                  <a:pt x="1684879" y="271912"/>
+                  <a:pt x="1664026" y="440418"/>
+                </a:cubicBezTo>
+                <a:cubicBezTo>
+                  <a:pt x="1643173" y="608924"/>
+                  <a:pt x="1658931" y="722311"/>
+                  <a:pt x="1664026" y="924393"/>
+                </a:cubicBezTo>
+                <a:cubicBezTo>
+                  <a:pt x="1669121" y="1126475"/>
+                  <a:pt x="1641723" y="1239983"/>
+                  <a:pt x="1664026" y="1451926"/>
+                </a:cubicBezTo>
+                <a:cubicBezTo>
+                  <a:pt x="1450213" y="1465186"/>
+                  <a:pt x="1359689" y="1452430"/>
+                  <a:pt x="1159271" y="1451926"/>
+                </a:cubicBezTo>
+                <a:cubicBezTo>
+                  <a:pt x="958854" y="1451422"/>
+                  <a:pt x="854185" y="1428638"/>
+                  <a:pt x="637877" y="1451926"/>
+                </a:cubicBezTo>
+                <a:cubicBezTo>
+                  <a:pt x="421569" y="1475214"/>
+                  <a:pt x="294882" y="1443493"/>
+                  <a:pt x="0" y="1451926"/>
+                </a:cubicBezTo>
+                <a:cubicBezTo>
+                  <a:pt x="-8440" y="1204340"/>
+                  <a:pt x="-22658" y="1137414"/>
+                  <a:pt x="0" y="953431"/>
+                </a:cubicBezTo>
+                <a:cubicBezTo>
+                  <a:pt x="22658" y="769449"/>
+                  <a:pt x="-3155" y="607445"/>
+                  <a:pt x="0" y="483975"/>
+                </a:cubicBezTo>
+                <a:cubicBezTo>
+                  <a:pt x="3155" y="360505"/>
+                  <a:pt x="22717" y="225398"/>
+                  <a:pt x="0" y="0"/>
+                </a:cubicBezTo>
+                <a:close/>
+              </a:path>
+            </a:pathLst>
+          </a:custGeom>
+          <a:solidFill>
+            <a:schemeClr val="bg1"/>
+          </a:solidFill>
+          <a:ln w="38100">
+            <a:solidFill>
+              <a:schemeClr val="tx1"/>
+            </a:solidFill>
+            <a:extLst>
+              <a:ext uri="{C807C97D-BFC1-408E-A445-0C87EB9F89A2}">
+                <ask:lineSketchStyleProps xmlns:ask="http://schemas.microsoft.com/office/drawing/2018/sketchyshapes" sd="1495722173">
+                  <a:prstGeom prst="rect">
+                    <a:avLst/>
+                  </a:prstGeom>
+                  <ask:type>
+                    <ask:lineSketchFreehand/>
+                  </ask:type>
+                </ask:lineSketchStyleProps>
+              </a:ext>
+            </a:extLst>
+          </a:ln>
+        </p:spPr>
+        <p:style>
+          <a:lnRef idx="2">
+            <a:schemeClr val="accent1">
+              <a:shade val="15000"/>
+            </a:schemeClr>
+          </a:lnRef>
+          <a:fillRef idx="1">
+            <a:schemeClr val="accent1"/>
+          </a:fillRef>
+          <a:effectRef idx="0">
+            <a:schemeClr val="accent1"/>
+          </a:effectRef>
+          <a:fontRef idx="minor">
+            <a:schemeClr val="lt1"/>
+          </a:fontRef>
+        </p:style>
+        <p:txBody>
+          <a:bodyPr rtlCol="0" anchor="ctr"/>
+          <a:lstStyle/>
+          <a:p>
+            <a:pPr algn="ctr"/>
+            <a:endParaRPr lang="en-US" sz="1013"/>
+          </a:p>
+        </p:txBody>
+      </p:sp>
     </p:spTree>
     <p:extLst>
       <p:ext uri="{BB962C8B-B14F-4D97-AF65-F5344CB8AC3E}">

--- a/icons/icon workspace.pptx
+++ b/icons/icon workspace.pptx
@@ -6006,760 +6006,6 @@
             <a:custGeom>
               <a:avLst/>
               <a:gdLst>
-                <a:gd name="csX0" fmla="*/ 0 w 132715"/>
-                <a:gd name="csY0" fmla="*/ 0 h 138990"/>
-                <a:gd name="csX1" fmla="*/ 132715 w 132715"/>
-                <a:gd name="csY1" fmla="*/ 0 h 138990"/>
-                <a:gd name="csX2" fmla="*/ 89731 w 132715"/>
-                <a:gd name="csY2" fmla="*/ 138990 h 138990"/>
-                <a:gd name="csX3" fmla="*/ 43297 w 132715"/>
-                <a:gd name="csY3" fmla="*/ 138990 h 138990"/>
-                <a:gd name="csX4" fmla="*/ 0 w 132715"/>
-                <a:gd name="csY4" fmla="*/ 0 h 138990"/>
-              </a:gdLst>
-              <a:ahLst/>
-              <a:cxnLst>
-                <a:cxn ang="0">
-                  <a:pos x="csX0" y="csY0"/>
-                </a:cxn>
-                <a:cxn ang="0">
-                  <a:pos x="csX1" y="csY1"/>
-                </a:cxn>
-                <a:cxn ang="0">
-                  <a:pos x="csX2" y="csY2"/>
-                </a:cxn>
-                <a:cxn ang="0">
-                  <a:pos x="csX3" y="csY3"/>
-                </a:cxn>
-                <a:cxn ang="0">
-                  <a:pos x="csX4" y="csY4"/>
-                </a:cxn>
-              </a:cxnLst>
-              <a:rect l="l" t="t" r="r" b="b"/>
-              <a:pathLst>
-                <a:path w="132715" h="138990" fill="none" extrusionOk="0">
-                  <a:moveTo>
-                    <a:pt x="0" y="0"/>
-                  </a:moveTo>
-                  <a:cubicBezTo>
-                    <a:pt x="43958" y="-12319"/>
-                    <a:pt x="90449" y="12060"/>
-                    <a:pt x="132715" y="0"/>
-                  </a:cubicBezTo>
-                  <a:cubicBezTo>
-                    <a:pt x="135048" y="32246"/>
-                    <a:pt x="103997" y="76901"/>
-                    <a:pt x="89731" y="138990"/>
-                  </a:cubicBezTo>
-                  <a:cubicBezTo>
-                    <a:pt x="76295" y="141397"/>
-                    <a:pt x="61201" y="138735"/>
-                    <a:pt x="43297" y="138990"/>
-                  </a:cubicBezTo>
-                  <a:cubicBezTo>
-                    <a:pt x="17882" y="86087"/>
-                    <a:pt x="14504" y="29283"/>
-                    <a:pt x="0" y="0"/>
-                  </a:cubicBezTo>
-                  <a:close/>
-                </a:path>
-                <a:path w="132715" h="138990" stroke="0" extrusionOk="0">
-                  <a:moveTo>
-                    <a:pt x="0" y="0"/>
-                  </a:moveTo>
-                  <a:cubicBezTo>
-                    <a:pt x="46099" y="-11638"/>
-                    <a:pt x="92901" y="1000"/>
-                    <a:pt x="132715" y="0"/>
-                  </a:cubicBezTo>
-                  <a:cubicBezTo>
-                    <a:pt x="116131" y="70323"/>
-                    <a:pt x="98073" y="70630"/>
-                    <a:pt x="89731" y="138990"/>
-                  </a:cubicBezTo>
-                  <a:cubicBezTo>
-                    <a:pt x="71820" y="143807"/>
-                    <a:pt x="58166" y="134824"/>
-                    <a:pt x="43297" y="138990"/>
-                  </a:cubicBezTo>
-                  <a:cubicBezTo>
-                    <a:pt x="18761" y="97954"/>
-                    <a:pt x="20767" y="64349"/>
-                    <a:pt x="0" y="0"/>
-                  </a:cubicBezTo>
-                  <a:close/>
-                </a:path>
-              </a:pathLst>
-            </a:custGeom>
-            <a:solidFill>
-              <a:schemeClr val="bg1"/>
-            </a:solidFill>
-            <a:ln w="12700">
-              <a:solidFill>
-                <a:schemeClr val="tx1"/>
-              </a:solidFill>
-              <a:extLst>
-                <a:ext uri="{C807C97D-BFC1-408E-A445-0C87EB9F89A2}">
-                  <ask:lineSketchStyleProps xmlns:ask="http://schemas.microsoft.com/office/drawing/2018/sketchyshapes" sd="1700445973">
-                    <a:custGeom>
-                      <a:avLst/>
-                      <a:gdLst>
-                        <a:gd name="csX0" fmla="*/ 0 w 1343025"/>
-                        <a:gd name="csY0" fmla="*/ 0 h 1341437"/>
-                        <a:gd name="csX1" fmla="*/ 1343025 w 1343025"/>
-                        <a:gd name="csY1" fmla="*/ 0 h 1341437"/>
-                        <a:gd name="csX2" fmla="*/ 908050 w 1343025"/>
-                        <a:gd name="csY2" fmla="*/ 1341437 h 1341437"/>
-                        <a:gd name="csX3" fmla="*/ 438150 w 1343025"/>
-                        <a:gd name="csY3" fmla="*/ 1341437 h 1341437"/>
-                        <a:gd name="csX4" fmla="*/ 0 w 1343025"/>
-                        <a:gd name="csY4" fmla="*/ 0 h 1341437"/>
-                      </a:gdLst>
-                      <a:ahLst/>
-                      <a:cxnLst>
-                        <a:cxn ang="0">
-                          <a:pos x="csX0" y="csY0"/>
-                        </a:cxn>
-                        <a:cxn ang="0">
-                          <a:pos x="csX1" y="csY1"/>
-                        </a:cxn>
-                        <a:cxn ang="0">
-                          <a:pos x="csX2" y="csY2"/>
-                        </a:cxn>
-                        <a:cxn ang="0">
-                          <a:pos x="csX3" y="csY3"/>
-                        </a:cxn>
-                        <a:cxn ang="0">
-                          <a:pos x="csX4" y="csY4"/>
-                        </a:cxn>
-                      </a:cxnLst>
-                      <a:rect l="l" t="t" r="r" b="b"/>
-                      <a:pathLst>
-                        <a:path w="1343025" h="1341437">
-                          <a:moveTo>
-                            <a:pt x="0" y="0"/>
-                          </a:moveTo>
-                          <a:lnTo>
-                            <a:pt x="1343025" y="0"/>
-                          </a:lnTo>
-                          <a:lnTo>
-                            <a:pt x="908050" y="1341437"/>
-                          </a:lnTo>
-                          <a:lnTo>
-                            <a:pt x="438150" y="1341437"/>
-                          </a:lnTo>
-                          <a:lnTo>
-                            <a:pt x="0" y="0"/>
-                          </a:lnTo>
-                          <a:close/>
-                        </a:path>
-                      </a:pathLst>
-                    </a:custGeom>
-                    <ask:type>
-                      <ask:lineSketchScribble/>
-                    </ask:type>
-                  </ask:lineSketchStyleProps>
-                </a:ext>
-              </a:extLst>
-            </a:ln>
-          </p:spPr>
-          <p:style>
-            <a:lnRef idx="2">
-              <a:schemeClr val="accent1">
-                <a:shade val="15000"/>
-              </a:schemeClr>
-            </a:lnRef>
-            <a:fillRef idx="1">
-              <a:schemeClr val="accent1"/>
-            </a:fillRef>
-            <a:effectRef idx="0">
-              <a:schemeClr val="accent1"/>
-            </a:effectRef>
-            <a:fontRef idx="minor">
-              <a:schemeClr val="lt1"/>
-            </a:fontRef>
-          </p:style>
-          <p:txBody>
-            <a:bodyPr rtlCol="0" anchor="ctr"/>
-            <a:lstStyle/>
-            <a:p>
-              <a:pPr algn="ctr"/>
-              <a:endParaRPr lang="en-US"/>
-            </a:p>
-          </p:txBody>
-        </p:sp>
-        <p:sp>
-          <p:nvSpPr>
-            <p:cNvPr id="3" name="Freeform: Shape 2">
-              <a:extLst>
-                <a:ext uri="{FF2B5EF4-FFF2-40B4-BE49-F238E27FC236}">
-                  <a16:creationId xmlns:a16="http://schemas.microsoft.com/office/drawing/2014/main" id="{6C359AAE-AE64-910F-4244-86C63D09505C}"/>
-                </a:ext>
-              </a:extLst>
-            </p:cNvPr>
-            <p:cNvSpPr/>
-            <p:nvPr/>
-          </p:nvSpPr>
-          <p:spPr>
-            <a:xfrm>
-              <a:off x="4738688" y="5460290"/>
-              <a:ext cx="992187" cy="970674"/>
-            </a:xfrm>
-            <a:custGeom>
-              <a:avLst/>
-              <a:gdLst>
-                <a:gd name="csX0" fmla="*/ 0 w 98046"/>
-                <a:gd name="csY0" fmla="*/ 95920 h 95920"/>
-                <a:gd name="csX1" fmla="*/ 98046 w 98046"/>
-                <a:gd name="csY1" fmla="*/ 95920 h 95920"/>
-                <a:gd name="csX2" fmla="*/ 72318 w 98046"/>
-                <a:gd name="csY2" fmla="*/ 0 h 95920"/>
-                <a:gd name="csX3" fmla="*/ 25099 w 98046"/>
-                <a:gd name="csY3" fmla="*/ 0 h 95920"/>
-                <a:gd name="csX4" fmla="*/ 0 w 98046"/>
-                <a:gd name="csY4" fmla="*/ 95920 h 95920"/>
-              </a:gdLst>
-              <a:ahLst/>
-              <a:cxnLst>
-                <a:cxn ang="0">
-                  <a:pos x="csX0" y="csY0"/>
-                </a:cxn>
-                <a:cxn ang="0">
-                  <a:pos x="csX1" y="csY1"/>
-                </a:cxn>
-                <a:cxn ang="0">
-                  <a:pos x="csX2" y="csY2"/>
-                </a:cxn>
-                <a:cxn ang="0">
-                  <a:pos x="csX3" y="csY3"/>
-                </a:cxn>
-                <a:cxn ang="0">
-                  <a:pos x="csX4" y="csY4"/>
-                </a:cxn>
-              </a:cxnLst>
-              <a:rect l="l" t="t" r="r" b="b"/>
-              <a:pathLst>
-                <a:path w="98046" h="95920" fill="none" extrusionOk="0">
-                  <a:moveTo>
-                    <a:pt x="0" y="95920"/>
-                  </a:moveTo>
-                  <a:cubicBezTo>
-                    <a:pt x="27532" y="94861"/>
-                    <a:pt x="56142" y="97580"/>
-                    <a:pt x="98046" y="95920"/>
-                  </a:cubicBezTo>
-                  <a:cubicBezTo>
-                    <a:pt x="92098" y="75528"/>
-                    <a:pt x="81779" y="30785"/>
-                    <a:pt x="72318" y="0"/>
-                  </a:cubicBezTo>
-                  <a:cubicBezTo>
-                    <a:pt x="50014" y="4080"/>
-                    <a:pt x="35267" y="-212"/>
-                    <a:pt x="25099" y="0"/>
-                  </a:cubicBezTo>
-                  <a:cubicBezTo>
-                    <a:pt x="23916" y="29704"/>
-                    <a:pt x="2328" y="74378"/>
-                    <a:pt x="0" y="95920"/>
-                  </a:cubicBezTo>
-                  <a:close/>
-                </a:path>
-                <a:path w="98046" h="95920" stroke="0" extrusionOk="0">
-                  <a:moveTo>
-                    <a:pt x="0" y="95920"/>
-                  </a:moveTo>
-                  <a:cubicBezTo>
-                    <a:pt x="32315" y="87780"/>
-                    <a:pt x="55246" y="106665"/>
-                    <a:pt x="98046" y="95920"/>
-                  </a:cubicBezTo>
-                  <a:cubicBezTo>
-                    <a:pt x="84446" y="52553"/>
-                    <a:pt x="85720" y="33205"/>
-                    <a:pt x="72318" y="0"/>
-                  </a:cubicBezTo>
-                  <a:cubicBezTo>
-                    <a:pt x="53158" y="3315"/>
-                    <a:pt x="41981" y="-418"/>
-                    <a:pt x="25099" y="0"/>
-                  </a:cubicBezTo>
-                  <a:cubicBezTo>
-                    <a:pt x="27137" y="23061"/>
-                    <a:pt x="7408" y="57255"/>
-                    <a:pt x="0" y="95920"/>
-                  </a:cubicBezTo>
-                  <a:close/>
-                </a:path>
-              </a:pathLst>
-            </a:custGeom>
-            <a:solidFill>
-              <a:schemeClr val="bg1"/>
-            </a:solidFill>
-            <a:ln w="12700">
-              <a:solidFill>
-                <a:schemeClr val="tx1"/>
-              </a:solidFill>
-              <a:extLst>
-                <a:ext uri="{C807C97D-BFC1-408E-A445-0C87EB9F89A2}">
-                  <ask:lineSketchStyleProps xmlns:ask="http://schemas.microsoft.com/office/drawing/2018/sketchyshapes" sd="2586312744">
-                    <a:custGeom>
-                      <a:avLst/>
-                      <a:gdLst>
-                        <a:gd name="csX0" fmla="*/ 0 w 992187"/>
-                        <a:gd name="csY0" fmla="*/ 892175 h 892175"/>
-                        <a:gd name="csX1" fmla="*/ 992187 w 992187"/>
-                        <a:gd name="csY1" fmla="*/ 892175 h 892175"/>
-                        <a:gd name="csX2" fmla="*/ 731837 w 992187"/>
-                        <a:gd name="csY2" fmla="*/ 0 h 892175"/>
-                        <a:gd name="csX3" fmla="*/ 254000 w 992187"/>
-                        <a:gd name="csY3" fmla="*/ 0 h 892175"/>
-                        <a:gd name="csX4" fmla="*/ 0 w 992187"/>
-                        <a:gd name="csY4" fmla="*/ 892175 h 892175"/>
-                      </a:gdLst>
-                      <a:ahLst/>
-                      <a:cxnLst>
-                        <a:cxn ang="0">
-                          <a:pos x="csX0" y="csY0"/>
-                        </a:cxn>
-                        <a:cxn ang="0">
-                          <a:pos x="csX1" y="csY1"/>
-                        </a:cxn>
-                        <a:cxn ang="0">
-                          <a:pos x="csX2" y="csY2"/>
-                        </a:cxn>
-                        <a:cxn ang="0">
-                          <a:pos x="csX3" y="csY3"/>
-                        </a:cxn>
-                        <a:cxn ang="0">
-                          <a:pos x="csX4" y="csY4"/>
-                        </a:cxn>
-                      </a:cxnLst>
-                      <a:rect l="l" t="t" r="r" b="b"/>
-                      <a:pathLst>
-                        <a:path w="992187" h="892175">
-                          <a:moveTo>
-                            <a:pt x="0" y="892175"/>
-                          </a:moveTo>
-                          <a:lnTo>
-                            <a:pt x="992187" y="892175"/>
-                          </a:lnTo>
-                          <a:lnTo>
-                            <a:pt x="731837" y="0"/>
-                          </a:lnTo>
-                          <a:lnTo>
-                            <a:pt x="254000" y="0"/>
-                          </a:lnTo>
-                          <a:lnTo>
-                            <a:pt x="0" y="892175"/>
-                          </a:lnTo>
-                          <a:close/>
-                        </a:path>
-                      </a:pathLst>
-                    </a:custGeom>
-                    <ask:type>
-                      <ask:lineSketchScribble/>
-                    </ask:type>
-                  </ask:lineSketchStyleProps>
-                </a:ext>
-              </a:extLst>
-            </a:ln>
-          </p:spPr>
-          <p:style>
-            <a:lnRef idx="2">
-              <a:schemeClr val="accent1">
-                <a:shade val="15000"/>
-              </a:schemeClr>
-            </a:lnRef>
-            <a:fillRef idx="1">
-              <a:schemeClr val="accent1"/>
-            </a:fillRef>
-            <a:effectRef idx="0">
-              <a:schemeClr val="accent1"/>
-            </a:effectRef>
-            <a:fontRef idx="minor">
-              <a:schemeClr val="lt1"/>
-            </a:fontRef>
-          </p:style>
-          <p:txBody>
-            <a:bodyPr rtlCol="0" anchor="ctr"/>
-            <a:lstStyle/>
-            <a:p>
-              <a:pPr algn="ctr"/>
-              <a:endParaRPr lang="en-US"/>
-            </a:p>
-          </p:txBody>
-        </p:sp>
-        <p:sp>
-          <p:nvSpPr>
-            <p:cNvPr id="8" name="Freeform: Shape 7">
-              <a:extLst>
-                <a:ext uri="{FF2B5EF4-FFF2-40B4-BE49-F238E27FC236}">
-                  <a16:creationId xmlns:a16="http://schemas.microsoft.com/office/drawing/2014/main" id="{CC67F6FA-D32B-C721-8C94-DCE82E9B60D6}"/>
-                </a:ext>
-              </a:extLst>
-            </p:cNvPr>
-            <p:cNvSpPr/>
-            <p:nvPr/>
-          </p:nvSpPr>
-          <p:spPr>
-            <a:xfrm>
-              <a:off x="4960938" y="5357813"/>
-              <a:ext cx="554831" cy="95250"/>
-            </a:xfrm>
-            <a:custGeom>
-              <a:avLst/>
-              <a:gdLst>
-                <a:gd name="csX0" fmla="*/ 10000 w 10000"/>
-                <a:gd name="csY0" fmla="*/ 10000 h 10000"/>
-                <a:gd name="csX1" fmla="*/ 0 w 10000"/>
-                <a:gd name="csY1" fmla="*/ 10000 h 10000"/>
-                <a:gd name="csX2" fmla="*/ 0 w 10000"/>
-                <a:gd name="csY2" fmla="*/ 0 h 10000"/>
-                <a:gd name="csX3" fmla="*/ 9986 w 10000"/>
-                <a:gd name="csY3" fmla="*/ 0 h 10000"/>
-                <a:gd name="csX4" fmla="*/ 10000 w 10000"/>
-                <a:gd name="csY4" fmla="*/ 10000 h 10000"/>
-              </a:gdLst>
-              <a:ahLst/>
-              <a:cxnLst>
-                <a:cxn ang="0">
-                  <a:pos x="csX0" y="csY0"/>
-                </a:cxn>
-                <a:cxn ang="0">
-                  <a:pos x="csX1" y="csY1"/>
-                </a:cxn>
-                <a:cxn ang="0">
-                  <a:pos x="csX2" y="csY2"/>
-                </a:cxn>
-                <a:cxn ang="0">
-                  <a:pos x="csX3" y="csY3"/>
-                </a:cxn>
-                <a:cxn ang="0">
-                  <a:pos x="csX4" y="csY4"/>
-                </a:cxn>
-              </a:cxnLst>
-              <a:rect l="l" t="t" r="r" b="b"/>
-              <a:pathLst>
-                <a:path w="10000" h="10000" fill="none" extrusionOk="0">
-                  <a:moveTo>
-                    <a:pt x="10000" y="10000"/>
-                  </a:moveTo>
-                  <a:cubicBezTo>
-                    <a:pt x="7485" y="10918"/>
-                    <a:pt x="4444" y="9121"/>
-                    <a:pt x="0" y="10000"/>
-                  </a:cubicBezTo>
-                  <a:cubicBezTo>
-                    <a:pt x="-754" y="7698"/>
-                    <a:pt x="813" y="4820"/>
-                    <a:pt x="0" y="0"/>
-                  </a:cubicBezTo>
-                  <a:cubicBezTo>
-                    <a:pt x="4349" y="-229"/>
-                    <a:pt x="7093" y="92"/>
-                    <a:pt x="9986" y="0"/>
-                  </a:cubicBezTo>
-                  <a:cubicBezTo>
-                    <a:pt x="10666" y="3233"/>
-                    <a:pt x="10581" y="6613"/>
-                    <a:pt x="10000" y="10000"/>
-                  </a:cubicBezTo>
-                  <a:close/>
-                </a:path>
-                <a:path w="10000" h="10000" stroke="0" extrusionOk="0">
-                  <a:moveTo>
-                    <a:pt x="10000" y="10000"/>
-                  </a:moveTo>
-                  <a:cubicBezTo>
-                    <a:pt x="6329" y="10127"/>
-                    <a:pt x="3435" y="9325"/>
-                    <a:pt x="0" y="10000"/>
-                  </a:cubicBezTo>
-                  <a:cubicBezTo>
-                    <a:pt x="-752" y="6372"/>
-                    <a:pt x="532" y="4174"/>
-                    <a:pt x="0" y="0"/>
-                  </a:cubicBezTo>
-                  <a:cubicBezTo>
-                    <a:pt x="4132" y="-713"/>
-                    <a:pt x="5918" y="701"/>
-                    <a:pt x="9986" y="0"/>
-                  </a:cubicBezTo>
-                  <a:cubicBezTo>
-                    <a:pt x="10020" y="3415"/>
-                    <a:pt x="9404" y="7427"/>
-                    <a:pt x="10000" y="10000"/>
-                  </a:cubicBezTo>
-                  <a:close/>
-                </a:path>
-              </a:pathLst>
-            </a:custGeom>
-            <a:solidFill>
-              <a:schemeClr val="bg1"/>
-            </a:solidFill>
-            <a:ln w="12700">
-              <a:solidFill>
-                <a:schemeClr val="tx1"/>
-              </a:solidFill>
-              <a:extLst>
-                <a:ext uri="{C807C97D-BFC1-408E-A445-0C87EB9F89A2}">
-                  <ask:lineSketchStyleProps xmlns:ask="http://schemas.microsoft.com/office/drawing/2018/sketchyshapes" sd="510079494">
-                    <a:custGeom>
-                      <a:avLst/>
-                      <a:gdLst>
-                        <a:gd name="csX0" fmla="*/ 566737 w 566737"/>
-                        <a:gd name="csY0" fmla="*/ 95250 h 95250"/>
-                        <a:gd name="csX1" fmla="*/ 0 w 566737"/>
-                        <a:gd name="csY1" fmla="*/ 95250 h 95250"/>
-                        <a:gd name="csX2" fmla="*/ 0 w 566737"/>
-                        <a:gd name="csY2" fmla="*/ 0 h 95250"/>
-                        <a:gd name="csX3" fmla="*/ 554037 w 566737"/>
-                        <a:gd name="csY3" fmla="*/ 0 h 95250"/>
-                        <a:gd name="csX4" fmla="*/ 566737 w 566737"/>
-                        <a:gd name="csY4" fmla="*/ 95250 h 95250"/>
-                        <a:gd name="csX0" fmla="*/ 554831 w 554831"/>
-                        <a:gd name="csY0" fmla="*/ 95250 h 95250"/>
-                        <a:gd name="csX1" fmla="*/ 0 w 554831"/>
-                        <a:gd name="csY1" fmla="*/ 95250 h 95250"/>
-                        <a:gd name="csX2" fmla="*/ 0 w 554831"/>
-                        <a:gd name="csY2" fmla="*/ 0 h 95250"/>
-                        <a:gd name="csX3" fmla="*/ 554037 w 554831"/>
-                        <a:gd name="csY3" fmla="*/ 0 h 95250"/>
-                        <a:gd name="csX4" fmla="*/ 554831 w 554831"/>
-                        <a:gd name="csY4" fmla="*/ 95250 h 95250"/>
-                      </a:gdLst>
-                      <a:ahLst/>
-                      <a:cxnLst>
-                        <a:cxn ang="0">
-                          <a:pos x="csX0" y="csY0"/>
-                        </a:cxn>
-                        <a:cxn ang="0">
-                          <a:pos x="csX1" y="csY1"/>
-                        </a:cxn>
-                        <a:cxn ang="0">
-                          <a:pos x="csX2" y="csY2"/>
-                        </a:cxn>
-                        <a:cxn ang="0">
-                          <a:pos x="csX3" y="csY3"/>
-                        </a:cxn>
-                        <a:cxn ang="0">
-                          <a:pos x="csX4" y="csY4"/>
-                        </a:cxn>
-                      </a:cxnLst>
-                      <a:rect l="l" t="t" r="r" b="b"/>
-                      <a:pathLst>
-                        <a:path w="554831" h="95250">
-                          <a:moveTo>
-                            <a:pt x="554831" y="95250"/>
-                          </a:moveTo>
-                          <a:lnTo>
-                            <a:pt x="0" y="95250"/>
-                          </a:lnTo>
-                          <a:lnTo>
-                            <a:pt x="0" y="0"/>
-                          </a:lnTo>
-                          <a:lnTo>
-                            <a:pt x="554037" y="0"/>
-                          </a:lnTo>
-                          <a:cubicBezTo>
-                            <a:pt x="554302" y="31750"/>
-                            <a:pt x="554566" y="63500"/>
-                            <a:pt x="554831" y="95250"/>
-                          </a:cubicBezTo>
-                          <a:close/>
-                        </a:path>
-                      </a:pathLst>
-                    </a:custGeom>
-                    <ask:type>
-                      <ask:lineSketchScribble/>
-                    </ask:type>
-                  </ask:lineSketchStyleProps>
-                </a:ext>
-              </a:extLst>
-            </a:ln>
-          </p:spPr>
-          <p:style>
-            <a:lnRef idx="2">
-              <a:schemeClr val="accent1">
-                <a:shade val="15000"/>
-              </a:schemeClr>
-            </a:lnRef>
-            <a:fillRef idx="1">
-              <a:schemeClr val="accent1"/>
-            </a:fillRef>
-            <a:effectRef idx="0">
-              <a:schemeClr val="accent1"/>
-            </a:effectRef>
-            <a:fontRef idx="minor">
-              <a:schemeClr val="lt1"/>
-            </a:fontRef>
-          </p:style>
-          <p:txBody>
-            <a:bodyPr rtlCol="0" anchor="ctr"/>
-            <a:lstStyle/>
-            <a:p>
-              <a:pPr algn="ctr"/>
-              <a:endParaRPr lang="en-US" dirty="0"/>
-            </a:p>
-          </p:txBody>
-        </p:sp>
-      </p:grpSp>
-      <p:grpSp>
-        <p:nvGrpSpPr>
-          <p:cNvPr id="19" name="Group 18">
-            <a:extLst>
-              <a:ext uri="{FF2B5EF4-FFF2-40B4-BE49-F238E27FC236}">
-                <a16:creationId xmlns:a16="http://schemas.microsoft.com/office/drawing/2014/main" id="{BEBEF4EC-A2E8-A113-2DB1-F8F3E35017A1}"/>
-              </a:ext>
-            </a:extLst>
-          </p:cNvPr>
-          <p:cNvGrpSpPr/>
-          <p:nvPr/>
-        </p:nvGrpSpPr>
-        <p:grpSpPr>
-          <a:xfrm>
-            <a:off x="4579383" y="5452578"/>
-            <a:ext cx="2097642" cy="2471688"/>
-            <a:chOff x="2355939" y="8159750"/>
-            <a:chExt cx="258674" cy="304800"/>
-          </a:xfrm>
-        </p:grpSpPr>
-        <p:pic>
-          <p:nvPicPr>
-            <p:cNvPr id="17" name="Picture 4" descr="bottle icon">
-              <a:extLst>
-                <a:ext uri="{FF2B5EF4-FFF2-40B4-BE49-F238E27FC236}">
-                  <a16:creationId xmlns:a16="http://schemas.microsoft.com/office/drawing/2014/main" id="{7E058B34-4896-E1C9-790B-FF4B9CFBB9D8}"/>
-                </a:ext>
-              </a:extLst>
-            </p:cNvPr>
-            <p:cNvPicPr>
-              <a:picLocks noChangeAspect="1" noChangeArrowheads="1"/>
-            </p:cNvPicPr>
-            <p:nvPr/>
-          </p:nvPicPr>
-          <p:blipFill rotWithShape="1">
-            <a:blip r:embed="rId5">
-              <a:extLst>
-                <a:ext uri="{28A0092B-C50C-407E-A947-70E740481C1C}">
-                  <a14:useLocalDpi xmlns:a14="http://schemas.microsoft.com/office/drawing/2010/main" val="0"/>
-                </a:ext>
-              </a:extLst>
-            </a:blip>
-            <a:srcRect r="28286"/>
-            <a:stretch>
-              <a:fillRect/>
-            </a:stretch>
-          </p:blipFill>
-          <p:spPr bwMode="auto">
-            <a:xfrm>
-              <a:off x="2396029" y="8159750"/>
-              <a:ext cx="218584" cy="304800"/>
-            </a:xfrm>
-            <a:prstGeom prst="rect">
-              <a:avLst/>
-            </a:prstGeom>
-            <a:noFill/>
-            <a:extLst>
-              <a:ext uri="{909E8E84-426E-40DD-AFC4-6F175D3DCCD1}">
-                <a14:hiddenFill xmlns:a14="http://schemas.microsoft.com/office/drawing/2010/main">
-                  <a:solidFill>
-                    <a:srgbClr val="FFFFFF"/>
-                  </a:solidFill>
-                </a14:hiddenFill>
-              </a:ext>
-            </a:extLst>
-          </p:spPr>
-        </p:pic>
-        <p:pic>
-          <p:nvPicPr>
-            <p:cNvPr id="18" name="Picture 6" descr="wine icon">
-              <a:extLst>
-                <a:ext uri="{FF2B5EF4-FFF2-40B4-BE49-F238E27FC236}">
-                  <a16:creationId xmlns:a16="http://schemas.microsoft.com/office/drawing/2014/main" id="{2725FE82-2C3A-A114-FA31-500AC3B7E1D4}"/>
-                </a:ext>
-              </a:extLst>
-            </p:cNvPr>
-            <p:cNvPicPr>
-              <a:picLocks noChangeAspect="1" noChangeArrowheads="1"/>
-            </p:cNvPicPr>
-            <p:nvPr/>
-          </p:nvPicPr>
-          <p:blipFill rotWithShape="1">
-            <a:blip r:embed="rId6">
-              <a:extLst>
-                <a:ext uri="{28A0092B-C50C-407E-A947-70E740481C1C}">
-                  <a14:useLocalDpi xmlns:a14="http://schemas.microsoft.com/office/drawing/2010/main" val="0"/>
-                </a:ext>
-              </a:extLst>
-            </a:blip>
-            <a:srcRect l="20351" t="20354" r="48222" b="18610"/>
-            <a:stretch>
-              <a:fillRect/>
-            </a:stretch>
-          </p:blipFill>
-          <p:spPr bwMode="auto">
-            <a:xfrm>
-              <a:off x="2355939" y="8214344"/>
-              <a:ext cx="120247" cy="233538"/>
-            </a:xfrm>
-            <a:prstGeom prst="rect">
-              <a:avLst/>
-            </a:prstGeom>
-            <a:noFill/>
-            <a:extLst>
-              <a:ext uri="{909E8E84-426E-40DD-AFC4-6F175D3DCCD1}">
-                <a14:hiddenFill xmlns:a14="http://schemas.microsoft.com/office/drawing/2010/main">
-                  <a:solidFill>
-                    <a:srgbClr val="FFFFFF"/>
-                  </a:solidFill>
-                </a14:hiddenFill>
-              </a:ext>
-            </a:extLst>
-          </p:spPr>
-        </p:pic>
-      </p:grpSp>
-      <p:grpSp>
-        <p:nvGrpSpPr>
-          <p:cNvPr id="20" name="Group 19">
-            <a:extLst>
-              <a:ext uri="{FF2B5EF4-FFF2-40B4-BE49-F238E27FC236}">
-                <a16:creationId xmlns:a16="http://schemas.microsoft.com/office/drawing/2014/main" id="{10DC6104-DCD0-F843-D9B1-C9D35D715912}"/>
-              </a:ext>
-            </a:extLst>
-          </p:cNvPr>
-          <p:cNvGrpSpPr/>
-          <p:nvPr/>
-        </p:nvGrpSpPr>
-        <p:grpSpPr>
-          <a:xfrm>
-            <a:off x="4513025" y="8366275"/>
-            <a:ext cx="817785" cy="1507975"/>
-            <a:chOff x="4568825" y="3954463"/>
-            <a:chExt cx="1343025" cy="2476501"/>
-          </a:xfrm>
-        </p:grpSpPr>
-        <p:sp>
-          <p:nvSpPr>
-            <p:cNvPr id="21" name="Freeform: Shape 20">
-              <a:extLst>
-                <a:ext uri="{FF2B5EF4-FFF2-40B4-BE49-F238E27FC236}">
-                  <a16:creationId xmlns:a16="http://schemas.microsoft.com/office/drawing/2014/main" id="{42E44783-03C1-51E0-A296-380EC8DBCAF2}"/>
-                </a:ext>
-              </a:extLst>
-            </p:cNvPr>
-            <p:cNvSpPr/>
-            <p:nvPr/>
-          </p:nvSpPr>
-          <p:spPr>
-            <a:xfrm>
-              <a:off x="4568825" y="3954463"/>
-              <a:ext cx="1343025" cy="1406525"/>
-            </a:xfrm>
-            <a:custGeom>
-              <a:avLst/>
-              <a:gdLst>
                 <a:gd name="csX0" fmla="*/ 0 w 1343025"/>
                 <a:gd name="csY0" fmla="*/ 0 h 1406525"/>
                 <a:gd name="csX1" fmla="*/ 474536 w 1343025"/>
@@ -7034,6 +6280,895 @@
         </p:sp>
         <p:sp>
           <p:nvSpPr>
+            <p:cNvPr id="3" name="Freeform: Shape 2">
+              <a:extLst>
+                <a:ext uri="{FF2B5EF4-FFF2-40B4-BE49-F238E27FC236}">
+                  <a16:creationId xmlns:a16="http://schemas.microsoft.com/office/drawing/2014/main" id="{6C359AAE-AE64-910F-4244-86C63D09505C}"/>
+                </a:ext>
+              </a:extLst>
+            </p:cNvPr>
+            <p:cNvSpPr/>
+            <p:nvPr/>
+          </p:nvSpPr>
+          <p:spPr>
+            <a:xfrm>
+              <a:off x="4738688" y="5460290"/>
+              <a:ext cx="992187" cy="970674"/>
+            </a:xfrm>
+            <a:custGeom>
+              <a:avLst/>
+              <a:gdLst>
+                <a:gd name="csX0" fmla="*/ 0 w 992187"/>
+                <a:gd name="csY0" fmla="*/ 970673 h 970674"/>
+                <a:gd name="csX1" fmla="*/ 506015 w 992187"/>
+                <a:gd name="csY1" fmla="*/ 970673 h 970674"/>
+                <a:gd name="csX2" fmla="*/ 992187 w 992187"/>
+                <a:gd name="csY2" fmla="*/ 970673 h 970674"/>
+                <a:gd name="csX3" fmla="*/ 862012 w 992187"/>
+                <a:gd name="csY3" fmla="*/ 485337 h 970674"/>
+                <a:gd name="csX4" fmla="*/ 731837 w 992187"/>
+                <a:gd name="csY4" fmla="*/ 0 h 970674"/>
+                <a:gd name="csX5" fmla="*/ 254000 w 992187"/>
+                <a:gd name="csY5" fmla="*/ 0 h 970674"/>
+                <a:gd name="csX6" fmla="*/ 129540 w 992187"/>
+                <a:gd name="csY6" fmla="*/ 475630 h 970674"/>
+                <a:gd name="csX7" fmla="*/ 0 w 992187"/>
+                <a:gd name="csY7" fmla="*/ 970673 h 970674"/>
+              </a:gdLst>
+              <a:ahLst/>
+              <a:cxnLst>
+                <a:cxn ang="0">
+                  <a:pos x="csX0" y="csY0"/>
+                </a:cxn>
+                <a:cxn ang="0">
+                  <a:pos x="csX1" y="csY1"/>
+                </a:cxn>
+                <a:cxn ang="0">
+                  <a:pos x="csX2" y="csY2"/>
+                </a:cxn>
+                <a:cxn ang="0">
+                  <a:pos x="csX3" y="csY3"/>
+                </a:cxn>
+                <a:cxn ang="0">
+                  <a:pos x="csX4" y="csY4"/>
+                </a:cxn>
+                <a:cxn ang="0">
+                  <a:pos x="csX5" y="csY5"/>
+                </a:cxn>
+                <a:cxn ang="0">
+                  <a:pos x="csX6" y="csY6"/>
+                </a:cxn>
+                <a:cxn ang="0">
+                  <a:pos x="csX7" y="csY7"/>
+                </a:cxn>
+              </a:cxnLst>
+              <a:rect l="l" t="t" r="r" b="b"/>
+              <a:pathLst>
+                <a:path w="992187" h="970674" fill="none" extrusionOk="0">
+                  <a:moveTo>
+                    <a:pt x="0" y="970673"/>
+                  </a:moveTo>
+                  <a:cubicBezTo>
+                    <a:pt x="199398" y="914951"/>
+                    <a:pt x="381162" y="986307"/>
+                    <a:pt x="506015" y="970673"/>
+                  </a:cubicBezTo>
+                  <a:cubicBezTo>
+                    <a:pt x="630869" y="955039"/>
+                    <a:pt x="847261" y="997104"/>
+                    <a:pt x="992187" y="970673"/>
+                  </a:cubicBezTo>
+                  <a:cubicBezTo>
+                    <a:pt x="919974" y="815730"/>
+                    <a:pt x="936779" y="617462"/>
+                    <a:pt x="862012" y="485337"/>
+                  </a:cubicBezTo>
+                  <a:cubicBezTo>
+                    <a:pt x="787245" y="353212"/>
+                    <a:pt x="838731" y="198914"/>
+                    <a:pt x="731837" y="0"/>
+                  </a:cubicBezTo>
+                  <a:cubicBezTo>
+                    <a:pt x="598804" y="12999"/>
+                    <a:pt x="445568" y="-45813"/>
+                    <a:pt x="254000" y="0"/>
+                  </a:cubicBezTo>
+                  <a:cubicBezTo>
+                    <a:pt x="228358" y="227324"/>
+                    <a:pt x="149970" y="346085"/>
+                    <a:pt x="129540" y="475630"/>
+                  </a:cubicBezTo>
+                  <a:cubicBezTo>
+                    <a:pt x="109110" y="605175"/>
+                    <a:pt x="29359" y="827949"/>
+                    <a:pt x="0" y="970673"/>
+                  </a:cubicBezTo>
+                  <a:close/>
+                </a:path>
+                <a:path w="992187" h="970674" stroke="0" extrusionOk="0">
+                  <a:moveTo>
+                    <a:pt x="0" y="970673"/>
+                  </a:moveTo>
+                  <a:cubicBezTo>
+                    <a:pt x="113668" y="952576"/>
+                    <a:pt x="268518" y="981441"/>
+                    <a:pt x="476250" y="970673"/>
+                  </a:cubicBezTo>
+                  <a:cubicBezTo>
+                    <a:pt x="683982" y="959905"/>
+                    <a:pt x="782710" y="1030700"/>
+                    <a:pt x="992187" y="970673"/>
+                  </a:cubicBezTo>
+                  <a:cubicBezTo>
+                    <a:pt x="930096" y="779354"/>
+                    <a:pt x="965578" y="713368"/>
+                    <a:pt x="869823" y="514457"/>
+                  </a:cubicBezTo>
+                  <a:cubicBezTo>
+                    <a:pt x="774067" y="315546"/>
+                    <a:pt x="778707" y="122647"/>
+                    <a:pt x="731837" y="0"/>
+                  </a:cubicBezTo>
+                  <a:cubicBezTo>
+                    <a:pt x="636089" y="13334"/>
+                    <a:pt x="361472" y="-8201"/>
+                    <a:pt x="254000" y="0"/>
+                  </a:cubicBezTo>
+                  <a:cubicBezTo>
+                    <a:pt x="252820" y="117774"/>
+                    <a:pt x="175731" y="291913"/>
+                    <a:pt x="132080" y="465923"/>
+                  </a:cubicBezTo>
+                  <a:cubicBezTo>
+                    <a:pt x="88429" y="639933"/>
+                    <a:pt x="27820" y="843652"/>
+                    <a:pt x="0" y="970673"/>
+                  </a:cubicBezTo>
+                  <a:close/>
+                </a:path>
+              </a:pathLst>
+            </a:custGeom>
+            <a:solidFill>
+              <a:schemeClr val="bg1"/>
+            </a:solidFill>
+            <a:ln w="12700">
+              <a:solidFill>
+                <a:schemeClr val="tx1"/>
+              </a:solidFill>
+              <a:extLst>
+                <a:ext uri="{C807C97D-BFC1-408E-A445-0C87EB9F89A2}">
+                  <ask:lineSketchStyleProps xmlns:ask="http://schemas.microsoft.com/office/drawing/2018/sketchyshapes" sd="2586312744">
+                    <a:custGeom>
+                      <a:avLst/>
+                      <a:gdLst>
+                        <a:gd name="csX0" fmla="*/ 0 w 992187"/>
+                        <a:gd name="csY0" fmla="*/ 892175 h 892175"/>
+                        <a:gd name="csX1" fmla="*/ 992187 w 992187"/>
+                        <a:gd name="csY1" fmla="*/ 892175 h 892175"/>
+                        <a:gd name="csX2" fmla="*/ 731837 w 992187"/>
+                        <a:gd name="csY2" fmla="*/ 0 h 892175"/>
+                        <a:gd name="csX3" fmla="*/ 254000 w 992187"/>
+                        <a:gd name="csY3" fmla="*/ 0 h 892175"/>
+                        <a:gd name="csX4" fmla="*/ 0 w 992187"/>
+                        <a:gd name="csY4" fmla="*/ 892175 h 892175"/>
+                      </a:gdLst>
+                      <a:ahLst/>
+                      <a:cxnLst>
+                        <a:cxn ang="0">
+                          <a:pos x="csX0" y="csY0"/>
+                        </a:cxn>
+                        <a:cxn ang="0">
+                          <a:pos x="csX1" y="csY1"/>
+                        </a:cxn>
+                        <a:cxn ang="0">
+                          <a:pos x="csX2" y="csY2"/>
+                        </a:cxn>
+                        <a:cxn ang="0">
+                          <a:pos x="csX3" y="csY3"/>
+                        </a:cxn>
+                        <a:cxn ang="0">
+                          <a:pos x="csX4" y="csY4"/>
+                        </a:cxn>
+                      </a:cxnLst>
+                      <a:rect l="l" t="t" r="r" b="b"/>
+                      <a:pathLst>
+                        <a:path w="992187" h="892175">
+                          <a:moveTo>
+                            <a:pt x="0" y="892175"/>
+                          </a:moveTo>
+                          <a:lnTo>
+                            <a:pt x="992187" y="892175"/>
+                          </a:lnTo>
+                          <a:lnTo>
+                            <a:pt x="731837" y="0"/>
+                          </a:lnTo>
+                          <a:lnTo>
+                            <a:pt x="254000" y="0"/>
+                          </a:lnTo>
+                          <a:lnTo>
+                            <a:pt x="0" y="892175"/>
+                          </a:lnTo>
+                          <a:close/>
+                        </a:path>
+                      </a:pathLst>
+                    </a:custGeom>
+                    <ask:type>
+                      <ask:lineSketchScribble/>
+                    </ask:type>
+                  </ask:lineSketchStyleProps>
+                </a:ext>
+              </a:extLst>
+            </a:ln>
+          </p:spPr>
+          <p:style>
+            <a:lnRef idx="2">
+              <a:schemeClr val="accent1">
+                <a:shade val="15000"/>
+              </a:schemeClr>
+            </a:lnRef>
+            <a:fillRef idx="1">
+              <a:schemeClr val="accent1"/>
+            </a:fillRef>
+            <a:effectRef idx="0">
+              <a:schemeClr val="accent1"/>
+            </a:effectRef>
+            <a:fontRef idx="minor">
+              <a:schemeClr val="lt1"/>
+            </a:fontRef>
+          </p:style>
+          <p:txBody>
+            <a:bodyPr rtlCol="0" anchor="ctr"/>
+            <a:lstStyle/>
+            <a:p>
+              <a:pPr algn="ctr"/>
+              <a:endParaRPr lang="en-US"/>
+            </a:p>
+          </p:txBody>
+        </p:sp>
+        <p:sp>
+          <p:nvSpPr>
+            <p:cNvPr id="8" name="Freeform: Shape 7">
+              <a:extLst>
+                <a:ext uri="{FF2B5EF4-FFF2-40B4-BE49-F238E27FC236}">
+                  <a16:creationId xmlns:a16="http://schemas.microsoft.com/office/drawing/2014/main" id="{CC67F6FA-D32B-C721-8C94-DCE82E9B60D6}"/>
+                </a:ext>
+              </a:extLst>
+            </p:cNvPr>
+            <p:cNvSpPr/>
+            <p:nvPr/>
+          </p:nvSpPr>
+          <p:spPr>
+            <a:xfrm>
+              <a:off x="4960938" y="5357813"/>
+              <a:ext cx="554831" cy="95250"/>
+            </a:xfrm>
+            <a:custGeom>
+              <a:avLst/>
+              <a:gdLst>
+                <a:gd name="csX0" fmla="*/ 554831 w 554831"/>
+                <a:gd name="csY0" fmla="*/ 95250 h 95250"/>
+                <a:gd name="csX1" fmla="*/ 0 w 554831"/>
+                <a:gd name="csY1" fmla="*/ 95250 h 95250"/>
+                <a:gd name="csX2" fmla="*/ 0 w 554831"/>
+                <a:gd name="csY2" fmla="*/ 0 h 95250"/>
+                <a:gd name="csX3" fmla="*/ 554037 w 554831"/>
+                <a:gd name="csY3" fmla="*/ 0 h 95250"/>
+                <a:gd name="csX4" fmla="*/ 554831 w 554831"/>
+                <a:gd name="csY4" fmla="*/ 95250 h 95250"/>
+              </a:gdLst>
+              <a:ahLst/>
+              <a:cxnLst>
+                <a:cxn ang="0">
+                  <a:pos x="csX0" y="csY0"/>
+                </a:cxn>
+                <a:cxn ang="0">
+                  <a:pos x="csX1" y="csY1"/>
+                </a:cxn>
+                <a:cxn ang="0">
+                  <a:pos x="csX2" y="csY2"/>
+                </a:cxn>
+                <a:cxn ang="0">
+                  <a:pos x="csX3" y="csY3"/>
+                </a:cxn>
+                <a:cxn ang="0">
+                  <a:pos x="csX4" y="csY4"/>
+                </a:cxn>
+              </a:cxnLst>
+              <a:rect l="l" t="t" r="r" b="b"/>
+              <a:pathLst>
+                <a:path w="554831" h="95250" fill="none" extrusionOk="0">
+                  <a:moveTo>
+                    <a:pt x="554831" y="95250"/>
+                  </a:moveTo>
+                  <a:cubicBezTo>
+                    <a:pt x="332444" y="156913"/>
+                    <a:pt x="186917" y="71339"/>
+                    <a:pt x="0" y="95250"/>
+                  </a:cubicBezTo>
+                  <a:cubicBezTo>
+                    <a:pt x="-1144" y="61630"/>
+                    <a:pt x="8373" y="29280"/>
+                    <a:pt x="0" y="0"/>
+                  </a:cubicBezTo>
+                  <a:cubicBezTo>
+                    <a:pt x="141617" y="-25306"/>
+                    <a:pt x="352311" y="39046"/>
+                    <a:pt x="554037" y="0"/>
+                  </a:cubicBezTo>
+                  <a:cubicBezTo>
+                    <a:pt x="561506" y="30688"/>
+                    <a:pt x="560817" y="62932"/>
+                    <a:pt x="554831" y="95250"/>
+                  </a:cubicBezTo>
+                  <a:close/>
+                </a:path>
+                <a:path w="554831" h="95250" stroke="0" extrusionOk="0">
+                  <a:moveTo>
+                    <a:pt x="554831" y="95250"/>
+                  </a:moveTo>
+                  <a:cubicBezTo>
+                    <a:pt x="440892" y="157690"/>
+                    <a:pt x="177780" y="72866"/>
+                    <a:pt x="0" y="95250"/>
+                  </a:cubicBezTo>
+                  <a:cubicBezTo>
+                    <a:pt x="-6362" y="70765"/>
+                    <a:pt x="5752" y="19551"/>
+                    <a:pt x="0" y="0"/>
+                  </a:cubicBezTo>
+                  <a:cubicBezTo>
+                    <a:pt x="196818" y="-65538"/>
+                    <a:pt x="403890" y="29507"/>
+                    <a:pt x="554037" y="0"/>
+                  </a:cubicBezTo>
+                  <a:cubicBezTo>
+                    <a:pt x="555997" y="36420"/>
+                    <a:pt x="550048" y="69321"/>
+                    <a:pt x="554831" y="95250"/>
+                  </a:cubicBezTo>
+                  <a:close/>
+                </a:path>
+              </a:pathLst>
+            </a:custGeom>
+            <a:solidFill>
+              <a:schemeClr val="bg1"/>
+            </a:solidFill>
+            <a:ln w="12700">
+              <a:solidFill>
+                <a:schemeClr val="tx1"/>
+              </a:solidFill>
+              <a:extLst>
+                <a:ext uri="{C807C97D-BFC1-408E-A445-0C87EB9F89A2}">
+                  <ask:lineSketchStyleProps xmlns:ask="http://schemas.microsoft.com/office/drawing/2018/sketchyshapes" sd="510079494">
+                    <a:custGeom>
+                      <a:avLst/>
+                      <a:gdLst>
+                        <a:gd name="csX0" fmla="*/ 566737 w 566737"/>
+                        <a:gd name="csY0" fmla="*/ 95250 h 95250"/>
+                        <a:gd name="csX1" fmla="*/ 0 w 566737"/>
+                        <a:gd name="csY1" fmla="*/ 95250 h 95250"/>
+                        <a:gd name="csX2" fmla="*/ 0 w 566737"/>
+                        <a:gd name="csY2" fmla="*/ 0 h 95250"/>
+                        <a:gd name="csX3" fmla="*/ 554037 w 566737"/>
+                        <a:gd name="csY3" fmla="*/ 0 h 95250"/>
+                        <a:gd name="csX4" fmla="*/ 566737 w 566737"/>
+                        <a:gd name="csY4" fmla="*/ 95250 h 95250"/>
+                        <a:gd name="csX0" fmla="*/ 554831 w 554831"/>
+                        <a:gd name="csY0" fmla="*/ 95250 h 95250"/>
+                        <a:gd name="csX1" fmla="*/ 0 w 554831"/>
+                        <a:gd name="csY1" fmla="*/ 95250 h 95250"/>
+                        <a:gd name="csX2" fmla="*/ 0 w 554831"/>
+                        <a:gd name="csY2" fmla="*/ 0 h 95250"/>
+                        <a:gd name="csX3" fmla="*/ 554037 w 554831"/>
+                        <a:gd name="csY3" fmla="*/ 0 h 95250"/>
+                        <a:gd name="csX4" fmla="*/ 554831 w 554831"/>
+                        <a:gd name="csY4" fmla="*/ 95250 h 95250"/>
+                      </a:gdLst>
+                      <a:ahLst/>
+                      <a:cxnLst>
+                        <a:cxn ang="0">
+                          <a:pos x="csX0" y="csY0"/>
+                        </a:cxn>
+                        <a:cxn ang="0">
+                          <a:pos x="csX1" y="csY1"/>
+                        </a:cxn>
+                        <a:cxn ang="0">
+                          <a:pos x="csX2" y="csY2"/>
+                        </a:cxn>
+                        <a:cxn ang="0">
+                          <a:pos x="csX3" y="csY3"/>
+                        </a:cxn>
+                        <a:cxn ang="0">
+                          <a:pos x="csX4" y="csY4"/>
+                        </a:cxn>
+                      </a:cxnLst>
+                      <a:rect l="l" t="t" r="r" b="b"/>
+                      <a:pathLst>
+                        <a:path w="554831" h="95250">
+                          <a:moveTo>
+                            <a:pt x="554831" y="95250"/>
+                          </a:moveTo>
+                          <a:lnTo>
+                            <a:pt x="0" y="95250"/>
+                          </a:lnTo>
+                          <a:lnTo>
+                            <a:pt x="0" y="0"/>
+                          </a:lnTo>
+                          <a:lnTo>
+                            <a:pt x="554037" y="0"/>
+                          </a:lnTo>
+                          <a:cubicBezTo>
+                            <a:pt x="554302" y="31750"/>
+                            <a:pt x="554566" y="63500"/>
+                            <a:pt x="554831" y="95250"/>
+                          </a:cubicBezTo>
+                          <a:close/>
+                        </a:path>
+                      </a:pathLst>
+                    </a:custGeom>
+                    <ask:type>
+                      <ask:lineSketchScribble/>
+                    </ask:type>
+                  </ask:lineSketchStyleProps>
+                </a:ext>
+              </a:extLst>
+            </a:ln>
+          </p:spPr>
+          <p:style>
+            <a:lnRef idx="2">
+              <a:schemeClr val="accent1">
+                <a:shade val="15000"/>
+              </a:schemeClr>
+            </a:lnRef>
+            <a:fillRef idx="1">
+              <a:schemeClr val="accent1"/>
+            </a:fillRef>
+            <a:effectRef idx="0">
+              <a:schemeClr val="accent1"/>
+            </a:effectRef>
+            <a:fontRef idx="minor">
+              <a:schemeClr val="lt1"/>
+            </a:fontRef>
+          </p:style>
+          <p:txBody>
+            <a:bodyPr rtlCol="0" anchor="ctr"/>
+            <a:lstStyle/>
+            <a:p>
+              <a:pPr algn="ctr"/>
+              <a:endParaRPr lang="en-US" dirty="0"/>
+            </a:p>
+          </p:txBody>
+        </p:sp>
+      </p:grpSp>
+      <p:grpSp>
+        <p:nvGrpSpPr>
+          <p:cNvPr id="19" name="Group 18">
+            <a:extLst>
+              <a:ext uri="{FF2B5EF4-FFF2-40B4-BE49-F238E27FC236}">
+                <a16:creationId xmlns:a16="http://schemas.microsoft.com/office/drawing/2014/main" id="{BEBEF4EC-A2E8-A113-2DB1-F8F3E35017A1}"/>
+              </a:ext>
+            </a:extLst>
+          </p:cNvPr>
+          <p:cNvGrpSpPr/>
+          <p:nvPr/>
+        </p:nvGrpSpPr>
+        <p:grpSpPr>
+          <a:xfrm>
+            <a:off x="4579383" y="5452578"/>
+            <a:ext cx="2097642" cy="2471688"/>
+            <a:chOff x="2355939" y="8159750"/>
+            <a:chExt cx="258674" cy="304800"/>
+          </a:xfrm>
+        </p:grpSpPr>
+        <p:pic>
+          <p:nvPicPr>
+            <p:cNvPr id="17" name="Picture 4" descr="bottle icon">
+              <a:extLst>
+                <a:ext uri="{FF2B5EF4-FFF2-40B4-BE49-F238E27FC236}">
+                  <a16:creationId xmlns:a16="http://schemas.microsoft.com/office/drawing/2014/main" id="{7E058B34-4896-E1C9-790B-FF4B9CFBB9D8}"/>
+                </a:ext>
+              </a:extLst>
+            </p:cNvPr>
+            <p:cNvPicPr>
+              <a:picLocks noChangeAspect="1" noChangeArrowheads="1"/>
+            </p:cNvPicPr>
+            <p:nvPr/>
+          </p:nvPicPr>
+          <p:blipFill rotWithShape="1">
+            <a:blip r:embed="rId5">
+              <a:extLst>
+                <a:ext uri="{28A0092B-C50C-407E-A947-70E740481C1C}">
+                  <a14:useLocalDpi xmlns:a14="http://schemas.microsoft.com/office/drawing/2010/main" val="0"/>
+                </a:ext>
+              </a:extLst>
+            </a:blip>
+            <a:srcRect r="28286"/>
+            <a:stretch>
+              <a:fillRect/>
+            </a:stretch>
+          </p:blipFill>
+          <p:spPr bwMode="auto">
+            <a:xfrm>
+              <a:off x="2396029" y="8159750"/>
+              <a:ext cx="218584" cy="304800"/>
+            </a:xfrm>
+            <a:prstGeom prst="rect">
+              <a:avLst/>
+            </a:prstGeom>
+            <a:noFill/>
+            <a:extLst>
+              <a:ext uri="{909E8E84-426E-40DD-AFC4-6F175D3DCCD1}">
+                <a14:hiddenFill xmlns:a14="http://schemas.microsoft.com/office/drawing/2010/main">
+                  <a:solidFill>
+                    <a:srgbClr val="FFFFFF"/>
+                  </a:solidFill>
+                </a14:hiddenFill>
+              </a:ext>
+            </a:extLst>
+          </p:spPr>
+        </p:pic>
+        <p:pic>
+          <p:nvPicPr>
+            <p:cNvPr id="18" name="Picture 6" descr="wine icon">
+              <a:extLst>
+                <a:ext uri="{FF2B5EF4-FFF2-40B4-BE49-F238E27FC236}">
+                  <a16:creationId xmlns:a16="http://schemas.microsoft.com/office/drawing/2014/main" id="{2725FE82-2C3A-A114-FA31-500AC3B7E1D4}"/>
+                </a:ext>
+              </a:extLst>
+            </p:cNvPr>
+            <p:cNvPicPr>
+              <a:picLocks noChangeAspect="1" noChangeArrowheads="1"/>
+            </p:cNvPicPr>
+            <p:nvPr/>
+          </p:nvPicPr>
+          <p:blipFill rotWithShape="1">
+            <a:blip r:embed="rId6">
+              <a:extLst>
+                <a:ext uri="{28A0092B-C50C-407E-A947-70E740481C1C}">
+                  <a14:useLocalDpi xmlns:a14="http://schemas.microsoft.com/office/drawing/2010/main" val="0"/>
+                </a:ext>
+              </a:extLst>
+            </a:blip>
+            <a:srcRect l="20351" t="20354" r="48222" b="18610"/>
+            <a:stretch>
+              <a:fillRect/>
+            </a:stretch>
+          </p:blipFill>
+          <p:spPr bwMode="auto">
+            <a:xfrm>
+              <a:off x="2355939" y="8214344"/>
+              <a:ext cx="120247" cy="233538"/>
+            </a:xfrm>
+            <a:prstGeom prst="rect">
+              <a:avLst/>
+            </a:prstGeom>
+            <a:noFill/>
+            <a:extLst>
+              <a:ext uri="{909E8E84-426E-40DD-AFC4-6F175D3DCCD1}">
+                <a14:hiddenFill xmlns:a14="http://schemas.microsoft.com/office/drawing/2010/main">
+                  <a:solidFill>
+                    <a:srgbClr val="FFFFFF"/>
+                  </a:solidFill>
+                </a14:hiddenFill>
+              </a:ext>
+            </a:extLst>
+          </p:spPr>
+        </p:pic>
+      </p:grpSp>
+      <p:grpSp>
+        <p:nvGrpSpPr>
+          <p:cNvPr id="20" name="Group 19">
+            <a:extLst>
+              <a:ext uri="{FF2B5EF4-FFF2-40B4-BE49-F238E27FC236}">
+                <a16:creationId xmlns:a16="http://schemas.microsoft.com/office/drawing/2014/main" id="{10DC6104-DCD0-F843-D9B1-C9D35D715912}"/>
+              </a:ext>
+            </a:extLst>
+          </p:cNvPr>
+          <p:cNvGrpSpPr/>
+          <p:nvPr/>
+        </p:nvGrpSpPr>
+        <p:grpSpPr>
+          <a:xfrm>
+            <a:off x="4170490" y="8446118"/>
+            <a:ext cx="817785" cy="1507975"/>
+            <a:chOff x="4568825" y="3954463"/>
+            <a:chExt cx="1343025" cy="2476501"/>
+          </a:xfrm>
+        </p:grpSpPr>
+        <p:sp>
+          <p:nvSpPr>
+            <p:cNvPr id="21" name="Freeform: Shape 20">
+              <a:extLst>
+                <a:ext uri="{FF2B5EF4-FFF2-40B4-BE49-F238E27FC236}">
+                  <a16:creationId xmlns:a16="http://schemas.microsoft.com/office/drawing/2014/main" id="{42E44783-03C1-51E0-A296-380EC8DBCAF2}"/>
+                </a:ext>
+              </a:extLst>
+            </p:cNvPr>
+            <p:cNvSpPr/>
+            <p:nvPr/>
+          </p:nvSpPr>
+          <p:spPr>
+            <a:xfrm>
+              <a:off x="4568825" y="3954463"/>
+              <a:ext cx="1343025" cy="1406525"/>
+            </a:xfrm>
+            <a:custGeom>
+              <a:avLst/>
+              <a:gdLst>
+                <a:gd name="csX0" fmla="*/ 0 w 1343025"/>
+                <a:gd name="csY0" fmla="*/ 0 h 1406525"/>
+                <a:gd name="csX1" fmla="*/ 474536 w 1343025"/>
+                <a:gd name="csY1" fmla="*/ 0 h 1406525"/>
+                <a:gd name="csX2" fmla="*/ 922211 w 1343025"/>
+                <a:gd name="csY2" fmla="*/ 0 h 1406525"/>
+                <a:gd name="csX3" fmla="*/ 1343025 w 1343025"/>
+                <a:gd name="csY3" fmla="*/ 0 h 1406525"/>
+                <a:gd name="csX4" fmla="*/ 1202383 w 1343025"/>
+                <a:gd name="csY4" fmla="*/ 454776 h 1406525"/>
+                <a:gd name="csX5" fmla="*/ 1066091 w 1343025"/>
+                <a:gd name="csY5" fmla="*/ 895487 h 1406525"/>
+                <a:gd name="csX6" fmla="*/ 908050 w 1343025"/>
+                <a:gd name="csY6" fmla="*/ 1406524 h 1406525"/>
+                <a:gd name="csX7" fmla="*/ 438150 w 1343025"/>
+                <a:gd name="csY7" fmla="*/ 1406524 h 1406525"/>
+                <a:gd name="csX8" fmla="*/ 292100 w 1343025"/>
+                <a:gd name="csY8" fmla="*/ 937683 h 1406525"/>
+                <a:gd name="csX9" fmla="*/ 141669 w 1343025"/>
+                <a:gd name="csY9" fmla="*/ 454776 h 1406525"/>
+                <a:gd name="csX10" fmla="*/ 0 w 1343025"/>
+                <a:gd name="csY10" fmla="*/ 0 h 1406525"/>
+              </a:gdLst>
+              <a:ahLst/>
+              <a:cxnLst>
+                <a:cxn ang="0">
+                  <a:pos x="csX0" y="csY0"/>
+                </a:cxn>
+                <a:cxn ang="0">
+                  <a:pos x="csX1" y="csY1"/>
+                </a:cxn>
+                <a:cxn ang="0">
+                  <a:pos x="csX2" y="csY2"/>
+                </a:cxn>
+                <a:cxn ang="0">
+                  <a:pos x="csX3" y="csY3"/>
+                </a:cxn>
+                <a:cxn ang="0">
+                  <a:pos x="csX4" y="csY4"/>
+                </a:cxn>
+                <a:cxn ang="0">
+                  <a:pos x="csX5" y="csY5"/>
+                </a:cxn>
+                <a:cxn ang="0">
+                  <a:pos x="csX6" y="csY6"/>
+                </a:cxn>
+                <a:cxn ang="0">
+                  <a:pos x="csX7" y="csY7"/>
+                </a:cxn>
+                <a:cxn ang="0">
+                  <a:pos x="csX8" y="csY8"/>
+                </a:cxn>
+                <a:cxn ang="0">
+                  <a:pos x="csX9" y="csY9"/>
+                </a:cxn>
+                <a:cxn ang="0">
+                  <a:pos x="csX10" y="csY10"/>
+                </a:cxn>
+              </a:cxnLst>
+              <a:rect l="l" t="t" r="r" b="b"/>
+              <a:pathLst>
+                <a:path w="1343025" h="1406525" fill="none" extrusionOk="0">
+                  <a:moveTo>
+                    <a:pt x="0" y="0"/>
+                  </a:moveTo>
+                  <a:cubicBezTo>
+                    <a:pt x="98207" y="-23324"/>
+                    <a:pt x="342943" y="38581"/>
+                    <a:pt x="474536" y="0"/>
+                  </a:cubicBezTo>
+                  <a:cubicBezTo>
+                    <a:pt x="606129" y="-38581"/>
+                    <a:pt x="756984" y="7428"/>
+                    <a:pt x="922211" y="0"/>
+                  </a:cubicBezTo>
+                  <a:cubicBezTo>
+                    <a:pt x="1087439" y="-7428"/>
+                    <a:pt x="1168510" y="37467"/>
+                    <a:pt x="1343025" y="0"/>
+                  </a:cubicBezTo>
+                  <a:cubicBezTo>
+                    <a:pt x="1349751" y="129588"/>
+                    <a:pt x="1246748" y="268901"/>
+                    <a:pt x="1202383" y="454776"/>
+                  </a:cubicBezTo>
+                  <a:cubicBezTo>
+                    <a:pt x="1158019" y="640651"/>
+                    <a:pt x="1082833" y="727212"/>
+                    <a:pt x="1066091" y="895487"/>
+                  </a:cubicBezTo>
+                  <a:cubicBezTo>
+                    <a:pt x="1049349" y="1063762"/>
+                    <a:pt x="939486" y="1251192"/>
+                    <a:pt x="908050" y="1406524"/>
+                  </a:cubicBezTo>
+                  <a:cubicBezTo>
+                    <a:pt x="677087" y="1427960"/>
+                    <a:pt x="624317" y="1385735"/>
+                    <a:pt x="438150" y="1406524"/>
+                  </a:cubicBezTo>
+                  <a:cubicBezTo>
+                    <a:pt x="342844" y="1202737"/>
+                    <a:pt x="361204" y="1019262"/>
+                    <a:pt x="292100" y="937683"/>
+                  </a:cubicBezTo>
+                  <a:cubicBezTo>
+                    <a:pt x="222997" y="856104"/>
+                    <a:pt x="211132" y="638665"/>
+                    <a:pt x="141669" y="454776"/>
+                  </a:cubicBezTo>
+                  <a:cubicBezTo>
+                    <a:pt x="72205" y="270888"/>
+                    <a:pt x="91474" y="101467"/>
+                    <a:pt x="0" y="0"/>
+                  </a:cubicBezTo>
+                  <a:close/>
+                </a:path>
+                <a:path w="1343025" h="1406525" stroke="0" extrusionOk="0">
+                  <a:moveTo>
+                    <a:pt x="0" y="0"/>
+                  </a:moveTo>
+                  <a:cubicBezTo>
+                    <a:pt x="200886" y="-3677"/>
+                    <a:pt x="233565" y="35963"/>
+                    <a:pt x="420814" y="0"/>
+                  </a:cubicBezTo>
+                  <a:cubicBezTo>
+                    <a:pt x="608063" y="-35963"/>
+                    <a:pt x="703521" y="4756"/>
+                    <a:pt x="855059" y="0"/>
+                  </a:cubicBezTo>
+                  <a:cubicBezTo>
+                    <a:pt x="1006598" y="-4756"/>
+                    <a:pt x="1153305" y="19115"/>
+                    <a:pt x="1343025" y="0"/>
+                  </a:cubicBezTo>
+                  <a:cubicBezTo>
+                    <a:pt x="1294234" y="181971"/>
+                    <a:pt x="1217254" y="275520"/>
+                    <a:pt x="1189334" y="496972"/>
+                  </a:cubicBezTo>
+                  <a:cubicBezTo>
+                    <a:pt x="1161414" y="718424"/>
+                    <a:pt x="1088574" y="767896"/>
+                    <a:pt x="1044342" y="965813"/>
+                  </a:cubicBezTo>
+                  <a:cubicBezTo>
+                    <a:pt x="1000110" y="1163730"/>
+                    <a:pt x="927824" y="1255579"/>
+                    <a:pt x="908050" y="1406524"/>
+                  </a:cubicBezTo>
+                  <a:cubicBezTo>
+                    <a:pt x="693390" y="1430430"/>
+                    <a:pt x="535259" y="1353698"/>
+                    <a:pt x="438150" y="1406524"/>
+                  </a:cubicBezTo>
+                  <a:cubicBezTo>
+                    <a:pt x="364377" y="1307359"/>
+                    <a:pt x="366156" y="1172585"/>
+                    <a:pt x="305245" y="979878"/>
+                  </a:cubicBezTo>
+                  <a:cubicBezTo>
+                    <a:pt x="244334" y="787171"/>
+                    <a:pt x="205665" y="642302"/>
+                    <a:pt x="150431" y="482907"/>
+                  </a:cubicBezTo>
+                  <a:cubicBezTo>
+                    <a:pt x="95197" y="323512"/>
+                    <a:pt x="78544" y="182871"/>
+                    <a:pt x="0" y="0"/>
+                  </a:cubicBezTo>
+                  <a:close/>
+                </a:path>
+              </a:pathLst>
+            </a:custGeom>
+            <a:solidFill>
+              <a:schemeClr val="bg1"/>
+            </a:solidFill>
+            <a:ln w="28575">
+              <a:solidFill>
+                <a:schemeClr val="tx1"/>
+              </a:solidFill>
+              <a:extLst>
+                <a:ext uri="{C807C97D-BFC1-408E-A445-0C87EB9F89A2}">
+                  <ask:lineSketchStyleProps xmlns:ask="http://schemas.microsoft.com/office/drawing/2018/sketchyshapes" sd="1700445973">
+                    <a:custGeom>
+                      <a:avLst/>
+                      <a:gdLst>
+                        <a:gd name="csX0" fmla="*/ 0 w 1343025"/>
+                        <a:gd name="csY0" fmla="*/ 0 h 1341437"/>
+                        <a:gd name="csX1" fmla="*/ 1343025 w 1343025"/>
+                        <a:gd name="csY1" fmla="*/ 0 h 1341437"/>
+                        <a:gd name="csX2" fmla="*/ 908050 w 1343025"/>
+                        <a:gd name="csY2" fmla="*/ 1341437 h 1341437"/>
+                        <a:gd name="csX3" fmla="*/ 438150 w 1343025"/>
+                        <a:gd name="csY3" fmla="*/ 1341437 h 1341437"/>
+                        <a:gd name="csX4" fmla="*/ 0 w 1343025"/>
+                        <a:gd name="csY4" fmla="*/ 0 h 1341437"/>
+                      </a:gdLst>
+                      <a:ahLst/>
+                      <a:cxnLst>
+                        <a:cxn ang="0">
+                          <a:pos x="csX0" y="csY0"/>
+                        </a:cxn>
+                        <a:cxn ang="0">
+                          <a:pos x="csX1" y="csY1"/>
+                        </a:cxn>
+                        <a:cxn ang="0">
+                          <a:pos x="csX2" y="csY2"/>
+                        </a:cxn>
+                        <a:cxn ang="0">
+                          <a:pos x="csX3" y="csY3"/>
+                        </a:cxn>
+                        <a:cxn ang="0">
+                          <a:pos x="csX4" y="csY4"/>
+                        </a:cxn>
+                      </a:cxnLst>
+                      <a:rect l="l" t="t" r="r" b="b"/>
+                      <a:pathLst>
+                        <a:path w="1343025" h="1341437">
+                          <a:moveTo>
+                            <a:pt x="0" y="0"/>
+                          </a:moveTo>
+                          <a:lnTo>
+                            <a:pt x="1343025" y="0"/>
+                          </a:lnTo>
+                          <a:lnTo>
+                            <a:pt x="908050" y="1341437"/>
+                          </a:lnTo>
+                          <a:lnTo>
+                            <a:pt x="438150" y="1341437"/>
+                          </a:lnTo>
+                          <a:lnTo>
+                            <a:pt x="0" y="0"/>
+                          </a:lnTo>
+                          <a:close/>
+                        </a:path>
+                      </a:pathLst>
+                    </a:custGeom>
+                    <ask:type>
+                      <ask:lineSketchScribble/>
+                    </ask:type>
+                  </ask:lineSketchStyleProps>
+                </a:ext>
+              </a:extLst>
+            </a:ln>
+          </p:spPr>
+          <p:style>
+            <a:lnRef idx="2">
+              <a:schemeClr val="accent1">
+                <a:shade val="15000"/>
+              </a:schemeClr>
+            </a:lnRef>
+            <a:fillRef idx="1">
+              <a:schemeClr val="accent1"/>
+            </a:fillRef>
+            <a:effectRef idx="0">
+              <a:schemeClr val="accent1"/>
+            </a:effectRef>
+            <a:fontRef idx="minor">
+              <a:schemeClr val="lt1"/>
+            </a:fontRef>
+          </p:style>
+          <p:txBody>
+            <a:bodyPr rtlCol="0" anchor="ctr"/>
+            <a:lstStyle/>
+            <a:p>
+              <a:pPr algn="ctr"/>
+              <a:endParaRPr lang="en-US"/>
+            </a:p>
+          </p:txBody>
+        </p:sp>
+        <p:sp>
+          <p:nvSpPr>
             <p:cNvPr id="22" name="Freeform: Shape 21">
               <a:extLst>
                 <a:ext uri="{FF2B5EF4-FFF2-40B4-BE49-F238E27FC236}">
@@ -7185,7 +7320,7 @@
             <a:solidFill>
               <a:schemeClr val="bg1"/>
             </a:solidFill>
-            <a:ln w="12700">
+            <a:ln w="28575">
               <a:solidFill>
                 <a:schemeClr val="tx1"/>
               </a:solidFill>

--- a/icons/icon workspace.pptx
+++ b/icons/icon workspace.pptx
@@ -6874,6 +6874,7 @@
             <a:chOff x="4568825" y="3954463"/>
             <a:chExt cx="1343025" cy="2476501"/>
           </a:xfrm>
+          <a:noFill/>
         </p:grpSpPr>
         <p:sp>
           <p:nvSpPr>
@@ -7070,9 +7071,7 @@
                 </a:path>
               </a:pathLst>
             </a:custGeom>
-            <a:solidFill>
-              <a:schemeClr val="bg1"/>
-            </a:solidFill>
+            <a:grpFill/>
             <a:ln w="28575">
               <a:solidFill>
                 <a:schemeClr val="tx1"/>
@@ -7317,9 +7316,7 @@
                 </a:path>
               </a:pathLst>
             </a:custGeom>
-            <a:solidFill>
-              <a:schemeClr val="bg1"/>
-            </a:solidFill>
+            <a:grpFill/>
             <a:ln w="28575">
               <a:solidFill>
                 <a:schemeClr val="tx1"/>

--- a/icons/icon workspace.pptx
+++ b/icons/icon workspace.pptx
@@ -5,11 +5,11 @@
     <p:sldMasterId id="2147483660" r:id="rId1"/>
   </p:sldMasterIdLst>
   <p:sldIdLst>
-    <p:sldId id="256" r:id="rId2"/>
-    <p:sldId id="257" r:id="rId3"/>
-    <p:sldId id="258" r:id="rId4"/>
-    <p:sldId id="259" r:id="rId5"/>
-    <p:sldId id="261" r:id="rId6"/>
+    <p:sldId id="261" r:id="rId2"/>
+    <p:sldId id="256" r:id="rId3"/>
+    <p:sldId id="257" r:id="rId4"/>
+    <p:sldId id="258" r:id="rId5"/>
+    <p:sldId id="259" r:id="rId6"/>
     <p:sldId id="260" r:id="rId7"/>
   </p:sldIdLst>
   <p:sldSz cx="6858000" cy="12192000"/>
@@ -2962,2690 +2962,6 @@
 </file>
 
 <file path=ppt/slides/slide1.xml><?xml version="1.0" encoding="utf-8"?>
-<p:sld xmlns:a="http://schemas.openxmlformats.org/drawingml/2006/main" xmlns:r="http://schemas.openxmlformats.org/officeDocument/2006/relationships" xmlns:p="http://schemas.openxmlformats.org/presentationml/2006/main">
-  <p:cSld>
-    <p:spTree>
-      <p:nvGrpSpPr>
-        <p:cNvPr id="1" name=""/>
-        <p:cNvGrpSpPr/>
-        <p:nvPr/>
-      </p:nvGrpSpPr>
-      <p:grpSpPr>
-        <a:xfrm>
-          <a:off x="0" y="0"/>
-          <a:ext cx="0" cy="0"/>
-          <a:chOff x="0" y="0"/>
-          <a:chExt cx="0" cy="0"/>
-        </a:xfrm>
-      </p:grpSpPr>
-      <p:sp>
-        <p:nvSpPr>
-          <p:cNvPr id="4" name="Rectangle 3">
-            <a:extLst>
-              <a:ext uri="{FF2B5EF4-FFF2-40B4-BE49-F238E27FC236}">
-                <a16:creationId xmlns:a16="http://schemas.microsoft.com/office/drawing/2014/main" id="{977B907E-B426-104B-5554-7E762C9D06A4}"/>
-              </a:ext>
-            </a:extLst>
-          </p:cNvPr>
-          <p:cNvSpPr/>
-          <p:nvPr/>
-        </p:nvSpPr>
-        <p:spPr>
-          <a:xfrm>
-            <a:off x="4269347" y="5229695"/>
-            <a:ext cx="698108" cy="833102"/>
-          </a:xfrm>
-          <a:custGeom>
-            <a:avLst/>
-            <a:gdLst>
-              <a:gd name="csX0" fmla="*/ 0 w 698108"/>
-              <a:gd name="csY0" fmla="*/ 0 h 833102"/>
-              <a:gd name="csX1" fmla="*/ 698108 w 698108"/>
-              <a:gd name="csY1" fmla="*/ 0 h 833102"/>
-              <a:gd name="csX2" fmla="*/ 698108 w 698108"/>
-              <a:gd name="csY2" fmla="*/ 424882 h 833102"/>
-              <a:gd name="csX3" fmla="*/ 698108 w 698108"/>
-              <a:gd name="csY3" fmla="*/ 833102 h 833102"/>
-              <a:gd name="csX4" fmla="*/ 0 w 698108"/>
-              <a:gd name="csY4" fmla="*/ 833102 h 833102"/>
-              <a:gd name="csX5" fmla="*/ 0 w 698108"/>
-              <a:gd name="csY5" fmla="*/ 416551 h 833102"/>
-              <a:gd name="csX6" fmla="*/ 0 w 698108"/>
-              <a:gd name="csY6" fmla="*/ 0 h 833102"/>
-            </a:gdLst>
-            <a:ahLst/>
-            <a:cxnLst>
-              <a:cxn ang="0">
-                <a:pos x="csX0" y="csY0"/>
-              </a:cxn>
-              <a:cxn ang="0">
-                <a:pos x="csX1" y="csY1"/>
-              </a:cxn>
-              <a:cxn ang="0">
-                <a:pos x="csX2" y="csY2"/>
-              </a:cxn>
-              <a:cxn ang="0">
-                <a:pos x="csX3" y="csY3"/>
-              </a:cxn>
-              <a:cxn ang="0">
-                <a:pos x="csX4" y="csY4"/>
-              </a:cxn>
-              <a:cxn ang="0">
-                <a:pos x="csX5" y="csY5"/>
-              </a:cxn>
-              <a:cxn ang="0">
-                <a:pos x="csX6" y="csY6"/>
-              </a:cxn>
-            </a:cxnLst>
-            <a:rect l="l" t="t" r="r" b="b"/>
-            <a:pathLst>
-              <a:path w="698108" h="833102" fill="none" extrusionOk="0">
-                <a:moveTo>
-                  <a:pt x="0" y="0"/>
-                </a:moveTo>
-                <a:cubicBezTo>
-                  <a:pt x="202731" y="10479"/>
-                  <a:pt x="475032" y="-27622"/>
-                  <a:pt x="698108" y="0"/>
-                </a:cubicBezTo>
-                <a:cubicBezTo>
-                  <a:pt x="695909" y="128635"/>
-                  <a:pt x="685014" y="310709"/>
-                  <a:pt x="698108" y="424882"/>
-                </a:cubicBezTo>
-                <a:cubicBezTo>
-                  <a:pt x="711202" y="539055"/>
-                  <a:pt x="698494" y="633453"/>
-                  <a:pt x="698108" y="833102"/>
-                </a:cubicBezTo>
-                <a:cubicBezTo>
-                  <a:pt x="504640" y="867799"/>
-                  <a:pt x="273818" y="863380"/>
-                  <a:pt x="0" y="833102"/>
-                </a:cubicBezTo>
-                <a:cubicBezTo>
-                  <a:pt x="-3338" y="686020"/>
-                  <a:pt x="9505" y="549997"/>
-                  <a:pt x="0" y="416551"/>
-                </a:cubicBezTo>
-                <a:cubicBezTo>
-                  <a:pt x="-9505" y="283105"/>
-                  <a:pt x="7425" y="199120"/>
-                  <a:pt x="0" y="0"/>
-                </a:cubicBezTo>
-                <a:close/>
-              </a:path>
-              <a:path w="698108" h="833102" stroke="0" extrusionOk="0">
-                <a:moveTo>
-                  <a:pt x="0" y="0"/>
-                </a:moveTo>
-                <a:cubicBezTo>
-                  <a:pt x="233910" y="-14660"/>
-                  <a:pt x="392738" y="-3402"/>
-                  <a:pt x="698108" y="0"/>
-                </a:cubicBezTo>
-                <a:cubicBezTo>
-                  <a:pt x="698286" y="148722"/>
-                  <a:pt x="700384" y="288308"/>
-                  <a:pt x="698108" y="399889"/>
-                </a:cubicBezTo>
-                <a:cubicBezTo>
-                  <a:pt x="695832" y="511470"/>
-                  <a:pt x="695088" y="717154"/>
-                  <a:pt x="698108" y="833102"/>
-                </a:cubicBezTo>
-                <a:cubicBezTo>
-                  <a:pt x="533326" y="862774"/>
-                  <a:pt x="329312" y="834966"/>
-                  <a:pt x="0" y="833102"/>
-                </a:cubicBezTo>
-                <a:cubicBezTo>
-                  <a:pt x="11402" y="620096"/>
-                  <a:pt x="-5519" y="537698"/>
-                  <a:pt x="0" y="399889"/>
-                </a:cubicBezTo>
-                <a:cubicBezTo>
-                  <a:pt x="5519" y="262080"/>
-                  <a:pt x="-4872" y="141675"/>
-                  <a:pt x="0" y="0"/>
-                </a:cubicBezTo>
-                <a:close/>
-              </a:path>
-            </a:pathLst>
-          </a:custGeom>
-          <a:solidFill>
-            <a:schemeClr val="bg1"/>
-          </a:solidFill>
-          <a:ln w="38100">
-            <a:solidFill>
-              <a:schemeClr val="tx1"/>
-            </a:solidFill>
-            <a:extLst>
-              <a:ext uri="{C807C97D-BFC1-408E-A445-0C87EB9F89A2}">
-                <ask:lineSketchStyleProps xmlns:ask="http://schemas.microsoft.com/office/drawing/2018/sketchyshapes" sd="1381636961">
-                  <a:prstGeom prst="rect">
-                    <a:avLst/>
-                  </a:prstGeom>
-                  <ask:type>
-                    <ask:lineSketchFreehand/>
-                  </ask:type>
-                </ask:lineSketchStyleProps>
-              </a:ext>
-            </a:extLst>
-          </a:ln>
-        </p:spPr>
-        <p:style>
-          <a:lnRef idx="2">
-            <a:schemeClr val="accent1">
-              <a:shade val="15000"/>
-            </a:schemeClr>
-          </a:lnRef>
-          <a:fillRef idx="1">
-            <a:schemeClr val="accent1"/>
-          </a:fillRef>
-          <a:effectRef idx="0">
-            <a:schemeClr val="accent1"/>
-          </a:effectRef>
-          <a:fontRef idx="minor">
-            <a:schemeClr val="lt1"/>
-          </a:fontRef>
-        </p:style>
-        <p:txBody>
-          <a:bodyPr rtlCol="0" anchor="ctr"/>
-          <a:lstStyle/>
-          <a:p>
-            <a:pPr algn="ctr"/>
-            <a:endParaRPr lang="en-US" sz="1013"/>
-          </a:p>
-        </p:txBody>
-      </p:sp>
-      <p:sp>
-        <p:nvSpPr>
-          <p:cNvPr id="5" name="Rectangle 4">
-            <a:extLst>
-              <a:ext uri="{FF2B5EF4-FFF2-40B4-BE49-F238E27FC236}">
-                <a16:creationId xmlns:a16="http://schemas.microsoft.com/office/drawing/2014/main" id="{6D114C9F-CFCF-8C1F-A97D-8A7815CCA48B}"/>
-              </a:ext>
-            </a:extLst>
-          </p:cNvPr>
-          <p:cNvSpPr/>
-          <p:nvPr/>
-        </p:nvSpPr>
-        <p:spPr>
-          <a:xfrm>
-            <a:off x="4355072" y="5315420"/>
-            <a:ext cx="698108" cy="833102"/>
-          </a:xfrm>
-          <a:custGeom>
-            <a:avLst/>
-            <a:gdLst>
-              <a:gd name="csX0" fmla="*/ 0 w 698108"/>
-              <a:gd name="csY0" fmla="*/ 0 h 833102"/>
-              <a:gd name="csX1" fmla="*/ 698108 w 698108"/>
-              <a:gd name="csY1" fmla="*/ 0 h 833102"/>
-              <a:gd name="csX2" fmla="*/ 698108 w 698108"/>
-              <a:gd name="csY2" fmla="*/ 433213 h 833102"/>
-              <a:gd name="csX3" fmla="*/ 698108 w 698108"/>
-              <a:gd name="csY3" fmla="*/ 833102 h 833102"/>
-              <a:gd name="csX4" fmla="*/ 0 w 698108"/>
-              <a:gd name="csY4" fmla="*/ 833102 h 833102"/>
-              <a:gd name="csX5" fmla="*/ 0 w 698108"/>
-              <a:gd name="csY5" fmla="*/ 416551 h 833102"/>
-              <a:gd name="csX6" fmla="*/ 0 w 698108"/>
-              <a:gd name="csY6" fmla="*/ 0 h 833102"/>
-            </a:gdLst>
-            <a:ahLst/>
-            <a:cxnLst>
-              <a:cxn ang="0">
-                <a:pos x="csX0" y="csY0"/>
-              </a:cxn>
-              <a:cxn ang="0">
-                <a:pos x="csX1" y="csY1"/>
-              </a:cxn>
-              <a:cxn ang="0">
-                <a:pos x="csX2" y="csY2"/>
-              </a:cxn>
-              <a:cxn ang="0">
-                <a:pos x="csX3" y="csY3"/>
-              </a:cxn>
-              <a:cxn ang="0">
-                <a:pos x="csX4" y="csY4"/>
-              </a:cxn>
-              <a:cxn ang="0">
-                <a:pos x="csX5" y="csY5"/>
-              </a:cxn>
-              <a:cxn ang="0">
-                <a:pos x="csX6" y="csY6"/>
-              </a:cxn>
-            </a:cxnLst>
-            <a:rect l="l" t="t" r="r" b="b"/>
-            <a:pathLst>
-              <a:path w="698108" h="833102" fill="none" extrusionOk="0">
-                <a:moveTo>
-                  <a:pt x="0" y="0"/>
-                </a:moveTo>
-                <a:cubicBezTo>
-                  <a:pt x="250732" y="-19793"/>
-                  <a:pt x="356353" y="-27951"/>
-                  <a:pt x="698108" y="0"/>
-                </a:cubicBezTo>
-                <a:cubicBezTo>
-                  <a:pt x="716497" y="89941"/>
-                  <a:pt x="717961" y="298195"/>
-                  <a:pt x="698108" y="433213"/>
-                </a:cubicBezTo>
-                <a:cubicBezTo>
-                  <a:pt x="678255" y="568231"/>
-                  <a:pt x="709444" y="667611"/>
-                  <a:pt x="698108" y="833102"/>
-                </a:cubicBezTo>
-                <a:cubicBezTo>
-                  <a:pt x="510182" y="838352"/>
-                  <a:pt x="156727" y="808934"/>
-                  <a:pt x="0" y="833102"/>
-                </a:cubicBezTo>
-                <a:cubicBezTo>
-                  <a:pt x="7961" y="718932"/>
-                  <a:pt x="5026" y="559502"/>
-                  <a:pt x="0" y="416551"/>
-                </a:cubicBezTo>
-                <a:cubicBezTo>
-                  <a:pt x="-5026" y="273600"/>
-                  <a:pt x="13269" y="193456"/>
-                  <a:pt x="0" y="0"/>
-                </a:cubicBezTo>
-                <a:close/>
-              </a:path>
-              <a:path w="698108" h="833102" stroke="0" extrusionOk="0">
-                <a:moveTo>
-                  <a:pt x="0" y="0"/>
-                </a:moveTo>
-                <a:cubicBezTo>
-                  <a:pt x="340503" y="-11899"/>
-                  <a:pt x="457324" y="32456"/>
-                  <a:pt x="698108" y="0"/>
-                </a:cubicBezTo>
-                <a:cubicBezTo>
-                  <a:pt x="694692" y="132737"/>
-                  <a:pt x="684858" y="231074"/>
-                  <a:pt x="698108" y="416551"/>
-                </a:cubicBezTo>
-                <a:cubicBezTo>
-                  <a:pt x="711358" y="602028"/>
-                  <a:pt x="698482" y="647539"/>
-                  <a:pt x="698108" y="833102"/>
-                </a:cubicBezTo>
-                <a:cubicBezTo>
-                  <a:pt x="459191" y="864598"/>
-                  <a:pt x="201639" y="854608"/>
-                  <a:pt x="0" y="833102"/>
-                </a:cubicBezTo>
-                <a:cubicBezTo>
-                  <a:pt x="12015" y="688889"/>
-                  <a:pt x="6414" y="567872"/>
-                  <a:pt x="0" y="433213"/>
-                </a:cubicBezTo>
-                <a:cubicBezTo>
-                  <a:pt x="-6414" y="298554"/>
-                  <a:pt x="-4007" y="99694"/>
-                  <a:pt x="0" y="0"/>
-                </a:cubicBezTo>
-                <a:close/>
-              </a:path>
-            </a:pathLst>
-          </a:custGeom>
-          <a:solidFill>
-            <a:schemeClr val="bg1"/>
-          </a:solidFill>
-          <a:ln w="38100">
-            <a:solidFill>
-              <a:schemeClr val="tx1"/>
-            </a:solidFill>
-            <a:extLst>
-              <a:ext uri="{C807C97D-BFC1-408E-A445-0C87EB9F89A2}">
-                <ask:lineSketchStyleProps xmlns:ask="http://schemas.microsoft.com/office/drawing/2018/sketchyshapes" sd="1697105241">
-                  <a:prstGeom prst="rect">
-                    <a:avLst/>
-                  </a:prstGeom>
-                  <ask:type>
-                    <ask:lineSketchFreehand/>
-                  </ask:type>
-                </ask:lineSketchStyleProps>
-              </a:ext>
-            </a:extLst>
-          </a:ln>
-        </p:spPr>
-        <p:style>
-          <a:lnRef idx="2">
-            <a:schemeClr val="accent1">
-              <a:shade val="15000"/>
-            </a:schemeClr>
-          </a:lnRef>
-          <a:fillRef idx="1">
-            <a:schemeClr val="accent1"/>
-          </a:fillRef>
-          <a:effectRef idx="0">
-            <a:schemeClr val="accent1"/>
-          </a:effectRef>
-          <a:fontRef idx="minor">
-            <a:schemeClr val="lt1"/>
-          </a:fontRef>
-        </p:style>
-        <p:txBody>
-          <a:bodyPr rtlCol="0" anchor="ctr"/>
-          <a:lstStyle/>
-          <a:p>
-            <a:pPr algn="ctr"/>
-            <a:endParaRPr lang="en-US" sz="1013"/>
-          </a:p>
-        </p:txBody>
-      </p:sp>
-      <p:sp>
-        <p:nvSpPr>
-          <p:cNvPr id="6" name="Rectangle 5">
-            <a:extLst>
-              <a:ext uri="{FF2B5EF4-FFF2-40B4-BE49-F238E27FC236}">
-                <a16:creationId xmlns:a16="http://schemas.microsoft.com/office/drawing/2014/main" id="{10DB347A-078A-B1D8-18CD-8916C9D143E3}"/>
-              </a:ext>
-            </a:extLst>
-          </p:cNvPr>
-          <p:cNvSpPr/>
-          <p:nvPr/>
-        </p:nvSpPr>
-        <p:spPr>
-          <a:xfrm>
-            <a:off x="4440797" y="5401145"/>
-            <a:ext cx="698108" cy="833102"/>
-          </a:xfrm>
-          <a:custGeom>
-            <a:avLst/>
-            <a:gdLst>
-              <a:gd name="csX0" fmla="*/ 0 w 698108"/>
-              <a:gd name="csY0" fmla="*/ 0 h 833102"/>
-              <a:gd name="csX1" fmla="*/ 698108 w 698108"/>
-              <a:gd name="csY1" fmla="*/ 0 h 833102"/>
-              <a:gd name="csX2" fmla="*/ 698108 w 698108"/>
-              <a:gd name="csY2" fmla="*/ 416551 h 833102"/>
-              <a:gd name="csX3" fmla="*/ 698108 w 698108"/>
-              <a:gd name="csY3" fmla="*/ 833102 h 833102"/>
-              <a:gd name="csX4" fmla="*/ 0 w 698108"/>
-              <a:gd name="csY4" fmla="*/ 833102 h 833102"/>
-              <a:gd name="csX5" fmla="*/ 0 w 698108"/>
-              <a:gd name="csY5" fmla="*/ 399889 h 833102"/>
-              <a:gd name="csX6" fmla="*/ 0 w 698108"/>
-              <a:gd name="csY6" fmla="*/ 0 h 833102"/>
-            </a:gdLst>
-            <a:ahLst/>
-            <a:cxnLst>
-              <a:cxn ang="0">
-                <a:pos x="csX0" y="csY0"/>
-              </a:cxn>
-              <a:cxn ang="0">
-                <a:pos x="csX1" y="csY1"/>
-              </a:cxn>
-              <a:cxn ang="0">
-                <a:pos x="csX2" y="csY2"/>
-              </a:cxn>
-              <a:cxn ang="0">
-                <a:pos x="csX3" y="csY3"/>
-              </a:cxn>
-              <a:cxn ang="0">
-                <a:pos x="csX4" y="csY4"/>
-              </a:cxn>
-              <a:cxn ang="0">
-                <a:pos x="csX5" y="csY5"/>
-              </a:cxn>
-              <a:cxn ang="0">
-                <a:pos x="csX6" y="csY6"/>
-              </a:cxn>
-            </a:cxnLst>
-            <a:rect l="l" t="t" r="r" b="b"/>
-            <a:pathLst>
-              <a:path w="698108" h="833102" fill="none" extrusionOk="0">
-                <a:moveTo>
-                  <a:pt x="0" y="0"/>
-                </a:moveTo>
-                <a:cubicBezTo>
-                  <a:pt x="307324" y="-13676"/>
-                  <a:pt x="427269" y="-26198"/>
-                  <a:pt x="698108" y="0"/>
-                </a:cubicBezTo>
-                <a:cubicBezTo>
-                  <a:pt x="715296" y="206628"/>
-                  <a:pt x="706768" y="283413"/>
-                  <a:pt x="698108" y="416551"/>
-                </a:cubicBezTo>
-                <a:cubicBezTo>
-                  <a:pt x="689448" y="549689"/>
-                  <a:pt x="700911" y="720375"/>
-                  <a:pt x="698108" y="833102"/>
-                </a:cubicBezTo>
-                <a:cubicBezTo>
-                  <a:pt x="364779" y="804363"/>
-                  <a:pt x="302642" y="805082"/>
-                  <a:pt x="0" y="833102"/>
-                </a:cubicBezTo>
-                <a:cubicBezTo>
-                  <a:pt x="4077" y="676051"/>
-                  <a:pt x="-17107" y="607700"/>
-                  <a:pt x="0" y="399889"/>
-                </a:cubicBezTo>
-                <a:cubicBezTo>
-                  <a:pt x="17107" y="192078"/>
-                  <a:pt x="8409" y="83801"/>
-                  <a:pt x="0" y="0"/>
-                </a:cubicBezTo>
-                <a:close/>
-              </a:path>
-              <a:path w="698108" h="833102" stroke="0" extrusionOk="0">
-                <a:moveTo>
-                  <a:pt x="0" y="0"/>
-                </a:moveTo>
-                <a:cubicBezTo>
-                  <a:pt x="190011" y="13842"/>
-                  <a:pt x="441488" y="-6703"/>
-                  <a:pt x="698108" y="0"/>
-                </a:cubicBezTo>
-                <a:cubicBezTo>
-                  <a:pt x="718370" y="135614"/>
-                  <a:pt x="718633" y="235065"/>
-                  <a:pt x="698108" y="433213"/>
-                </a:cubicBezTo>
-                <a:cubicBezTo>
-                  <a:pt x="677583" y="631361"/>
-                  <a:pt x="715651" y="670882"/>
-                  <a:pt x="698108" y="833102"/>
-                </a:cubicBezTo>
-                <a:cubicBezTo>
-                  <a:pt x="491978" y="830909"/>
-                  <a:pt x="270322" y="825760"/>
-                  <a:pt x="0" y="833102"/>
-                </a:cubicBezTo>
-                <a:cubicBezTo>
-                  <a:pt x="1474" y="695849"/>
-                  <a:pt x="15485" y="513747"/>
-                  <a:pt x="0" y="399889"/>
-                </a:cubicBezTo>
-                <a:cubicBezTo>
-                  <a:pt x="-15485" y="286031"/>
-                  <a:pt x="-15052" y="132867"/>
-                  <a:pt x="0" y="0"/>
-                </a:cubicBezTo>
-                <a:close/>
-              </a:path>
-            </a:pathLst>
-          </a:custGeom>
-          <a:solidFill>
-            <a:schemeClr val="bg1"/>
-          </a:solidFill>
-          <a:ln w="38100">
-            <a:solidFill>
-              <a:schemeClr val="tx1"/>
-            </a:solidFill>
-            <a:extLst>
-              <a:ext uri="{C807C97D-BFC1-408E-A445-0C87EB9F89A2}">
-                <ask:lineSketchStyleProps xmlns:ask="http://schemas.microsoft.com/office/drawing/2018/sketchyshapes" sd="1495722173">
-                  <a:prstGeom prst="rect">
-                    <a:avLst/>
-                  </a:prstGeom>
-                  <ask:type>
-                    <ask:lineSketchFreehand/>
-                  </ask:type>
-                </ask:lineSketchStyleProps>
-              </a:ext>
-            </a:extLst>
-          </a:ln>
-        </p:spPr>
-        <p:style>
-          <a:lnRef idx="2">
-            <a:schemeClr val="accent1">
-              <a:shade val="15000"/>
-            </a:schemeClr>
-          </a:lnRef>
-          <a:fillRef idx="1">
-            <a:schemeClr val="accent1"/>
-          </a:fillRef>
-          <a:effectRef idx="0">
-            <a:schemeClr val="accent1"/>
-          </a:effectRef>
-          <a:fontRef idx="minor">
-            <a:schemeClr val="lt1"/>
-          </a:fontRef>
-        </p:style>
-        <p:txBody>
-          <a:bodyPr rtlCol="0" anchor="ctr"/>
-          <a:lstStyle/>
-          <a:p>
-            <a:pPr algn="ctr"/>
-            <a:endParaRPr lang="en-US" sz="1013"/>
-          </a:p>
-        </p:txBody>
-      </p:sp>
-      <p:pic>
-        <p:nvPicPr>
-          <p:cNvPr id="1026" name="Picture 2" descr="book icon">
-            <a:extLst>
-              <a:ext uri="{FF2B5EF4-FFF2-40B4-BE49-F238E27FC236}">
-                <a16:creationId xmlns:a16="http://schemas.microsoft.com/office/drawing/2014/main" id="{E090B038-92EE-93C3-7E86-E619ED4F1B51}"/>
-              </a:ext>
-            </a:extLst>
-          </p:cNvPr>
-          <p:cNvPicPr>
-            <a:picLocks noChangeAspect="1" noChangeArrowheads="1"/>
-          </p:cNvPicPr>
-          <p:nvPr/>
-        </p:nvPicPr>
-        <p:blipFill>
-          <a:blip r:embed="rId2">
-            <a:extLst>
-              <a:ext uri="{28A0092B-C50C-407E-A947-70E740481C1C}">
-                <a14:useLocalDpi xmlns:a14="http://schemas.microsoft.com/office/drawing/2010/main" val="0"/>
-              </a:ext>
-            </a:extLst>
-          </a:blip>
-          <a:srcRect/>
-          <a:stretch>
-            <a:fillRect/>
-          </a:stretch>
-        </p:blipFill>
-        <p:spPr bwMode="auto">
-          <a:xfrm>
-            <a:off x="644748" y="5127066"/>
-            <a:ext cx="1021456" cy="1021456"/>
-          </a:xfrm>
-          <a:prstGeom prst="rect">
-            <a:avLst/>
-          </a:prstGeom>
-          <a:noFill/>
-          <a:extLst>
-            <a:ext uri="{909E8E84-426E-40DD-AFC4-6F175D3DCCD1}">
-              <a14:hiddenFill xmlns:a14="http://schemas.microsoft.com/office/drawing/2010/main">
-                <a:solidFill>
-                  <a:srgbClr val="FFFFFF"/>
-                </a:solidFill>
-              </a14:hiddenFill>
-            </a:ext>
-          </a:extLst>
-        </p:spPr>
-      </p:pic>
-      <p:pic>
-        <p:nvPicPr>
-          <p:cNvPr id="1028" name="Picture 4" descr="book icon">
-            <a:extLst>
-              <a:ext uri="{FF2B5EF4-FFF2-40B4-BE49-F238E27FC236}">
-                <a16:creationId xmlns:a16="http://schemas.microsoft.com/office/drawing/2014/main" id="{3534FC0B-F77A-8C7F-3346-C72CBDD7DCF0}"/>
-              </a:ext>
-            </a:extLst>
-          </p:cNvPr>
-          <p:cNvPicPr>
-            <a:picLocks noChangeAspect="1" noChangeArrowheads="1"/>
-          </p:cNvPicPr>
-          <p:nvPr/>
-        </p:nvPicPr>
-        <p:blipFill>
-          <a:blip r:embed="rId3">
-            <a:extLst>
-              <a:ext uri="{28A0092B-C50C-407E-A947-70E740481C1C}">
-                <a14:useLocalDpi xmlns:a14="http://schemas.microsoft.com/office/drawing/2010/main" val="0"/>
-              </a:ext>
-            </a:extLst>
-          </a:blip>
-          <a:srcRect/>
-          <a:stretch>
-            <a:fillRect/>
-          </a:stretch>
-        </p:blipFill>
-        <p:spPr bwMode="auto">
-          <a:xfrm>
-            <a:off x="2057400" y="4724400"/>
-            <a:ext cx="2743200" cy="2743200"/>
-          </a:xfrm>
-          <a:prstGeom prst="rect">
-            <a:avLst/>
-          </a:prstGeom>
-          <a:noFill/>
-          <a:extLst>
-            <a:ext uri="{909E8E84-426E-40DD-AFC4-6F175D3DCCD1}">
-              <a14:hiddenFill xmlns:a14="http://schemas.microsoft.com/office/drawing/2010/main">
-                <a:solidFill>
-                  <a:srgbClr val="FFFFFF"/>
-                </a:solidFill>
-              </a14:hiddenFill>
-            </a:ext>
-          </a:extLst>
-        </p:spPr>
-      </p:pic>
-      <p:pic>
-        <p:nvPicPr>
-          <p:cNvPr id="1030" name="Picture 6" descr="book icon">
-            <a:extLst>
-              <a:ext uri="{FF2B5EF4-FFF2-40B4-BE49-F238E27FC236}">
-                <a16:creationId xmlns:a16="http://schemas.microsoft.com/office/drawing/2014/main" id="{2C9D2331-4ED0-F546-2FCE-FAC8D733D5A8}"/>
-              </a:ext>
-            </a:extLst>
-          </p:cNvPr>
-          <p:cNvPicPr>
-            <a:picLocks noChangeAspect="1" noChangeArrowheads="1"/>
-          </p:cNvPicPr>
-          <p:nvPr/>
-        </p:nvPicPr>
-        <p:blipFill>
-          <a:blip r:embed="rId4">
-            <a:extLst>
-              <a:ext uri="{28A0092B-C50C-407E-A947-70E740481C1C}">
-                <a14:useLocalDpi xmlns:a14="http://schemas.microsoft.com/office/drawing/2010/main" val="0"/>
-              </a:ext>
-            </a:extLst>
-          </a:blip>
-          <a:srcRect/>
-          <a:stretch>
-            <a:fillRect/>
-          </a:stretch>
-        </p:blipFill>
-        <p:spPr bwMode="auto">
-          <a:xfrm>
-            <a:off x="2143125" y="4810125"/>
-            <a:ext cx="2743200" cy="2743200"/>
-          </a:xfrm>
-          <a:prstGeom prst="rect">
-            <a:avLst/>
-          </a:prstGeom>
-          <a:noFill/>
-          <a:extLst>
-            <a:ext uri="{909E8E84-426E-40DD-AFC4-6F175D3DCCD1}">
-              <a14:hiddenFill xmlns:a14="http://schemas.microsoft.com/office/drawing/2010/main">
-                <a:solidFill>
-                  <a:srgbClr val="FFFFFF"/>
-                </a:solidFill>
-              </a14:hiddenFill>
-            </a:ext>
-          </a:extLst>
-        </p:spPr>
-      </p:pic>
-    </p:spTree>
-    <p:extLst>
-      <p:ext uri="{BB962C8B-B14F-4D97-AF65-F5344CB8AC3E}">
-        <p14:creationId xmlns:p14="http://schemas.microsoft.com/office/powerpoint/2010/main" val="1159967484"/>
-      </p:ext>
-    </p:extLst>
-  </p:cSld>
-  <p:clrMapOvr>
-    <a:masterClrMapping/>
-  </p:clrMapOvr>
-</p:sld>
-</file>
-
-<file path=ppt/slides/slide2.xml><?xml version="1.0" encoding="utf-8"?>
-<p:sld xmlns:a="http://schemas.openxmlformats.org/drawingml/2006/main" xmlns:r="http://schemas.openxmlformats.org/officeDocument/2006/relationships" xmlns:p="http://schemas.openxmlformats.org/presentationml/2006/main">
-  <p:cSld>
-    <p:spTree>
-      <p:nvGrpSpPr>
-        <p:cNvPr id="1" name=""/>
-        <p:cNvGrpSpPr/>
-        <p:nvPr/>
-      </p:nvGrpSpPr>
-      <p:grpSpPr>
-        <a:xfrm>
-          <a:off x="0" y="0"/>
-          <a:ext cx="0" cy="0"/>
-          <a:chOff x="0" y="0"/>
-          <a:chExt cx="0" cy="0"/>
-        </a:xfrm>
-      </p:grpSpPr>
-      <p:sp>
-        <p:nvSpPr>
-          <p:cNvPr id="5" name="Rectangle 4">
-            <a:extLst>
-              <a:ext uri="{FF2B5EF4-FFF2-40B4-BE49-F238E27FC236}">
-                <a16:creationId xmlns:a16="http://schemas.microsoft.com/office/drawing/2014/main" id="{8E2C00D0-8484-DE5F-8420-C5881C5B9A32}"/>
-              </a:ext>
-            </a:extLst>
-          </p:cNvPr>
-          <p:cNvSpPr/>
-          <p:nvPr/>
-        </p:nvSpPr>
-        <p:spPr>
-          <a:xfrm>
-            <a:off x="4829417" y="8762547"/>
-            <a:ext cx="293949" cy="350790"/>
-          </a:xfrm>
-          <a:custGeom>
-            <a:avLst/>
-            <a:gdLst>
-              <a:gd name="csX0" fmla="*/ 0 w 293949"/>
-              <a:gd name="csY0" fmla="*/ 0 h 350790"/>
-              <a:gd name="csX1" fmla="*/ 293949 w 293949"/>
-              <a:gd name="csY1" fmla="*/ 0 h 350790"/>
-              <a:gd name="csX2" fmla="*/ 293949 w 293949"/>
-              <a:gd name="csY2" fmla="*/ 350790 h 350790"/>
-              <a:gd name="csX3" fmla="*/ 0 w 293949"/>
-              <a:gd name="csY3" fmla="*/ 350790 h 350790"/>
-              <a:gd name="csX4" fmla="*/ 0 w 293949"/>
-              <a:gd name="csY4" fmla="*/ 0 h 350790"/>
-            </a:gdLst>
-            <a:ahLst/>
-            <a:cxnLst>
-              <a:cxn ang="0">
-                <a:pos x="csX0" y="csY0"/>
-              </a:cxn>
-              <a:cxn ang="0">
-                <a:pos x="csX1" y="csY1"/>
-              </a:cxn>
-              <a:cxn ang="0">
-                <a:pos x="csX2" y="csY2"/>
-              </a:cxn>
-              <a:cxn ang="0">
-                <a:pos x="csX3" y="csY3"/>
-              </a:cxn>
-              <a:cxn ang="0">
-                <a:pos x="csX4" y="csY4"/>
-              </a:cxn>
-            </a:cxnLst>
-            <a:rect l="l" t="t" r="r" b="b"/>
-            <a:pathLst>
-              <a:path w="293949" h="350790" fill="none" extrusionOk="0">
-                <a:moveTo>
-                  <a:pt x="0" y="0"/>
-                </a:moveTo>
-                <a:cubicBezTo>
-                  <a:pt x="103628" y="-10687"/>
-                  <a:pt x="234113" y="-6108"/>
-                  <a:pt x="293949" y="0"/>
-                </a:cubicBezTo>
-                <a:cubicBezTo>
-                  <a:pt x="281140" y="122726"/>
-                  <a:pt x="294750" y="177976"/>
-                  <a:pt x="293949" y="350790"/>
-                </a:cubicBezTo>
-                <a:cubicBezTo>
-                  <a:pt x="218382" y="337422"/>
-                  <a:pt x="146375" y="350126"/>
-                  <a:pt x="0" y="350790"/>
-                </a:cubicBezTo>
-                <a:cubicBezTo>
-                  <a:pt x="12517" y="234031"/>
-                  <a:pt x="-7647" y="140726"/>
-                  <a:pt x="0" y="0"/>
-                </a:cubicBezTo>
-                <a:close/>
-              </a:path>
-              <a:path w="293949" h="350790" stroke="0" extrusionOk="0">
-                <a:moveTo>
-                  <a:pt x="0" y="0"/>
-                </a:moveTo>
-                <a:cubicBezTo>
-                  <a:pt x="77615" y="-1356"/>
-                  <a:pt x="216699" y="9085"/>
-                  <a:pt x="293949" y="0"/>
-                </a:cubicBezTo>
-                <a:cubicBezTo>
-                  <a:pt x="279351" y="153339"/>
-                  <a:pt x="287330" y="189299"/>
-                  <a:pt x="293949" y="350790"/>
-                </a:cubicBezTo>
-                <a:cubicBezTo>
-                  <a:pt x="216746" y="339383"/>
-                  <a:pt x="138975" y="358561"/>
-                  <a:pt x="0" y="350790"/>
-                </a:cubicBezTo>
-                <a:cubicBezTo>
-                  <a:pt x="7632" y="220691"/>
-                  <a:pt x="-1215" y="151662"/>
-                  <a:pt x="0" y="0"/>
-                </a:cubicBezTo>
-                <a:close/>
-              </a:path>
-            </a:pathLst>
-          </a:custGeom>
-          <a:solidFill>
-            <a:schemeClr val="bg1"/>
-          </a:solidFill>
-          <a:ln w="38100">
-            <a:solidFill>
-              <a:schemeClr val="tx1"/>
-            </a:solidFill>
-            <a:extLst>
-              <a:ext uri="{C807C97D-BFC1-408E-A445-0C87EB9F89A2}">
-                <ask:lineSketchStyleProps xmlns:ask="http://schemas.microsoft.com/office/drawing/2018/sketchyshapes" sd="1381636961">
-                  <a:prstGeom prst="rect">
-                    <a:avLst/>
-                  </a:prstGeom>
-                  <ask:type>
-                    <ask:lineSketchFreehand/>
-                  </ask:type>
-                </ask:lineSketchStyleProps>
-              </a:ext>
-            </a:extLst>
-          </a:ln>
-        </p:spPr>
-        <p:style>
-          <a:lnRef idx="2">
-            <a:schemeClr val="accent1">
-              <a:shade val="15000"/>
-            </a:schemeClr>
-          </a:lnRef>
-          <a:fillRef idx="1">
-            <a:schemeClr val="accent1"/>
-          </a:fillRef>
-          <a:effectRef idx="0">
-            <a:schemeClr val="accent1"/>
-          </a:effectRef>
-          <a:fontRef idx="minor">
-            <a:schemeClr val="lt1"/>
-          </a:fontRef>
-        </p:style>
-        <p:txBody>
-          <a:bodyPr rtlCol="0" anchor="ctr"/>
-          <a:lstStyle/>
-          <a:p>
-            <a:pPr algn="ctr"/>
-            <a:endParaRPr lang="en-US" sz="1013"/>
-          </a:p>
-        </p:txBody>
-      </p:sp>
-      <p:sp>
-        <p:nvSpPr>
-          <p:cNvPr id="6" name="Rectangle 5">
-            <a:extLst>
-              <a:ext uri="{FF2B5EF4-FFF2-40B4-BE49-F238E27FC236}">
-                <a16:creationId xmlns:a16="http://schemas.microsoft.com/office/drawing/2014/main" id="{29858940-093D-D61A-A369-6480C5D657B5}"/>
-              </a:ext>
-            </a:extLst>
-          </p:cNvPr>
-          <p:cNvSpPr/>
-          <p:nvPr/>
-        </p:nvSpPr>
-        <p:spPr>
-          <a:xfrm>
-            <a:off x="4915142" y="8848272"/>
-            <a:ext cx="293949" cy="350790"/>
-          </a:xfrm>
-          <a:custGeom>
-            <a:avLst/>
-            <a:gdLst>
-              <a:gd name="csX0" fmla="*/ 0 w 293949"/>
-              <a:gd name="csY0" fmla="*/ 0 h 350790"/>
-              <a:gd name="csX1" fmla="*/ 293949 w 293949"/>
-              <a:gd name="csY1" fmla="*/ 0 h 350790"/>
-              <a:gd name="csX2" fmla="*/ 293949 w 293949"/>
-              <a:gd name="csY2" fmla="*/ 350790 h 350790"/>
-              <a:gd name="csX3" fmla="*/ 0 w 293949"/>
-              <a:gd name="csY3" fmla="*/ 350790 h 350790"/>
-              <a:gd name="csX4" fmla="*/ 0 w 293949"/>
-              <a:gd name="csY4" fmla="*/ 0 h 350790"/>
-            </a:gdLst>
-            <a:ahLst/>
-            <a:cxnLst>
-              <a:cxn ang="0">
-                <a:pos x="csX0" y="csY0"/>
-              </a:cxn>
-              <a:cxn ang="0">
-                <a:pos x="csX1" y="csY1"/>
-              </a:cxn>
-              <a:cxn ang="0">
-                <a:pos x="csX2" y="csY2"/>
-              </a:cxn>
-              <a:cxn ang="0">
-                <a:pos x="csX3" y="csY3"/>
-              </a:cxn>
-              <a:cxn ang="0">
-                <a:pos x="csX4" y="csY4"/>
-              </a:cxn>
-            </a:cxnLst>
-            <a:rect l="l" t="t" r="r" b="b"/>
-            <a:pathLst>
-              <a:path w="293949" h="350790" fill="none" extrusionOk="0">
-                <a:moveTo>
-                  <a:pt x="0" y="0"/>
-                </a:moveTo>
-                <a:cubicBezTo>
-                  <a:pt x="97591" y="-6012"/>
-                  <a:pt x="181720" y="-3338"/>
-                  <a:pt x="293949" y="0"/>
-                </a:cubicBezTo>
-                <a:cubicBezTo>
-                  <a:pt x="279387" y="108638"/>
-                  <a:pt x="299079" y="280343"/>
-                  <a:pt x="293949" y="350790"/>
-                </a:cubicBezTo>
-                <a:cubicBezTo>
-                  <a:pt x="163984" y="348419"/>
-                  <a:pt x="135182" y="353451"/>
-                  <a:pt x="0" y="350790"/>
-                </a:cubicBezTo>
-                <a:cubicBezTo>
-                  <a:pt x="-13951" y="253653"/>
-                  <a:pt x="14159" y="157998"/>
-                  <a:pt x="0" y="0"/>
-                </a:cubicBezTo>
-                <a:close/>
-              </a:path>
-              <a:path w="293949" h="350790" stroke="0" extrusionOk="0">
-                <a:moveTo>
-                  <a:pt x="0" y="0"/>
-                </a:moveTo>
-                <a:cubicBezTo>
-                  <a:pt x="141264" y="4569"/>
-                  <a:pt x="166052" y="-10293"/>
-                  <a:pt x="293949" y="0"/>
-                </a:cubicBezTo>
-                <a:cubicBezTo>
-                  <a:pt x="306887" y="81011"/>
-                  <a:pt x="298748" y="206727"/>
-                  <a:pt x="293949" y="350790"/>
-                </a:cubicBezTo>
-                <a:cubicBezTo>
-                  <a:pt x="195713" y="346709"/>
-                  <a:pt x="76129" y="339557"/>
-                  <a:pt x="0" y="350790"/>
-                </a:cubicBezTo>
-                <a:cubicBezTo>
-                  <a:pt x="-295" y="229700"/>
-                  <a:pt x="2323" y="139802"/>
-                  <a:pt x="0" y="0"/>
-                </a:cubicBezTo>
-                <a:close/>
-              </a:path>
-            </a:pathLst>
-          </a:custGeom>
-          <a:solidFill>
-            <a:schemeClr val="bg1"/>
-          </a:solidFill>
-          <a:ln w="38100">
-            <a:solidFill>
-              <a:schemeClr val="tx1"/>
-            </a:solidFill>
-            <a:extLst>
-              <a:ext uri="{C807C97D-BFC1-408E-A445-0C87EB9F89A2}">
-                <ask:lineSketchStyleProps xmlns:ask="http://schemas.microsoft.com/office/drawing/2018/sketchyshapes" sd="1697105241">
-                  <a:prstGeom prst="rect">
-                    <a:avLst/>
-                  </a:prstGeom>
-                  <ask:type>
-                    <ask:lineSketchFreehand/>
-                  </ask:type>
-                </ask:lineSketchStyleProps>
-              </a:ext>
-            </a:extLst>
-          </a:ln>
-        </p:spPr>
-        <p:style>
-          <a:lnRef idx="2">
-            <a:schemeClr val="accent1">
-              <a:shade val="15000"/>
-            </a:schemeClr>
-          </a:lnRef>
-          <a:fillRef idx="1">
-            <a:schemeClr val="accent1"/>
-          </a:fillRef>
-          <a:effectRef idx="0">
-            <a:schemeClr val="accent1"/>
-          </a:effectRef>
-          <a:fontRef idx="minor">
-            <a:schemeClr val="lt1"/>
-          </a:fontRef>
-        </p:style>
-        <p:txBody>
-          <a:bodyPr rtlCol="0" anchor="ctr"/>
-          <a:lstStyle/>
-          <a:p>
-            <a:pPr algn="ctr"/>
-            <a:endParaRPr lang="en-US" sz="1013"/>
-          </a:p>
-        </p:txBody>
-      </p:sp>
-      <p:sp>
-        <p:nvSpPr>
-          <p:cNvPr id="7" name="Rectangle 6">
-            <a:extLst>
-              <a:ext uri="{FF2B5EF4-FFF2-40B4-BE49-F238E27FC236}">
-                <a16:creationId xmlns:a16="http://schemas.microsoft.com/office/drawing/2014/main" id="{8F23BDD7-4F8C-5335-E689-63E93898069F}"/>
-              </a:ext>
-            </a:extLst>
-          </p:cNvPr>
-          <p:cNvSpPr/>
-          <p:nvPr/>
-        </p:nvSpPr>
-        <p:spPr>
-          <a:xfrm>
-            <a:off x="5000867" y="8933997"/>
-            <a:ext cx="293949" cy="350790"/>
-          </a:xfrm>
-          <a:custGeom>
-            <a:avLst/>
-            <a:gdLst>
-              <a:gd name="csX0" fmla="*/ 0 w 293949"/>
-              <a:gd name="csY0" fmla="*/ 0 h 350790"/>
-              <a:gd name="csX1" fmla="*/ 293949 w 293949"/>
-              <a:gd name="csY1" fmla="*/ 0 h 350790"/>
-              <a:gd name="csX2" fmla="*/ 293949 w 293949"/>
-              <a:gd name="csY2" fmla="*/ 350790 h 350790"/>
-              <a:gd name="csX3" fmla="*/ 0 w 293949"/>
-              <a:gd name="csY3" fmla="*/ 350790 h 350790"/>
-              <a:gd name="csX4" fmla="*/ 0 w 293949"/>
-              <a:gd name="csY4" fmla="*/ 0 h 350790"/>
-            </a:gdLst>
-            <a:ahLst/>
-            <a:cxnLst>
-              <a:cxn ang="0">
-                <a:pos x="csX0" y="csY0"/>
-              </a:cxn>
-              <a:cxn ang="0">
-                <a:pos x="csX1" y="csY1"/>
-              </a:cxn>
-              <a:cxn ang="0">
-                <a:pos x="csX2" y="csY2"/>
-              </a:cxn>
-              <a:cxn ang="0">
-                <a:pos x="csX3" y="csY3"/>
-              </a:cxn>
-              <a:cxn ang="0">
-                <a:pos x="csX4" y="csY4"/>
-              </a:cxn>
-            </a:cxnLst>
-            <a:rect l="l" t="t" r="r" b="b"/>
-            <a:pathLst>
-              <a:path w="293949" h="350790" fill="none" extrusionOk="0">
-                <a:moveTo>
-                  <a:pt x="0" y="0"/>
-                </a:moveTo>
-                <a:cubicBezTo>
-                  <a:pt x="64996" y="11069"/>
-                  <a:pt x="182457" y="-1320"/>
-                  <a:pt x="293949" y="0"/>
-                </a:cubicBezTo>
-                <a:cubicBezTo>
-                  <a:pt x="311101" y="118370"/>
-                  <a:pt x="300077" y="269380"/>
-                  <a:pt x="293949" y="350790"/>
-                </a:cubicBezTo>
-                <a:cubicBezTo>
-                  <a:pt x="208650" y="355872"/>
-                  <a:pt x="72918" y="361913"/>
-                  <a:pt x="0" y="350790"/>
-                </a:cubicBezTo>
-                <a:cubicBezTo>
-                  <a:pt x="9407" y="262283"/>
-                  <a:pt x="-10111" y="148643"/>
-                  <a:pt x="0" y="0"/>
-                </a:cubicBezTo>
-                <a:close/>
-              </a:path>
-              <a:path w="293949" h="350790" stroke="0" extrusionOk="0">
-                <a:moveTo>
-                  <a:pt x="0" y="0"/>
-                </a:moveTo>
-                <a:cubicBezTo>
-                  <a:pt x="134740" y="-11302"/>
-                  <a:pt x="176962" y="-9052"/>
-                  <a:pt x="293949" y="0"/>
-                </a:cubicBezTo>
-                <a:cubicBezTo>
-                  <a:pt x="299024" y="70504"/>
-                  <a:pt x="284757" y="180596"/>
-                  <a:pt x="293949" y="350790"/>
-                </a:cubicBezTo>
-                <a:cubicBezTo>
-                  <a:pt x="224439" y="336203"/>
-                  <a:pt x="141415" y="358087"/>
-                  <a:pt x="0" y="350790"/>
-                </a:cubicBezTo>
-                <a:cubicBezTo>
-                  <a:pt x="-12627" y="259327"/>
-                  <a:pt x="3414" y="97970"/>
-                  <a:pt x="0" y="0"/>
-                </a:cubicBezTo>
-                <a:close/>
-              </a:path>
-            </a:pathLst>
-          </a:custGeom>
-          <a:solidFill>
-            <a:schemeClr val="bg1"/>
-          </a:solidFill>
-          <a:ln w="38100">
-            <a:solidFill>
-              <a:schemeClr val="tx1"/>
-            </a:solidFill>
-            <a:extLst>
-              <a:ext uri="{C807C97D-BFC1-408E-A445-0C87EB9F89A2}">
-                <ask:lineSketchStyleProps xmlns:ask="http://schemas.microsoft.com/office/drawing/2018/sketchyshapes" sd="1495722173">
-                  <a:prstGeom prst="rect">
-                    <a:avLst/>
-                  </a:prstGeom>
-                  <ask:type>
-                    <ask:lineSketchFreehand/>
-                  </ask:type>
-                </ask:lineSketchStyleProps>
-              </a:ext>
-            </a:extLst>
-          </a:ln>
-        </p:spPr>
-        <p:style>
-          <a:lnRef idx="2">
-            <a:schemeClr val="accent1">
-              <a:shade val="15000"/>
-            </a:schemeClr>
-          </a:lnRef>
-          <a:fillRef idx="1">
-            <a:schemeClr val="accent1"/>
-          </a:fillRef>
-          <a:effectRef idx="0">
-            <a:schemeClr val="accent1"/>
-          </a:effectRef>
-          <a:fontRef idx="minor">
-            <a:schemeClr val="lt1"/>
-          </a:fontRef>
-        </p:style>
-        <p:txBody>
-          <a:bodyPr rtlCol="0" anchor="ctr"/>
-          <a:lstStyle/>
-          <a:p>
-            <a:pPr algn="ctr"/>
-            <a:endParaRPr lang="en-US" sz="1013"/>
-          </a:p>
-        </p:txBody>
-      </p:sp>
-      <p:pic>
-        <p:nvPicPr>
-          <p:cNvPr id="9" name="Picture 2" descr="book icon">
-            <a:extLst>
-              <a:ext uri="{FF2B5EF4-FFF2-40B4-BE49-F238E27FC236}">
-                <a16:creationId xmlns:a16="http://schemas.microsoft.com/office/drawing/2014/main" id="{E3D0C5CB-D439-D0D7-9491-9B87D55D9010}"/>
-              </a:ext>
-            </a:extLst>
-          </p:cNvPr>
-          <p:cNvPicPr>
-            <a:picLocks noChangeAspect="1" noChangeArrowheads="1"/>
-          </p:cNvPicPr>
-          <p:nvPr/>
-        </p:nvPicPr>
-        <p:blipFill>
-          <a:blip r:embed="rId2">
-            <a:extLst>
-              <a:ext uri="{28A0092B-C50C-407E-A947-70E740481C1C}">
-                <a14:useLocalDpi xmlns:a14="http://schemas.microsoft.com/office/drawing/2010/main" val="0"/>
-              </a:ext>
-            </a:extLst>
-          </a:blip>
-          <a:srcRect/>
-          <a:stretch>
-            <a:fillRect/>
-          </a:stretch>
-        </p:blipFill>
-        <p:spPr bwMode="auto">
-          <a:xfrm>
-            <a:off x="1204818" y="8768962"/>
-            <a:ext cx="430099" cy="430099"/>
-          </a:xfrm>
-          <a:prstGeom prst="rect">
-            <a:avLst/>
-          </a:prstGeom>
-          <a:noFill/>
-          <a:extLst>
-            <a:ext uri="{909E8E84-426E-40DD-AFC4-6F175D3DCCD1}">
-              <a14:hiddenFill xmlns:a14="http://schemas.microsoft.com/office/drawing/2010/main">
-                <a:solidFill>
-                  <a:srgbClr val="FFFFFF"/>
-                </a:solidFill>
-              </a14:hiddenFill>
-            </a:ext>
-          </a:extLst>
-        </p:spPr>
-      </p:pic>
-      <p:pic>
-        <p:nvPicPr>
-          <p:cNvPr id="10" name="Picture 4" descr="book icon">
-            <a:extLst>
-              <a:ext uri="{FF2B5EF4-FFF2-40B4-BE49-F238E27FC236}">
-                <a16:creationId xmlns:a16="http://schemas.microsoft.com/office/drawing/2014/main" id="{06CF107E-2124-1507-05C1-0F23BDEB0CCB}"/>
-              </a:ext>
-            </a:extLst>
-          </p:cNvPr>
-          <p:cNvPicPr>
-            <a:picLocks noChangeAspect="1" noChangeArrowheads="1"/>
-          </p:cNvPicPr>
-          <p:nvPr/>
-        </p:nvPicPr>
-        <p:blipFill>
-          <a:blip r:embed="rId3">
-            <a:extLst>
-              <a:ext uri="{28A0092B-C50C-407E-A947-70E740481C1C}">
-                <a14:useLocalDpi xmlns:a14="http://schemas.microsoft.com/office/drawing/2010/main" val="0"/>
-              </a:ext>
-            </a:extLst>
-          </a:blip>
-          <a:srcRect/>
-          <a:stretch>
-            <a:fillRect/>
-          </a:stretch>
-        </p:blipFill>
-        <p:spPr bwMode="auto">
-          <a:xfrm>
-            <a:off x="2617470" y="9363074"/>
-            <a:ext cx="1155065" cy="1155065"/>
-          </a:xfrm>
-          <a:prstGeom prst="rect">
-            <a:avLst/>
-          </a:prstGeom>
-          <a:noFill/>
-          <a:extLst>
-            <a:ext uri="{909E8E84-426E-40DD-AFC4-6F175D3DCCD1}">
-              <a14:hiddenFill xmlns:a14="http://schemas.microsoft.com/office/drawing/2010/main">
-                <a:solidFill>
-                  <a:srgbClr val="FFFFFF"/>
-                </a:solidFill>
-              </a14:hiddenFill>
-            </a:ext>
-          </a:extLst>
-        </p:spPr>
-      </p:pic>
-      <p:pic>
-        <p:nvPicPr>
-          <p:cNvPr id="11" name="Picture 6" descr="book icon">
-            <a:extLst>
-              <a:ext uri="{FF2B5EF4-FFF2-40B4-BE49-F238E27FC236}">
-                <a16:creationId xmlns:a16="http://schemas.microsoft.com/office/drawing/2014/main" id="{EB603DB8-0575-621F-31B0-8E52212342A7}"/>
-              </a:ext>
-            </a:extLst>
-          </p:cNvPr>
-          <p:cNvPicPr>
-            <a:picLocks noChangeAspect="1" noChangeArrowheads="1"/>
-          </p:cNvPicPr>
-          <p:nvPr/>
-        </p:nvPicPr>
-        <p:blipFill>
-          <a:blip r:embed="rId4">
-            <a:extLst>
-              <a:ext uri="{28A0092B-C50C-407E-A947-70E740481C1C}">
-                <a14:useLocalDpi xmlns:a14="http://schemas.microsoft.com/office/drawing/2010/main" val="0"/>
-              </a:ext>
-            </a:extLst>
-          </a:blip>
-          <a:srcRect/>
-          <a:stretch>
-            <a:fillRect/>
-          </a:stretch>
-        </p:blipFill>
-        <p:spPr bwMode="auto">
-          <a:xfrm>
-            <a:off x="985651" y="9023667"/>
-            <a:ext cx="1155065" cy="1155065"/>
-          </a:xfrm>
-          <a:prstGeom prst="rect">
-            <a:avLst/>
-          </a:prstGeom>
-          <a:noFill/>
-          <a:extLst>
-            <a:ext uri="{909E8E84-426E-40DD-AFC4-6F175D3DCCD1}">
-              <a14:hiddenFill xmlns:a14="http://schemas.microsoft.com/office/drawing/2010/main">
-                <a:solidFill>
-                  <a:srgbClr val="FFFFFF"/>
-                </a:solidFill>
-              </a14:hiddenFill>
-            </a:ext>
-          </a:extLst>
-        </p:spPr>
-      </p:pic>
-      <p:pic>
-        <p:nvPicPr>
-          <p:cNvPr id="4" name="Picture 3">
-            <a:extLst>
-              <a:ext uri="{FF2B5EF4-FFF2-40B4-BE49-F238E27FC236}">
-                <a16:creationId xmlns:a16="http://schemas.microsoft.com/office/drawing/2014/main" id="{9A6DDB07-9DDB-D7C2-6351-701BC7010CC7}"/>
-              </a:ext>
-            </a:extLst>
-          </p:cNvPr>
-          <p:cNvPicPr>
-            <a:picLocks noChangeAspect="1"/>
-          </p:cNvPicPr>
-          <p:nvPr/>
-        </p:nvPicPr>
-        <p:blipFill>
-          <a:blip r:embed="rId5"/>
-          <a:stretch>
-            <a:fillRect/>
-          </a:stretch>
-        </p:blipFill>
-        <p:spPr>
-          <a:xfrm>
-            <a:off x="1148254" y="1670282"/>
-            <a:ext cx="3160510" cy="6858000"/>
-          </a:xfrm>
-          <a:prstGeom prst="rect">
-            <a:avLst/>
-          </a:prstGeom>
-          <a:effectLst>
-            <a:outerShdw blurRad="63500" sx="102000" sy="102000" algn="ctr" rotWithShape="0">
-              <a:prstClr val="black">
-                <a:alpha val="40000"/>
-              </a:prstClr>
-            </a:outerShdw>
-          </a:effectLst>
-        </p:spPr>
-      </p:pic>
-    </p:spTree>
-    <p:extLst>
-      <p:ext uri="{BB962C8B-B14F-4D97-AF65-F5344CB8AC3E}">
-        <p14:creationId xmlns:p14="http://schemas.microsoft.com/office/powerpoint/2010/main" val="1561906910"/>
-      </p:ext>
-    </p:extLst>
-  </p:cSld>
-  <p:clrMapOvr>
-    <a:masterClrMapping/>
-  </p:clrMapOvr>
-</p:sld>
-</file>
-
-<file path=ppt/slides/slide3.xml><?xml version="1.0" encoding="utf-8"?>
-<p:sld xmlns:a="http://schemas.openxmlformats.org/drawingml/2006/main" xmlns:r="http://schemas.openxmlformats.org/officeDocument/2006/relationships" xmlns:p="http://schemas.openxmlformats.org/presentationml/2006/main">
-  <p:cSld>
-    <p:spTree>
-      <p:nvGrpSpPr>
-        <p:cNvPr id="1" name="">
-          <a:extLst>
-            <a:ext uri="{FF2B5EF4-FFF2-40B4-BE49-F238E27FC236}">
-              <a16:creationId xmlns:a16="http://schemas.microsoft.com/office/drawing/2014/main" id="{DDDE8D06-9DB4-5DD1-EC7C-0652129A7969}"/>
-            </a:ext>
-          </a:extLst>
-        </p:cNvPr>
-        <p:cNvGrpSpPr/>
-        <p:nvPr/>
-      </p:nvGrpSpPr>
-      <p:grpSpPr>
-        <a:xfrm>
-          <a:off x="0" y="0"/>
-          <a:ext cx="0" cy="0"/>
-          <a:chOff x="0" y="0"/>
-          <a:chExt cx="0" cy="0"/>
-        </a:xfrm>
-      </p:grpSpPr>
-      <p:grpSp>
-        <p:nvGrpSpPr>
-          <p:cNvPr id="13" name="Group 12">
-            <a:extLst>
-              <a:ext uri="{FF2B5EF4-FFF2-40B4-BE49-F238E27FC236}">
-                <a16:creationId xmlns:a16="http://schemas.microsoft.com/office/drawing/2014/main" id="{4BDD61AB-F01E-71F8-0F89-6FA8DD626E28}"/>
-              </a:ext>
-            </a:extLst>
-          </p:cNvPr>
-          <p:cNvGrpSpPr/>
-          <p:nvPr/>
-        </p:nvGrpSpPr>
-        <p:grpSpPr>
-          <a:xfrm>
-            <a:off x="1148254" y="1670282"/>
-            <a:ext cx="3160510" cy="6858000"/>
-            <a:chOff x="1148254" y="1670282"/>
-            <a:chExt cx="3160510" cy="6858000"/>
-          </a:xfrm>
-        </p:grpSpPr>
-        <p:pic>
-          <p:nvPicPr>
-            <p:cNvPr id="4" name="Picture 3">
-              <a:extLst>
-                <a:ext uri="{FF2B5EF4-FFF2-40B4-BE49-F238E27FC236}">
-                  <a16:creationId xmlns:a16="http://schemas.microsoft.com/office/drawing/2014/main" id="{4CAD0AE2-F4D0-0DC0-D8D5-30D2EFCDDBC0}"/>
-                </a:ext>
-              </a:extLst>
-            </p:cNvPr>
-            <p:cNvPicPr>
-              <a:picLocks noChangeAspect="1"/>
-            </p:cNvPicPr>
-            <p:nvPr/>
-          </p:nvPicPr>
-          <p:blipFill>
-            <a:blip r:embed="rId2"/>
-            <a:stretch>
-              <a:fillRect/>
-            </a:stretch>
-          </p:blipFill>
-          <p:spPr>
-            <a:xfrm>
-              <a:off x="1148254" y="1670282"/>
-              <a:ext cx="3160510" cy="6858000"/>
-            </a:xfrm>
-            <a:prstGeom prst="rect">
-              <a:avLst/>
-            </a:prstGeom>
-            <a:effectLst>
-              <a:outerShdw blurRad="63500" sx="102000" sy="102000" algn="ctr" rotWithShape="0">
-                <a:prstClr val="black">
-                  <a:alpha val="40000"/>
-                </a:prstClr>
-              </a:outerShdw>
-            </a:effectLst>
-          </p:spPr>
-        </p:pic>
-        <p:sp>
-          <p:nvSpPr>
-            <p:cNvPr id="12" name="Rectangle 11">
-              <a:extLst>
-                <a:ext uri="{FF2B5EF4-FFF2-40B4-BE49-F238E27FC236}">
-                  <a16:creationId xmlns:a16="http://schemas.microsoft.com/office/drawing/2014/main" id="{20CDDC00-BC58-237C-B767-C1375D228130}"/>
-                </a:ext>
-              </a:extLst>
-            </p:cNvPr>
-            <p:cNvSpPr/>
-            <p:nvPr/>
-          </p:nvSpPr>
-          <p:spPr>
-            <a:xfrm>
-              <a:off x="1174750" y="8007350"/>
-              <a:ext cx="3108325" cy="509588"/>
-            </a:xfrm>
-            <a:prstGeom prst="rect">
-              <a:avLst/>
-            </a:prstGeom>
-            <a:solidFill>
-              <a:schemeClr val="bg1"/>
-            </a:solidFill>
-            <a:ln>
-              <a:noFill/>
-            </a:ln>
-          </p:spPr>
-          <p:style>
-            <a:lnRef idx="2">
-              <a:schemeClr val="accent1">
-                <a:shade val="15000"/>
-              </a:schemeClr>
-            </a:lnRef>
-            <a:fillRef idx="1">
-              <a:schemeClr val="accent1"/>
-            </a:fillRef>
-            <a:effectRef idx="0">
-              <a:schemeClr val="accent1"/>
-            </a:effectRef>
-            <a:fontRef idx="minor">
-              <a:schemeClr val="lt1"/>
-            </a:fontRef>
-          </p:style>
-          <p:txBody>
-            <a:bodyPr rtlCol="0" anchor="ctr"/>
-            <a:lstStyle/>
-            <a:p>
-              <a:pPr algn="ctr"/>
-              <a:endParaRPr lang="en-US"/>
-            </a:p>
-          </p:txBody>
-        </p:sp>
-      </p:grpSp>
-      <p:sp>
-        <p:nvSpPr>
-          <p:cNvPr id="5" name="Rectangle 4">
-            <a:extLst>
-              <a:ext uri="{FF2B5EF4-FFF2-40B4-BE49-F238E27FC236}">
-                <a16:creationId xmlns:a16="http://schemas.microsoft.com/office/drawing/2014/main" id="{7B623400-8F29-57BF-119A-45F0D16AA205}"/>
-              </a:ext>
-            </a:extLst>
-          </p:cNvPr>
-          <p:cNvSpPr/>
-          <p:nvPr/>
-        </p:nvSpPr>
-        <p:spPr>
-          <a:xfrm>
-            <a:off x="4829417" y="8762547"/>
-            <a:ext cx="293949" cy="350790"/>
-          </a:xfrm>
-          <a:custGeom>
-            <a:avLst/>
-            <a:gdLst>
-              <a:gd name="csX0" fmla="*/ 0 w 293949"/>
-              <a:gd name="csY0" fmla="*/ 0 h 350790"/>
-              <a:gd name="csX1" fmla="*/ 293949 w 293949"/>
-              <a:gd name="csY1" fmla="*/ 0 h 350790"/>
-              <a:gd name="csX2" fmla="*/ 293949 w 293949"/>
-              <a:gd name="csY2" fmla="*/ 350790 h 350790"/>
-              <a:gd name="csX3" fmla="*/ 0 w 293949"/>
-              <a:gd name="csY3" fmla="*/ 350790 h 350790"/>
-              <a:gd name="csX4" fmla="*/ 0 w 293949"/>
-              <a:gd name="csY4" fmla="*/ 0 h 350790"/>
-            </a:gdLst>
-            <a:ahLst/>
-            <a:cxnLst>
-              <a:cxn ang="0">
-                <a:pos x="csX0" y="csY0"/>
-              </a:cxn>
-              <a:cxn ang="0">
-                <a:pos x="csX1" y="csY1"/>
-              </a:cxn>
-              <a:cxn ang="0">
-                <a:pos x="csX2" y="csY2"/>
-              </a:cxn>
-              <a:cxn ang="0">
-                <a:pos x="csX3" y="csY3"/>
-              </a:cxn>
-              <a:cxn ang="0">
-                <a:pos x="csX4" y="csY4"/>
-              </a:cxn>
-            </a:cxnLst>
-            <a:rect l="l" t="t" r="r" b="b"/>
-            <a:pathLst>
-              <a:path w="293949" h="350790" fill="none" extrusionOk="0">
-                <a:moveTo>
-                  <a:pt x="0" y="0"/>
-                </a:moveTo>
-                <a:cubicBezTo>
-                  <a:pt x="103628" y="-10687"/>
-                  <a:pt x="234113" y="-6108"/>
-                  <a:pt x="293949" y="0"/>
-                </a:cubicBezTo>
-                <a:cubicBezTo>
-                  <a:pt x="281140" y="122726"/>
-                  <a:pt x="294750" y="177976"/>
-                  <a:pt x="293949" y="350790"/>
-                </a:cubicBezTo>
-                <a:cubicBezTo>
-                  <a:pt x="218382" y="337422"/>
-                  <a:pt x="146375" y="350126"/>
-                  <a:pt x="0" y="350790"/>
-                </a:cubicBezTo>
-                <a:cubicBezTo>
-                  <a:pt x="12517" y="234031"/>
-                  <a:pt x="-7647" y="140726"/>
-                  <a:pt x="0" y="0"/>
-                </a:cubicBezTo>
-                <a:close/>
-              </a:path>
-              <a:path w="293949" h="350790" stroke="0" extrusionOk="0">
-                <a:moveTo>
-                  <a:pt x="0" y="0"/>
-                </a:moveTo>
-                <a:cubicBezTo>
-                  <a:pt x="77615" y="-1356"/>
-                  <a:pt x="216699" y="9085"/>
-                  <a:pt x="293949" y="0"/>
-                </a:cubicBezTo>
-                <a:cubicBezTo>
-                  <a:pt x="279351" y="153339"/>
-                  <a:pt x="287330" y="189299"/>
-                  <a:pt x="293949" y="350790"/>
-                </a:cubicBezTo>
-                <a:cubicBezTo>
-                  <a:pt x="216746" y="339383"/>
-                  <a:pt x="138975" y="358561"/>
-                  <a:pt x="0" y="350790"/>
-                </a:cubicBezTo>
-                <a:cubicBezTo>
-                  <a:pt x="7632" y="220691"/>
-                  <a:pt x="-1215" y="151662"/>
-                  <a:pt x="0" y="0"/>
-                </a:cubicBezTo>
-                <a:close/>
-              </a:path>
-            </a:pathLst>
-          </a:custGeom>
-          <a:solidFill>
-            <a:schemeClr val="bg1"/>
-          </a:solidFill>
-          <a:ln w="38100">
-            <a:solidFill>
-              <a:schemeClr val="tx1"/>
-            </a:solidFill>
-            <a:extLst>
-              <a:ext uri="{C807C97D-BFC1-408E-A445-0C87EB9F89A2}">
-                <ask:lineSketchStyleProps xmlns:ask="http://schemas.microsoft.com/office/drawing/2018/sketchyshapes" sd="1381636961">
-                  <a:prstGeom prst="rect">
-                    <a:avLst/>
-                  </a:prstGeom>
-                  <ask:type>
-                    <ask:lineSketchFreehand/>
-                  </ask:type>
-                </ask:lineSketchStyleProps>
-              </a:ext>
-            </a:extLst>
-          </a:ln>
-        </p:spPr>
-        <p:style>
-          <a:lnRef idx="2">
-            <a:schemeClr val="accent1">
-              <a:shade val="15000"/>
-            </a:schemeClr>
-          </a:lnRef>
-          <a:fillRef idx="1">
-            <a:schemeClr val="accent1"/>
-          </a:fillRef>
-          <a:effectRef idx="0">
-            <a:schemeClr val="accent1"/>
-          </a:effectRef>
-          <a:fontRef idx="minor">
-            <a:schemeClr val="lt1"/>
-          </a:fontRef>
-        </p:style>
-        <p:txBody>
-          <a:bodyPr rtlCol="0" anchor="ctr"/>
-          <a:lstStyle/>
-          <a:p>
-            <a:pPr algn="ctr"/>
-            <a:endParaRPr lang="en-US" sz="1013"/>
-          </a:p>
-        </p:txBody>
-      </p:sp>
-      <p:sp>
-        <p:nvSpPr>
-          <p:cNvPr id="6" name="Rectangle 5">
-            <a:extLst>
-              <a:ext uri="{FF2B5EF4-FFF2-40B4-BE49-F238E27FC236}">
-                <a16:creationId xmlns:a16="http://schemas.microsoft.com/office/drawing/2014/main" id="{18C26BCB-7E66-F734-AC6B-8CFE3FCA3F90}"/>
-              </a:ext>
-            </a:extLst>
-          </p:cNvPr>
-          <p:cNvSpPr/>
-          <p:nvPr/>
-        </p:nvSpPr>
-        <p:spPr>
-          <a:xfrm>
-            <a:off x="4915142" y="8848272"/>
-            <a:ext cx="293949" cy="350790"/>
-          </a:xfrm>
-          <a:custGeom>
-            <a:avLst/>
-            <a:gdLst>
-              <a:gd name="csX0" fmla="*/ 0 w 293949"/>
-              <a:gd name="csY0" fmla="*/ 0 h 350790"/>
-              <a:gd name="csX1" fmla="*/ 293949 w 293949"/>
-              <a:gd name="csY1" fmla="*/ 0 h 350790"/>
-              <a:gd name="csX2" fmla="*/ 293949 w 293949"/>
-              <a:gd name="csY2" fmla="*/ 350790 h 350790"/>
-              <a:gd name="csX3" fmla="*/ 0 w 293949"/>
-              <a:gd name="csY3" fmla="*/ 350790 h 350790"/>
-              <a:gd name="csX4" fmla="*/ 0 w 293949"/>
-              <a:gd name="csY4" fmla="*/ 0 h 350790"/>
-            </a:gdLst>
-            <a:ahLst/>
-            <a:cxnLst>
-              <a:cxn ang="0">
-                <a:pos x="csX0" y="csY0"/>
-              </a:cxn>
-              <a:cxn ang="0">
-                <a:pos x="csX1" y="csY1"/>
-              </a:cxn>
-              <a:cxn ang="0">
-                <a:pos x="csX2" y="csY2"/>
-              </a:cxn>
-              <a:cxn ang="0">
-                <a:pos x="csX3" y="csY3"/>
-              </a:cxn>
-              <a:cxn ang="0">
-                <a:pos x="csX4" y="csY4"/>
-              </a:cxn>
-            </a:cxnLst>
-            <a:rect l="l" t="t" r="r" b="b"/>
-            <a:pathLst>
-              <a:path w="293949" h="350790" fill="none" extrusionOk="0">
-                <a:moveTo>
-                  <a:pt x="0" y="0"/>
-                </a:moveTo>
-                <a:cubicBezTo>
-                  <a:pt x="97591" y="-6012"/>
-                  <a:pt x="181720" y="-3338"/>
-                  <a:pt x="293949" y="0"/>
-                </a:cubicBezTo>
-                <a:cubicBezTo>
-                  <a:pt x="279387" y="108638"/>
-                  <a:pt x="299079" y="280343"/>
-                  <a:pt x="293949" y="350790"/>
-                </a:cubicBezTo>
-                <a:cubicBezTo>
-                  <a:pt x="163984" y="348419"/>
-                  <a:pt x="135182" y="353451"/>
-                  <a:pt x="0" y="350790"/>
-                </a:cubicBezTo>
-                <a:cubicBezTo>
-                  <a:pt x="-13951" y="253653"/>
-                  <a:pt x="14159" y="157998"/>
-                  <a:pt x="0" y="0"/>
-                </a:cubicBezTo>
-                <a:close/>
-              </a:path>
-              <a:path w="293949" h="350790" stroke="0" extrusionOk="0">
-                <a:moveTo>
-                  <a:pt x="0" y="0"/>
-                </a:moveTo>
-                <a:cubicBezTo>
-                  <a:pt x="141264" y="4569"/>
-                  <a:pt x="166052" y="-10293"/>
-                  <a:pt x="293949" y="0"/>
-                </a:cubicBezTo>
-                <a:cubicBezTo>
-                  <a:pt x="306887" y="81011"/>
-                  <a:pt x="298748" y="206727"/>
-                  <a:pt x="293949" y="350790"/>
-                </a:cubicBezTo>
-                <a:cubicBezTo>
-                  <a:pt x="195713" y="346709"/>
-                  <a:pt x="76129" y="339557"/>
-                  <a:pt x="0" y="350790"/>
-                </a:cubicBezTo>
-                <a:cubicBezTo>
-                  <a:pt x="-295" y="229700"/>
-                  <a:pt x="2323" y="139802"/>
-                  <a:pt x="0" y="0"/>
-                </a:cubicBezTo>
-                <a:close/>
-              </a:path>
-            </a:pathLst>
-          </a:custGeom>
-          <a:solidFill>
-            <a:schemeClr val="bg1"/>
-          </a:solidFill>
-          <a:ln w="38100">
-            <a:solidFill>
-              <a:schemeClr val="tx1"/>
-            </a:solidFill>
-            <a:extLst>
-              <a:ext uri="{C807C97D-BFC1-408E-A445-0C87EB9F89A2}">
-                <ask:lineSketchStyleProps xmlns:ask="http://schemas.microsoft.com/office/drawing/2018/sketchyshapes" sd="1697105241">
-                  <a:prstGeom prst="rect">
-                    <a:avLst/>
-                  </a:prstGeom>
-                  <ask:type>
-                    <ask:lineSketchFreehand/>
-                  </ask:type>
-                </ask:lineSketchStyleProps>
-              </a:ext>
-            </a:extLst>
-          </a:ln>
-        </p:spPr>
-        <p:style>
-          <a:lnRef idx="2">
-            <a:schemeClr val="accent1">
-              <a:shade val="15000"/>
-            </a:schemeClr>
-          </a:lnRef>
-          <a:fillRef idx="1">
-            <a:schemeClr val="accent1"/>
-          </a:fillRef>
-          <a:effectRef idx="0">
-            <a:schemeClr val="accent1"/>
-          </a:effectRef>
-          <a:fontRef idx="minor">
-            <a:schemeClr val="lt1"/>
-          </a:fontRef>
-        </p:style>
-        <p:txBody>
-          <a:bodyPr rtlCol="0" anchor="ctr"/>
-          <a:lstStyle/>
-          <a:p>
-            <a:pPr algn="ctr"/>
-            <a:endParaRPr lang="en-US" sz="1013"/>
-          </a:p>
-        </p:txBody>
-      </p:sp>
-      <p:sp>
-        <p:nvSpPr>
-          <p:cNvPr id="7" name="Rectangle 6">
-            <a:extLst>
-              <a:ext uri="{FF2B5EF4-FFF2-40B4-BE49-F238E27FC236}">
-                <a16:creationId xmlns:a16="http://schemas.microsoft.com/office/drawing/2014/main" id="{8906D257-CF3F-DB42-7F91-9F1460B7DE3B}"/>
-              </a:ext>
-            </a:extLst>
-          </p:cNvPr>
-          <p:cNvSpPr/>
-          <p:nvPr/>
-        </p:nvSpPr>
-        <p:spPr>
-          <a:xfrm>
-            <a:off x="5000867" y="8933997"/>
-            <a:ext cx="293949" cy="350790"/>
-          </a:xfrm>
-          <a:custGeom>
-            <a:avLst/>
-            <a:gdLst>
-              <a:gd name="csX0" fmla="*/ 0 w 293949"/>
-              <a:gd name="csY0" fmla="*/ 0 h 350790"/>
-              <a:gd name="csX1" fmla="*/ 293949 w 293949"/>
-              <a:gd name="csY1" fmla="*/ 0 h 350790"/>
-              <a:gd name="csX2" fmla="*/ 293949 w 293949"/>
-              <a:gd name="csY2" fmla="*/ 350790 h 350790"/>
-              <a:gd name="csX3" fmla="*/ 0 w 293949"/>
-              <a:gd name="csY3" fmla="*/ 350790 h 350790"/>
-              <a:gd name="csX4" fmla="*/ 0 w 293949"/>
-              <a:gd name="csY4" fmla="*/ 0 h 350790"/>
-            </a:gdLst>
-            <a:ahLst/>
-            <a:cxnLst>
-              <a:cxn ang="0">
-                <a:pos x="csX0" y="csY0"/>
-              </a:cxn>
-              <a:cxn ang="0">
-                <a:pos x="csX1" y="csY1"/>
-              </a:cxn>
-              <a:cxn ang="0">
-                <a:pos x="csX2" y="csY2"/>
-              </a:cxn>
-              <a:cxn ang="0">
-                <a:pos x="csX3" y="csY3"/>
-              </a:cxn>
-              <a:cxn ang="0">
-                <a:pos x="csX4" y="csY4"/>
-              </a:cxn>
-            </a:cxnLst>
-            <a:rect l="l" t="t" r="r" b="b"/>
-            <a:pathLst>
-              <a:path w="293949" h="350790" fill="none" extrusionOk="0">
-                <a:moveTo>
-                  <a:pt x="0" y="0"/>
-                </a:moveTo>
-                <a:cubicBezTo>
-                  <a:pt x="64996" y="11069"/>
-                  <a:pt x="182457" y="-1320"/>
-                  <a:pt x="293949" y="0"/>
-                </a:cubicBezTo>
-                <a:cubicBezTo>
-                  <a:pt x="311101" y="118370"/>
-                  <a:pt x="300077" y="269380"/>
-                  <a:pt x="293949" y="350790"/>
-                </a:cubicBezTo>
-                <a:cubicBezTo>
-                  <a:pt x="208650" y="355872"/>
-                  <a:pt x="72918" y="361913"/>
-                  <a:pt x="0" y="350790"/>
-                </a:cubicBezTo>
-                <a:cubicBezTo>
-                  <a:pt x="9407" y="262283"/>
-                  <a:pt x="-10111" y="148643"/>
-                  <a:pt x="0" y="0"/>
-                </a:cubicBezTo>
-                <a:close/>
-              </a:path>
-              <a:path w="293949" h="350790" stroke="0" extrusionOk="0">
-                <a:moveTo>
-                  <a:pt x="0" y="0"/>
-                </a:moveTo>
-                <a:cubicBezTo>
-                  <a:pt x="134740" y="-11302"/>
-                  <a:pt x="176962" y="-9052"/>
-                  <a:pt x="293949" y="0"/>
-                </a:cubicBezTo>
-                <a:cubicBezTo>
-                  <a:pt x="299024" y="70504"/>
-                  <a:pt x="284757" y="180596"/>
-                  <a:pt x="293949" y="350790"/>
-                </a:cubicBezTo>
-                <a:cubicBezTo>
-                  <a:pt x="224439" y="336203"/>
-                  <a:pt x="141415" y="358087"/>
-                  <a:pt x="0" y="350790"/>
-                </a:cubicBezTo>
-                <a:cubicBezTo>
-                  <a:pt x="-12627" y="259327"/>
-                  <a:pt x="3414" y="97970"/>
-                  <a:pt x="0" y="0"/>
-                </a:cubicBezTo>
-                <a:close/>
-              </a:path>
-            </a:pathLst>
-          </a:custGeom>
-          <a:solidFill>
-            <a:schemeClr val="bg1"/>
-          </a:solidFill>
-          <a:ln w="38100">
-            <a:solidFill>
-              <a:schemeClr val="tx1"/>
-            </a:solidFill>
-            <a:extLst>
-              <a:ext uri="{C807C97D-BFC1-408E-A445-0C87EB9F89A2}">
-                <ask:lineSketchStyleProps xmlns:ask="http://schemas.microsoft.com/office/drawing/2018/sketchyshapes" sd="1495722173">
-                  <a:prstGeom prst="rect">
-                    <a:avLst/>
-                  </a:prstGeom>
-                  <ask:type>
-                    <ask:lineSketchFreehand/>
-                  </ask:type>
-                </ask:lineSketchStyleProps>
-              </a:ext>
-            </a:extLst>
-          </a:ln>
-        </p:spPr>
-        <p:style>
-          <a:lnRef idx="2">
-            <a:schemeClr val="accent1">
-              <a:shade val="15000"/>
-            </a:schemeClr>
-          </a:lnRef>
-          <a:fillRef idx="1">
-            <a:schemeClr val="accent1"/>
-          </a:fillRef>
-          <a:effectRef idx="0">
-            <a:schemeClr val="accent1"/>
-          </a:effectRef>
-          <a:fontRef idx="minor">
-            <a:schemeClr val="lt1"/>
-          </a:fontRef>
-        </p:style>
-        <p:txBody>
-          <a:bodyPr rtlCol="0" anchor="ctr"/>
-          <a:lstStyle/>
-          <a:p>
-            <a:pPr algn="ctr"/>
-            <a:endParaRPr lang="en-US" sz="1013"/>
-          </a:p>
-        </p:txBody>
-      </p:sp>
-      <p:pic>
-        <p:nvPicPr>
-          <p:cNvPr id="9" name="Picture 2" descr="book icon">
-            <a:extLst>
-              <a:ext uri="{FF2B5EF4-FFF2-40B4-BE49-F238E27FC236}">
-                <a16:creationId xmlns:a16="http://schemas.microsoft.com/office/drawing/2014/main" id="{CBA962D7-B2BA-7599-37D5-E4FBD0ECF8D0}"/>
-              </a:ext>
-            </a:extLst>
-          </p:cNvPr>
-          <p:cNvPicPr>
-            <a:picLocks noChangeAspect="1" noChangeArrowheads="1"/>
-          </p:cNvPicPr>
-          <p:nvPr/>
-        </p:nvPicPr>
-        <p:blipFill>
-          <a:blip r:embed="rId3">
-            <a:extLst>
-              <a:ext uri="{28A0092B-C50C-407E-A947-70E740481C1C}">
-                <a14:useLocalDpi xmlns:a14="http://schemas.microsoft.com/office/drawing/2010/main" val="0"/>
-              </a:ext>
-            </a:extLst>
-          </a:blip>
-          <a:srcRect/>
-          <a:stretch>
-            <a:fillRect/>
-          </a:stretch>
-        </p:blipFill>
-        <p:spPr bwMode="auto">
-          <a:xfrm>
-            <a:off x="106268" y="8262144"/>
-            <a:ext cx="430099" cy="430099"/>
-          </a:xfrm>
-          <a:prstGeom prst="rect">
-            <a:avLst/>
-          </a:prstGeom>
-          <a:noFill/>
-          <a:extLst>
-            <a:ext uri="{909E8E84-426E-40DD-AFC4-6F175D3DCCD1}">
-              <a14:hiddenFill xmlns:a14="http://schemas.microsoft.com/office/drawing/2010/main">
-                <a:solidFill>
-                  <a:srgbClr val="FFFFFF"/>
-                </a:solidFill>
-              </a14:hiddenFill>
-            </a:ext>
-          </a:extLst>
-        </p:spPr>
-      </p:pic>
-      <p:pic>
-        <p:nvPicPr>
-          <p:cNvPr id="10" name="Picture 4" descr="book icon">
-            <a:extLst>
-              <a:ext uri="{FF2B5EF4-FFF2-40B4-BE49-F238E27FC236}">
-                <a16:creationId xmlns:a16="http://schemas.microsoft.com/office/drawing/2014/main" id="{7C9645A6-5FBD-7E65-16FB-11032016EA59}"/>
-              </a:ext>
-            </a:extLst>
-          </p:cNvPr>
-          <p:cNvPicPr>
-            <a:picLocks noChangeAspect="1" noChangeArrowheads="1"/>
-          </p:cNvPicPr>
-          <p:nvPr/>
-        </p:nvPicPr>
-        <p:blipFill>
-          <a:blip r:embed="rId4">
-            <a:extLst>
-              <a:ext uri="{28A0092B-C50C-407E-A947-70E740481C1C}">
-                <a14:useLocalDpi xmlns:a14="http://schemas.microsoft.com/office/drawing/2010/main" val="0"/>
-              </a:ext>
-            </a:extLst>
-          </a:blip>
-          <a:srcRect/>
-          <a:stretch>
-            <a:fillRect/>
-          </a:stretch>
-        </p:blipFill>
-        <p:spPr bwMode="auto">
-          <a:xfrm>
-            <a:off x="1257225" y="8044561"/>
-            <a:ext cx="432632" cy="432632"/>
-          </a:xfrm>
-          <a:prstGeom prst="rect">
-            <a:avLst/>
-          </a:prstGeom>
-          <a:noFill/>
-          <a:extLst>
-            <a:ext uri="{909E8E84-426E-40DD-AFC4-6F175D3DCCD1}">
-              <a14:hiddenFill xmlns:a14="http://schemas.microsoft.com/office/drawing/2010/main">
-                <a:solidFill>
-                  <a:srgbClr val="FFFFFF"/>
-                </a:solidFill>
-              </a14:hiddenFill>
-            </a:ext>
-          </a:extLst>
-        </p:spPr>
-      </p:pic>
-      <p:pic>
-        <p:nvPicPr>
-          <p:cNvPr id="11" name="Picture 6" descr="book icon">
-            <a:extLst>
-              <a:ext uri="{FF2B5EF4-FFF2-40B4-BE49-F238E27FC236}">
-                <a16:creationId xmlns:a16="http://schemas.microsoft.com/office/drawing/2014/main" id="{A4DEA36F-AF4F-12E1-0BAD-4DA496787327}"/>
-              </a:ext>
-            </a:extLst>
-          </p:cNvPr>
-          <p:cNvPicPr>
-            <a:picLocks noChangeAspect="1" noChangeArrowheads="1"/>
-          </p:cNvPicPr>
-          <p:nvPr/>
-        </p:nvPicPr>
-        <p:blipFill>
-          <a:blip r:embed="rId5">
-            <a:extLst>
-              <a:ext uri="{28A0092B-C50C-407E-A947-70E740481C1C}">
-                <a14:useLocalDpi xmlns:a14="http://schemas.microsoft.com/office/drawing/2010/main" val="0"/>
-              </a:ext>
-            </a:extLst>
-          </a:blip>
-          <a:srcRect/>
-          <a:stretch>
-            <a:fillRect/>
-          </a:stretch>
-        </p:blipFill>
-        <p:spPr bwMode="auto">
-          <a:xfrm>
-            <a:off x="5062116" y="6692763"/>
-            <a:ext cx="1155065" cy="1155065"/>
-          </a:xfrm>
-          <a:prstGeom prst="rect">
-            <a:avLst/>
-          </a:prstGeom>
-          <a:noFill/>
-          <a:extLst>
-            <a:ext uri="{909E8E84-426E-40DD-AFC4-6F175D3DCCD1}">
-              <a14:hiddenFill xmlns:a14="http://schemas.microsoft.com/office/drawing/2010/main">
-                <a:solidFill>
-                  <a:srgbClr val="FFFFFF"/>
-                </a:solidFill>
-              </a14:hiddenFill>
-            </a:ext>
-          </a:extLst>
-        </p:spPr>
-      </p:pic>
-      <p:pic>
-        <p:nvPicPr>
-          <p:cNvPr id="2050" name="Picture 2" descr="magnifying glass icon">
-            <a:extLst>
-              <a:ext uri="{FF2B5EF4-FFF2-40B4-BE49-F238E27FC236}">
-                <a16:creationId xmlns:a16="http://schemas.microsoft.com/office/drawing/2014/main" id="{0ACB8676-B309-46D2-B85B-A215D34DE209}"/>
-              </a:ext>
-            </a:extLst>
-          </p:cNvPr>
-          <p:cNvPicPr>
-            <a:picLocks noChangeAspect="1" noChangeArrowheads="1"/>
-          </p:cNvPicPr>
-          <p:nvPr/>
-        </p:nvPicPr>
-        <p:blipFill>
-          <a:blip r:embed="rId6">
-            <a:extLst>
-              <a:ext uri="{28A0092B-C50C-407E-A947-70E740481C1C}">
-                <a14:useLocalDpi xmlns:a14="http://schemas.microsoft.com/office/drawing/2010/main" val="0"/>
-              </a:ext>
-            </a:extLst>
-          </a:blip>
-          <a:srcRect/>
-          <a:stretch>
-            <a:fillRect/>
-          </a:stretch>
-        </p:blipFill>
-        <p:spPr bwMode="auto">
-          <a:xfrm>
-            <a:off x="2775328" y="8044561"/>
-            <a:ext cx="384175" cy="384175"/>
-          </a:xfrm>
-          <a:prstGeom prst="rect">
-            <a:avLst/>
-          </a:prstGeom>
-          <a:noFill/>
-          <a:extLst>
-            <a:ext uri="{909E8E84-426E-40DD-AFC4-6F175D3DCCD1}">
-              <a14:hiddenFill xmlns:a14="http://schemas.microsoft.com/office/drawing/2010/main">
-                <a:solidFill>
-                  <a:srgbClr val="FFFFFF"/>
-                </a:solidFill>
-              </a14:hiddenFill>
-            </a:ext>
-          </a:extLst>
-        </p:spPr>
-      </p:pic>
-      <p:pic>
-        <p:nvPicPr>
-          <p:cNvPr id="2052" name="Picture 4" descr="bottle icon">
-            <a:extLst>
-              <a:ext uri="{FF2B5EF4-FFF2-40B4-BE49-F238E27FC236}">
-                <a16:creationId xmlns:a16="http://schemas.microsoft.com/office/drawing/2014/main" id="{039D5F19-0F65-B57E-6937-16EBB1E47183}"/>
-              </a:ext>
-            </a:extLst>
-          </p:cNvPr>
-          <p:cNvPicPr>
-            <a:picLocks noChangeAspect="1" noChangeArrowheads="1"/>
-          </p:cNvPicPr>
-          <p:nvPr/>
-        </p:nvPicPr>
-        <p:blipFill>
-          <a:blip r:embed="rId7">
-            <a:extLst>
-              <a:ext uri="{28A0092B-C50C-407E-A947-70E740481C1C}">
-                <a14:useLocalDpi xmlns:a14="http://schemas.microsoft.com/office/drawing/2010/main" val="0"/>
-              </a:ext>
-            </a:extLst>
-          </a:blip>
-          <a:srcRect/>
-          <a:stretch>
-            <a:fillRect/>
-          </a:stretch>
-        </p:blipFill>
-        <p:spPr bwMode="auto">
-          <a:xfrm>
-            <a:off x="2121699" y="8044560"/>
-            <a:ext cx="432633" cy="432633"/>
-          </a:xfrm>
-          <a:prstGeom prst="rect">
-            <a:avLst/>
-          </a:prstGeom>
-          <a:noFill/>
-          <a:extLst>
-            <a:ext uri="{909E8E84-426E-40DD-AFC4-6F175D3DCCD1}">
-              <a14:hiddenFill xmlns:a14="http://schemas.microsoft.com/office/drawing/2010/main">
-                <a:solidFill>
-                  <a:srgbClr val="FFFFFF"/>
-                </a:solidFill>
-              </a14:hiddenFill>
-            </a:ext>
-          </a:extLst>
-        </p:spPr>
-      </p:pic>
-      <p:pic>
-        <p:nvPicPr>
-          <p:cNvPr id="2054" name="Picture 6" descr="wine icon">
-            <a:extLst>
-              <a:ext uri="{FF2B5EF4-FFF2-40B4-BE49-F238E27FC236}">
-                <a16:creationId xmlns:a16="http://schemas.microsoft.com/office/drawing/2014/main" id="{A5C0E5AF-B18A-A199-3423-A4D5606117D3}"/>
-              </a:ext>
-            </a:extLst>
-          </p:cNvPr>
-          <p:cNvPicPr>
-            <a:picLocks noChangeAspect="1" noChangeArrowheads="1"/>
-          </p:cNvPicPr>
-          <p:nvPr/>
-        </p:nvPicPr>
-        <p:blipFill rotWithShape="1">
-          <a:blip r:embed="rId8">
-            <a:extLst>
-              <a:ext uri="{28A0092B-C50C-407E-A947-70E740481C1C}">
-                <a14:useLocalDpi xmlns:a14="http://schemas.microsoft.com/office/drawing/2010/main" val="0"/>
-              </a:ext>
-            </a:extLst>
-          </a:blip>
-          <a:srcRect l="20351" t="20354" r="48222" b="18610"/>
-          <a:stretch>
-            <a:fillRect/>
-          </a:stretch>
-        </p:blipFill>
-        <p:spPr bwMode="auto">
-          <a:xfrm>
-            <a:off x="2081610" y="8129041"/>
-            <a:ext cx="170679" cy="331484"/>
-          </a:xfrm>
-          <a:prstGeom prst="rect">
-            <a:avLst/>
-          </a:prstGeom>
-          <a:noFill/>
-          <a:extLst>
-            <a:ext uri="{909E8E84-426E-40DD-AFC4-6F175D3DCCD1}">
-              <a14:hiddenFill xmlns:a14="http://schemas.microsoft.com/office/drawing/2010/main">
-                <a:solidFill>
-                  <a:srgbClr val="FFFFFF"/>
-                </a:solidFill>
-              </a14:hiddenFill>
-            </a:ext>
-          </a:extLst>
-        </p:spPr>
-      </p:pic>
-      <p:pic>
-        <p:nvPicPr>
-          <p:cNvPr id="2056" name="Picture 8" descr="gear icon">
-            <a:extLst>
-              <a:ext uri="{FF2B5EF4-FFF2-40B4-BE49-F238E27FC236}">
-                <a16:creationId xmlns:a16="http://schemas.microsoft.com/office/drawing/2014/main" id="{9C373A1C-4486-76C2-53D5-2CBB9B0A4E8B}"/>
-              </a:ext>
-            </a:extLst>
-          </p:cNvPr>
-          <p:cNvPicPr>
-            <a:picLocks noChangeAspect="1" noChangeArrowheads="1"/>
-          </p:cNvPicPr>
-          <p:nvPr/>
-        </p:nvPicPr>
-        <p:blipFill>
-          <a:blip r:embed="rId9">
-            <a:extLst>
-              <a:ext uri="{28A0092B-C50C-407E-A947-70E740481C1C}">
-                <a14:useLocalDpi xmlns:a14="http://schemas.microsoft.com/office/drawing/2010/main" val="0"/>
-              </a:ext>
-            </a:extLst>
-          </a:blip>
-          <a:srcRect/>
-          <a:stretch>
-            <a:fillRect/>
-          </a:stretch>
-        </p:blipFill>
-        <p:spPr bwMode="auto">
-          <a:xfrm>
-            <a:off x="3878011" y="8144027"/>
-            <a:ext cx="272256" cy="272256"/>
-          </a:xfrm>
-          <a:prstGeom prst="rect">
-            <a:avLst/>
-          </a:prstGeom>
-          <a:noFill/>
-          <a:extLst>
-            <a:ext uri="{909E8E84-426E-40DD-AFC4-6F175D3DCCD1}">
-              <a14:hiddenFill xmlns:a14="http://schemas.microsoft.com/office/drawing/2010/main">
-                <a:solidFill>
-                  <a:srgbClr val="FFFFFF"/>
-                </a:solidFill>
-              </a14:hiddenFill>
-            </a:ext>
-          </a:extLst>
-        </p:spPr>
-      </p:pic>
-    </p:spTree>
-    <p:extLst>
-      <p:ext uri="{BB962C8B-B14F-4D97-AF65-F5344CB8AC3E}">
-        <p14:creationId xmlns:p14="http://schemas.microsoft.com/office/powerpoint/2010/main" val="2785571965"/>
-      </p:ext>
-    </p:extLst>
-  </p:cSld>
-  <p:clrMapOvr>
-    <a:masterClrMapping/>
-  </p:clrMapOvr>
-</p:sld>
-</file>
-
-<file path=ppt/slides/slide4.xml><?xml version="1.0" encoding="utf-8"?>
-<p:sld xmlns:a="http://schemas.openxmlformats.org/drawingml/2006/main" xmlns:r="http://schemas.openxmlformats.org/officeDocument/2006/relationships" xmlns:p="http://schemas.openxmlformats.org/presentationml/2006/main">
-  <p:cSld>
-    <p:spTree>
-      <p:nvGrpSpPr>
-        <p:cNvPr id="1" name="">
-          <a:extLst>
-            <a:ext uri="{FF2B5EF4-FFF2-40B4-BE49-F238E27FC236}">
-              <a16:creationId xmlns:a16="http://schemas.microsoft.com/office/drawing/2014/main" id="{4766E637-FD75-57DF-5567-9CAD4375D381}"/>
-            </a:ext>
-          </a:extLst>
-        </p:cNvPr>
-        <p:cNvGrpSpPr/>
-        <p:nvPr/>
-      </p:nvGrpSpPr>
-      <p:grpSpPr>
-        <a:xfrm>
-          <a:off x="0" y="0"/>
-          <a:ext cx="0" cy="0"/>
-          <a:chOff x="0" y="0"/>
-          <a:chExt cx="0" cy="0"/>
-        </a:xfrm>
-      </p:grpSpPr>
-      <p:grpSp>
-        <p:nvGrpSpPr>
-          <p:cNvPr id="13" name="Group 12">
-            <a:extLst>
-              <a:ext uri="{FF2B5EF4-FFF2-40B4-BE49-F238E27FC236}">
-                <a16:creationId xmlns:a16="http://schemas.microsoft.com/office/drawing/2014/main" id="{92788BA5-9AF7-0781-438A-86E501E17A08}"/>
-              </a:ext>
-            </a:extLst>
-          </p:cNvPr>
-          <p:cNvGrpSpPr/>
-          <p:nvPr/>
-        </p:nvGrpSpPr>
-        <p:grpSpPr>
-          <a:xfrm>
-            <a:off x="1148254" y="1670282"/>
-            <a:ext cx="3160510" cy="6858000"/>
-            <a:chOff x="1148254" y="1670282"/>
-            <a:chExt cx="3160510" cy="6858000"/>
-          </a:xfrm>
-        </p:grpSpPr>
-        <p:pic>
-          <p:nvPicPr>
-            <p:cNvPr id="4" name="Picture 3">
-              <a:extLst>
-                <a:ext uri="{FF2B5EF4-FFF2-40B4-BE49-F238E27FC236}">
-                  <a16:creationId xmlns:a16="http://schemas.microsoft.com/office/drawing/2014/main" id="{7423D870-E7D8-D7BD-21A0-F4E8CD331234}"/>
-                </a:ext>
-              </a:extLst>
-            </p:cNvPr>
-            <p:cNvPicPr>
-              <a:picLocks noChangeAspect="1"/>
-            </p:cNvPicPr>
-            <p:nvPr/>
-          </p:nvPicPr>
-          <p:blipFill>
-            <a:blip r:embed="rId2"/>
-            <a:stretch>
-              <a:fillRect/>
-            </a:stretch>
-          </p:blipFill>
-          <p:spPr>
-            <a:xfrm>
-              <a:off x="1148254" y="1670282"/>
-              <a:ext cx="3160510" cy="6858000"/>
-            </a:xfrm>
-            <a:prstGeom prst="rect">
-              <a:avLst/>
-            </a:prstGeom>
-            <a:effectLst>
-              <a:outerShdw blurRad="63500" sx="102000" sy="102000" algn="ctr" rotWithShape="0">
-                <a:prstClr val="black">
-                  <a:alpha val="40000"/>
-                </a:prstClr>
-              </a:outerShdw>
-            </a:effectLst>
-          </p:spPr>
-        </p:pic>
-        <p:sp>
-          <p:nvSpPr>
-            <p:cNvPr id="12" name="Rectangle 11">
-              <a:extLst>
-                <a:ext uri="{FF2B5EF4-FFF2-40B4-BE49-F238E27FC236}">
-                  <a16:creationId xmlns:a16="http://schemas.microsoft.com/office/drawing/2014/main" id="{F3884D71-48B5-E92E-199A-2D0ACF194D9B}"/>
-                </a:ext>
-              </a:extLst>
-            </p:cNvPr>
-            <p:cNvSpPr/>
-            <p:nvPr/>
-          </p:nvSpPr>
-          <p:spPr>
-            <a:xfrm>
-              <a:off x="1174750" y="8007350"/>
-              <a:ext cx="3108325" cy="304800"/>
-            </a:xfrm>
-            <a:prstGeom prst="rect">
-              <a:avLst/>
-            </a:prstGeom>
-            <a:solidFill>
-              <a:schemeClr val="bg1"/>
-            </a:solidFill>
-            <a:ln>
-              <a:noFill/>
-            </a:ln>
-          </p:spPr>
-          <p:style>
-            <a:lnRef idx="2">
-              <a:schemeClr val="accent1">
-                <a:shade val="15000"/>
-              </a:schemeClr>
-            </a:lnRef>
-            <a:fillRef idx="1">
-              <a:schemeClr val="accent1"/>
-            </a:fillRef>
-            <a:effectRef idx="0">
-              <a:schemeClr val="accent1"/>
-            </a:effectRef>
-            <a:fontRef idx="minor">
-              <a:schemeClr val="lt1"/>
-            </a:fontRef>
-          </p:style>
-          <p:txBody>
-            <a:bodyPr rtlCol="0" anchor="ctr"/>
-            <a:lstStyle/>
-            <a:p>
-              <a:pPr algn="ctr"/>
-              <a:endParaRPr lang="en-US" dirty="0"/>
-            </a:p>
-          </p:txBody>
-        </p:sp>
-      </p:grpSp>
-      <p:pic>
-        <p:nvPicPr>
-          <p:cNvPr id="10" name="Picture 4" descr="book icon">
-            <a:extLst>
-              <a:ext uri="{FF2B5EF4-FFF2-40B4-BE49-F238E27FC236}">
-                <a16:creationId xmlns:a16="http://schemas.microsoft.com/office/drawing/2014/main" id="{FF8F24B5-7E94-A186-98B0-282392719CAF}"/>
-              </a:ext>
-            </a:extLst>
-          </p:cNvPr>
-          <p:cNvPicPr>
-            <a:picLocks noChangeAspect="1" noChangeArrowheads="1"/>
-          </p:cNvPicPr>
-          <p:nvPr/>
-        </p:nvPicPr>
-        <p:blipFill>
-          <a:blip r:embed="rId3">
-            <a:extLst>
-              <a:ext uri="{28A0092B-C50C-407E-A947-70E740481C1C}">
-                <a14:useLocalDpi xmlns:a14="http://schemas.microsoft.com/office/drawing/2010/main" val="0"/>
-              </a:ext>
-            </a:extLst>
-          </a:blip>
-          <a:srcRect/>
-          <a:stretch>
-            <a:fillRect/>
-          </a:stretch>
-        </p:blipFill>
-        <p:spPr bwMode="auto">
-          <a:xfrm>
-            <a:off x="1403191" y="8015896"/>
-            <a:ext cx="296254" cy="296254"/>
-          </a:xfrm>
-          <a:prstGeom prst="rect">
-            <a:avLst/>
-          </a:prstGeom>
-          <a:noFill/>
-          <a:extLst>
-            <a:ext uri="{909E8E84-426E-40DD-AFC4-6F175D3DCCD1}">
-              <a14:hiddenFill xmlns:a14="http://schemas.microsoft.com/office/drawing/2010/main">
-                <a:solidFill>
-                  <a:srgbClr val="FFFFFF"/>
-                </a:solidFill>
-              </a14:hiddenFill>
-            </a:ext>
-          </a:extLst>
-        </p:spPr>
-      </p:pic>
-      <p:pic>
-        <p:nvPicPr>
-          <p:cNvPr id="2050" name="Picture 2" descr="magnifying glass icon">
-            <a:extLst>
-              <a:ext uri="{FF2B5EF4-FFF2-40B4-BE49-F238E27FC236}">
-                <a16:creationId xmlns:a16="http://schemas.microsoft.com/office/drawing/2014/main" id="{B5102205-DDA4-A95E-0F95-49210CA4C031}"/>
-              </a:ext>
-            </a:extLst>
-          </p:cNvPr>
-          <p:cNvPicPr>
-            <a:picLocks noChangeAspect="1" noChangeArrowheads="1"/>
-          </p:cNvPicPr>
-          <p:nvPr/>
-        </p:nvPicPr>
-        <p:blipFill>
-          <a:blip r:embed="rId4">
-            <a:extLst>
-              <a:ext uri="{28A0092B-C50C-407E-A947-70E740481C1C}">
-                <a14:useLocalDpi xmlns:a14="http://schemas.microsoft.com/office/drawing/2010/main" val="0"/>
-              </a:ext>
-            </a:extLst>
-          </a:blip>
-          <a:srcRect/>
-          <a:stretch>
-            <a:fillRect/>
-          </a:stretch>
-        </p:blipFill>
-        <p:spPr bwMode="auto">
-          <a:xfrm>
-            <a:off x="2870960" y="8058451"/>
-            <a:ext cx="253699" cy="253699"/>
-          </a:xfrm>
-          <a:prstGeom prst="rect">
-            <a:avLst/>
-          </a:prstGeom>
-          <a:noFill/>
-          <a:extLst>
-            <a:ext uri="{909E8E84-426E-40DD-AFC4-6F175D3DCCD1}">
-              <a14:hiddenFill xmlns:a14="http://schemas.microsoft.com/office/drawing/2010/main">
-                <a:solidFill>
-                  <a:srgbClr val="FFFFFF"/>
-                </a:solidFill>
-              </a14:hiddenFill>
-            </a:ext>
-          </a:extLst>
-        </p:spPr>
-      </p:pic>
-      <p:pic>
-        <p:nvPicPr>
-          <p:cNvPr id="2052" name="Picture 4" descr="bottle icon">
-            <a:extLst>
-              <a:ext uri="{FF2B5EF4-FFF2-40B4-BE49-F238E27FC236}">
-                <a16:creationId xmlns:a16="http://schemas.microsoft.com/office/drawing/2014/main" id="{9296E062-A6D9-7301-CBF7-368F6B37C17E}"/>
-              </a:ext>
-            </a:extLst>
-          </p:cNvPr>
-          <p:cNvPicPr>
-            <a:picLocks noChangeAspect="1" noChangeArrowheads="1"/>
-          </p:cNvPicPr>
-          <p:nvPr/>
-        </p:nvPicPr>
-        <p:blipFill>
-          <a:blip r:embed="rId5">
-            <a:extLst>
-              <a:ext uri="{28A0092B-C50C-407E-A947-70E740481C1C}">
-                <a14:useLocalDpi xmlns:a14="http://schemas.microsoft.com/office/drawing/2010/main" val="0"/>
-              </a:ext>
-            </a:extLst>
-          </a:blip>
-          <a:srcRect/>
-          <a:stretch>
-            <a:fillRect/>
-          </a:stretch>
-        </p:blipFill>
-        <p:spPr bwMode="auto">
-          <a:xfrm>
-            <a:off x="2243629" y="8007350"/>
-            <a:ext cx="304800" cy="304800"/>
-          </a:xfrm>
-          <a:prstGeom prst="rect">
-            <a:avLst/>
-          </a:prstGeom>
-          <a:noFill/>
-          <a:extLst>
-            <a:ext uri="{909E8E84-426E-40DD-AFC4-6F175D3DCCD1}">
-              <a14:hiddenFill xmlns:a14="http://schemas.microsoft.com/office/drawing/2010/main">
-                <a:solidFill>
-                  <a:srgbClr val="FFFFFF"/>
-                </a:solidFill>
-              </a14:hiddenFill>
-            </a:ext>
-          </a:extLst>
-        </p:spPr>
-      </p:pic>
-      <p:pic>
-        <p:nvPicPr>
-          <p:cNvPr id="2054" name="Picture 6" descr="wine icon">
-            <a:extLst>
-              <a:ext uri="{FF2B5EF4-FFF2-40B4-BE49-F238E27FC236}">
-                <a16:creationId xmlns:a16="http://schemas.microsoft.com/office/drawing/2014/main" id="{1A4D3F2C-8425-C2C6-380A-30B7B37A00CF}"/>
-              </a:ext>
-            </a:extLst>
-          </p:cNvPr>
-          <p:cNvPicPr>
-            <a:picLocks noChangeAspect="1" noChangeArrowheads="1"/>
-          </p:cNvPicPr>
-          <p:nvPr/>
-        </p:nvPicPr>
-        <p:blipFill rotWithShape="1">
-          <a:blip r:embed="rId6">
-            <a:extLst>
-              <a:ext uri="{28A0092B-C50C-407E-A947-70E740481C1C}">
-                <a14:useLocalDpi xmlns:a14="http://schemas.microsoft.com/office/drawing/2010/main" val="0"/>
-              </a:ext>
-            </a:extLst>
-          </a:blip>
-          <a:srcRect l="20351" t="20354" r="48222" b="18610"/>
-          <a:stretch>
-            <a:fillRect/>
-          </a:stretch>
-        </p:blipFill>
-        <p:spPr bwMode="auto">
-          <a:xfrm>
-            <a:off x="2203539" y="8061944"/>
-            <a:ext cx="120247" cy="233538"/>
-          </a:xfrm>
-          <a:prstGeom prst="rect">
-            <a:avLst/>
-          </a:prstGeom>
-          <a:noFill/>
-          <a:extLst>
-            <a:ext uri="{909E8E84-426E-40DD-AFC4-6F175D3DCCD1}">
-              <a14:hiddenFill xmlns:a14="http://schemas.microsoft.com/office/drawing/2010/main">
-                <a:solidFill>
-                  <a:srgbClr val="FFFFFF"/>
-                </a:solidFill>
-              </a14:hiddenFill>
-            </a:ext>
-          </a:extLst>
-        </p:spPr>
-      </p:pic>
-      <p:pic>
-        <p:nvPicPr>
-          <p:cNvPr id="2056" name="Picture 8" descr="gear icon">
-            <a:extLst>
-              <a:ext uri="{FF2B5EF4-FFF2-40B4-BE49-F238E27FC236}">
-                <a16:creationId xmlns:a16="http://schemas.microsoft.com/office/drawing/2014/main" id="{295C9DB8-E2D1-357B-7484-A1031C496D7A}"/>
-              </a:ext>
-            </a:extLst>
-          </p:cNvPr>
-          <p:cNvPicPr>
-            <a:picLocks noChangeAspect="1" noChangeArrowheads="1"/>
-          </p:cNvPicPr>
-          <p:nvPr/>
-        </p:nvPicPr>
-        <p:blipFill>
-          <a:blip r:embed="rId7">
-            <a:extLst>
-              <a:ext uri="{28A0092B-C50C-407E-A947-70E740481C1C}">
-                <a14:useLocalDpi xmlns:a14="http://schemas.microsoft.com/office/drawing/2010/main" val="0"/>
-              </a:ext>
-            </a:extLst>
-          </a:blip>
-          <a:srcRect/>
-          <a:stretch>
-            <a:fillRect/>
-          </a:stretch>
-        </p:blipFill>
-        <p:spPr bwMode="auto">
-          <a:xfrm>
-            <a:off x="3733343" y="8069111"/>
-            <a:ext cx="196208" cy="196208"/>
-          </a:xfrm>
-          <a:prstGeom prst="rect">
-            <a:avLst/>
-          </a:prstGeom>
-          <a:noFill/>
-          <a:extLst>
-            <a:ext uri="{909E8E84-426E-40DD-AFC4-6F175D3DCCD1}">
-              <a14:hiddenFill xmlns:a14="http://schemas.microsoft.com/office/drawing/2010/main">
-                <a:solidFill>
-                  <a:srgbClr val="FFFFFF"/>
-                </a:solidFill>
-              </a14:hiddenFill>
-            </a:ext>
-          </a:extLst>
-        </p:spPr>
-      </p:pic>
-    </p:spTree>
-    <p:extLst>
-      <p:ext uri="{BB962C8B-B14F-4D97-AF65-F5344CB8AC3E}">
-        <p14:creationId xmlns:p14="http://schemas.microsoft.com/office/powerpoint/2010/main" val="3827125342"/>
-      </p:ext>
-    </p:extLst>
-  </p:cSld>
-  <p:clrMapOvr>
-    <a:masterClrMapping/>
-  </p:clrMapOvr>
-</p:sld>
-</file>
-
-<file path=ppt/slides/slide5.xml><?xml version="1.0" encoding="utf-8"?>
 <p:sld xmlns:a="http://schemas.openxmlformats.org/drawingml/2006/main" xmlns:r="http://schemas.openxmlformats.org/officeDocument/2006/relationships" xmlns:p="http://schemas.openxmlformats.org/presentationml/2006/main">
   <p:cSld>
     <p:spTree>
@@ -8439,10 +5755,3465 @@
           </a:p>
         </p:txBody>
       </p:sp>
+      <p:grpSp>
+        <p:nvGrpSpPr>
+          <p:cNvPr id="9" name="Group 8">
+            <a:extLst>
+              <a:ext uri="{FF2B5EF4-FFF2-40B4-BE49-F238E27FC236}">
+                <a16:creationId xmlns:a16="http://schemas.microsoft.com/office/drawing/2014/main" id="{0B2A5A98-F294-BE3A-6896-5645803A091B}"/>
+              </a:ext>
+            </a:extLst>
+          </p:cNvPr>
+          <p:cNvGrpSpPr/>
+          <p:nvPr/>
+        </p:nvGrpSpPr>
+        <p:grpSpPr>
+          <a:xfrm rot="418535">
+            <a:off x="1798960" y="9535778"/>
+            <a:ext cx="817785" cy="1507975"/>
+            <a:chOff x="4568825" y="3954463"/>
+            <a:chExt cx="1343025" cy="2476501"/>
+          </a:xfrm>
+          <a:noFill/>
+        </p:grpSpPr>
+        <p:sp>
+          <p:nvSpPr>
+            <p:cNvPr id="11" name="Freeform: Shape 10">
+              <a:extLst>
+                <a:ext uri="{FF2B5EF4-FFF2-40B4-BE49-F238E27FC236}">
+                  <a16:creationId xmlns:a16="http://schemas.microsoft.com/office/drawing/2014/main" id="{9D33C8E7-CB57-0FBE-A01F-279984A6CF67}"/>
+                </a:ext>
+              </a:extLst>
+            </p:cNvPr>
+            <p:cNvSpPr/>
+            <p:nvPr/>
+          </p:nvSpPr>
+          <p:spPr>
+            <a:xfrm>
+              <a:off x="4568825" y="3954463"/>
+              <a:ext cx="1343025" cy="1406525"/>
+            </a:xfrm>
+            <a:custGeom>
+              <a:avLst/>
+              <a:gdLst>
+                <a:gd name="csX0" fmla="*/ 0 w 1343025"/>
+                <a:gd name="csY0" fmla="*/ 0 h 1406525"/>
+                <a:gd name="csX1" fmla="*/ 474536 w 1343025"/>
+                <a:gd name="csY1" fmla="*/ 0 h 1406525"/>
+                <a:gd name="csX2" fmla="*/ 922211 w 1343025"/>
+                <a:gd name="csY2" fmla="*/ 0 h 1406525"/>
+                <a:gd name="csX3" fmla="*/ 1343025 w 1343025"/>
+                <a:gd name="csY3" fmla="*/ 0 h 1406525"/>
+                <a:gd name="csX4" fmla="*/ 1202383 w 1343025"/>
+                <a:gd name="csY4" fmla="*/ 454776 h 1406525"/>
+                <a:gd name="csX5" fmla="*/ 1066091 w 1343025"/>
+                <a:gd name="csY5" fmla="*/ 895487 h 1406525"/>
+                <a:gd name="csX6" fmla="*/ 908050 w 1343025"/>
+                <a:gd name="csY6" fmla="*/ 1406524 h 1406525"/>
+                <a:gd name="csX7" fmla="*/ 438150 w 1343025"/>
+                <a:gd name="csY7" fmla="*/ 1406524 h 1406525"/>
+                <a:gd name="csX8" fmla="*/ 292100 w 1343025"/>
+                <a:gd name="csY8" fmla="*/ 937683 h 1406525"/>
+                <a:gd name="csX9" fmla="*/ 141669 w 1343025"/>
+                <a:gd name="csY9" fmla="*/ 454776 h 1406525"/>
+                <a:gd name="csX10" fmla="*/ 0 w 1343025"/>
+                <a:gd name="csY10" fmla="*/ 0 h 1406525"/>
+              </a:gdLst>
+              <a:ahLst/>
+              <a:cxnLst>
+                <a:cxn ang="0">
+                  <a:pos x="csX0" y="csY0"/>
+                </a:cxn>
+                <a:cxn ang="0">
+                  <a:pos x="csX1" y="csY1"/>
+                </a:cxn>
+                <a:cxn ang="0">
+                  <a:pos x="csX2" y="csY2"/>
+                </a:cxn>
+                <a:cxn ang="0">
+                  <a:pos x="csX3" y="csY3"/>
+                </a:cxn>
+                <a:cxn ang="0">
+                  <a:pos x="csX4" y="csY4"/>
+                </a:cxn>
+                <a:cxn ang="0">
+                  <a:pos x="csX5" y="csY5"/>
+                </a:cxn>
+                <a:cxn ang="0">
+                  <a:pos x="csX6" y="csY6"/>
+                </a:cxn>
+                <a:cxn ang="0">
+                  <a:pos x="csX7" y="csY7"/>
+                </a:cxn>
+                <a:cxn ang="0">
+                  <a:pos x="csX8" y="csY8"/>
+                </a:cxn>
+                <a:cxn ang="0">
+                  <a:pos x="csX9" y="csY9"/>
+                </a:cxn>
+                <a:cxn ang="0">
+                  <a:pos x="csX10" y="csY10"/>
+                </a:cxn>
+              </a:cxnLst>
+              <a:rect l="l" t="t" r="r" b="b"/>
+              <a:pathLst>
+                <a:path w="1343025" h="1406525" fill="none" extrusionOk="0">
+                  <a:moveTo>
+                    <a:pt x="0" y="0"/>
+                  </a:moveTo>
+                  <a:cubicBezTo>
+                    <a:pt x="98207" y="-23324"/>
+                    <a:pt x="342943" y="38581"/>
+                    <a:pt x="474536" y="0"/>
+                  </a:cubicBezTo>
+                  <a:cubicBezTo>
+                    <a:pt x="606129" y="-38581"/>
+                    <a:pt x="756984" y="7428"/>
+                    <a:pt x="922211" y="0"/>
+                  </a:cubicBezTo>
+                  <a:cubicBezTo>
+                    <a:pt x="1087439" y="-7428"/>
+                    <a:pt x="1168510" y="37467"/>
+                    <a:pt x="1343025" y="0"/>
+                  </a:cubicBezTo>
+                  <a:cubicBezTo>
+                    <a:pt x="1349751" y="129588"/>
+                    <a:pt x="1246748" y="268901"/>
+                    <a:pt x="1202383" y="454776"/>
+                  </a:cubicBezTo>
+                  <a:cubicBezTo>
+                    <a:pt x="1158019" y="640651"/>
+                    <a:pt x="1082833" y="727212"/>
+                    <a:pt x="1066091" y="895487"/>
+                  </a:cubicBezTo>
+                  <a:cubicBezTo>
+                    <a:pt x="1049349" y="1063762"/>
+                    <a:pt x="939486" y="1251192"/>
+                    <a:pt x="908050" y="1406524"/>
+                  </a:cubicBezTo>
+                  <a:cubicBezTo>
+                    <a:pt x="677087" y="1427960"/>
+                    <a:pt x="624317" y="1385735"/>
+                    <a:pt x="438150" y="1406524"/>
+                  </a:cubicBezTo>
+                  <a:cubicBezTo>
+                    <a:pt x="342844" y="1202737"/>
+                    <a:pt x="361204" y="1019262"/>
+                    <a:pt x="292100" y="937683"/>
+                  </a:cubicBezTo>
+                  <a:cubicBezTo>
+                    <a:pt x="222997" y="856104"/>
+                    <a:pt x="211132" y="638665"/>
+                    <a:pt x="141669" y="454776"/>
+                  </a:cubicBezTo>
+                  <a:cubicBezTo>
+                    <a:pt x="72205" y="270888"/>
+                    <a:pt x="91474" y="101467"/>
+                    <a:pt x="0" y="0"/>
+                  </a:cubicBezTo>
+                  <a:close/>
+                </a:path>
+                <a:path w="1343025" h="1406525" stroke="0" extrusionOk="0">
+                  <a:moveTo>
+                    <a:pt x="0" y="0"/>
+                  </a:moveTo>
+                  <a:cubicBezTo>
+                    <a:pt x="200886" y="-3677"/>
+                    <a:pt x="233565" y="35963"/>
+                    <a:pt x="420814" y="0"/>
+                  </a:cubicBezTo>
+                  <a:cubicBezTo>
+                    <a:pt x="608063" y="-35963"/>
+                    <a:pt x="703521" y="4756"/>
+                    <a:pt x="855059" y="0"/>
+                  </a:cubicBezTo>
+                  <a:cubicBezTo>
+                    <a:pt x="1006598" y="-4756"/>
+                    <a:pt x="1153305" y="19115"/>
+                    <a:pt x="1343025" y="0"/>
+                  </a:cubicBezTo>
+                  <a:cubicBezTo>
+                    <a:pt x="1294234" y="181971"/>
+                    <a:pt x="1217254" y="275520"/>
+                    <a:pt x="1189334" y="496972"/>
+                  </a:cubicBezTo>
+                  <a:cubicBezTo>
+                    <a:pt x="1161414" y="718424"/>
+                    <a:pt x="1088574" y="767896"/>
+                    <a:pt x="1044342" y="965813"/>
+                  </a:cubicBezTo>
+                  <a:cubicBezTo>
+                    <a:pt x="1000110" y="1163730"/>
+                    <a:pt x="927824" y="1255579"/>
+                    <a:pt x="908050" y="1406524"/>
+                  </a:cubicBezTo>
+                  <a:cubicBezTo>
+                    <a:pt x="693390" y="1430430"/>
+                    <a:pt x="535259" y="1353698"/>
+                    <a:pt x="438150" y="1406524"/>
+                  </a:cubicBezTo>
+                  <a:cubicBezTo>
+                    <a:pt x="364377" y="1307359"/>
+                    <a:pt x="366156" y="1172585"/>
+                    <a:pt x="305245" y="979878"/>
+                  </a:cubicBezTo>
+                  <a:cubicBezTo>
+                    <a:pt x="244334" y="787171"/>
+                    <a:pt x="205665" y="642302"/>
+                    <a:pt x="150431" y="482907"/>
+                  </a:cubicBezTo>
+                  <a:cubicBezTo>
+                    <a:pt x="95197" y="323512"/>
+                    <a:pt x="78544" y="182871"/>
+                    <a:pt x="0" y="0"/>
+                  </a:cubicBezTo>
+                  <a:close/>
+                </a:path>
+              </a:pathLst>
+            </a:custGeom>
+            <a:grpFill/>
+            <a:ln w="28575">
+              <a:solidFill>
+                <a:schemeClr val="tx1"/>
+              </a:solidFill>
+              <a:extLst>
+                <a:ext uri="{C807C97D-BFC1-408E-A445-0C87EB9F89A2}">
+                  <ask:lineSketchStyleProps xmlns:ask="http://schemas.microsoft.com/office/drawing/2018/sketchyshapes" sd="1700445973">
+                    <a:custGeom>
+                      <a:avLst/>
+                      <a:gdLst>
+                        <a:gd name="csX0" fmla="*/ 0 w 1343025"/>
+                        <a:gd name="csY0" fmla="*/ 0 h 1341437"/>
+                        <a:gd name="csX1" fmla="*/ 1343025 w 1343025"/>
+                        <a:gd name="csY1" fmla="*/ 0 h 1341437"/>
+                        <a:gd name="csX2" fmla="*/ 908050 w 1343025"/>
+                        <a:gd name="csY2" fmla="*/ 1341437 h 1341437"/>
+                        <a:gd name="csX3" fmla="*/ 438150 w 1343025"/>
+                        <a:gd name="csY3" fmla="*/ 1341437 h 1341437"/>
+                        <a:gd name="csX4" fmla="*/ 0 w 1343025"/>
+                        <a:gd name="csY4" fmla="*/ 0 h 1341437"/>
+                      </a:gdLst>
+                      <a:ahLst/>
+                      <a:cxnLst>
+                        <a:cxn ang="0">
+                          <a:pos x="csX0" y="csY0"/>
+                        </a:cxn>
+                        <a:cxn ang="0">
+                          <a:pos x="csX1" y="csY1"/>
+                        </a:cxn>
+                        <a:cxn ang="0">
+                          <a:pos x="csX2" y="csY2"/>
+                        </a:cxn>
+                        <a:cxn ang="0">
+                          <a:pos x="csX3" y="csY3"/>
+                        </a:cxn>
+                        <a:cxn ang="0">
+                          <a:pos x="csX4" y="csY4"/>
+                        </a:cxn>
+                      </a:cxnLst>
+                      <a:rect l="l" t="t" r="r" b="b"/>
+                      <a:pathLst>
+                        <a:path w="1343025" h="1341437">
+                          <a:moveTo>
+                            <a:pt x="0" y="0"/>
+                          </a:moveTo>
+                          <a:lnTo>
+                            <a:pt x="1343025" y="0"/>
+                          </a:lnTo>
+                          <a:lnTo>
+                            <a:pt x="908050" y="1341437"/>
+                          </a:lnTo>
+                          <a:lnTo>
+                            <a:pt x="438150" y="1341437"/>
+                          </a:lnTo>
+                          <a:lnTo>
+                            <a:pt x="0" y="0"/>
+                          </a:lnTo>
+                          <a:close/>
+                        </a:path>
+                      </a:pathLst>
+                    </a:custGeom>
+                    <ask:type>
+                      <ask:lineSketchScribble/>
+                    </ask:type>
+                  </ask:lineSketchStyleProps>
+                </a:ext>
+              </a:extLst>
+            </a:ln>
+          </p:spPr>
+          <p:style>
+            <a:lnRef idx="2">
+              <a:schemeClr val="accent1">
+                <a:shade val="15000"/>
+              </a:schemeClr>
+            </a:lnRef>
+            <a:fillRef idx="1">
+              <a:schemeClr val="accent1"/>
+            </a:fillRef>
+            <a:effectRef idx="0">
+              <a:schemeClr val="accent1"/>
+            </a:effectRef>
+            <a:fontRef idx="minor">
+              <a:schemeClr val="lt1"/>
+            </a:fontRef>
+          </p:style>
+          <p:txBody>
+            <a:bodyPr rtlCol="0" anchor="ctr"/>
+            <a:lstStyle/>
+            <a:p>
+              <a:pPr algn="ctr"/>
+              <a:endParaRPr lang="en-US"/>
+            </a:p>
+          </p:txBody>
+        </p:sp>
+        <p:sp>
+          <p:nvSpPr>
+            <p:cNvPr id="15" name="Freeform: Shape 14">
+              <a:extLst>
+                <a:ext uri="{FF2B5EF4-FFF2-40B4-BE49-F238E27FC236}">
+                  <a16:creationId xmlns:a16="http://schemas.microsoft.com/office/drawing/2014/main" id="{EDBD0BE3-ED7D-D064-C46F-EBC72D01DD7D}"/>
+                </a:ext>
+              </a:extLst>
+            </p:cNvPr>
+            <p:cNvSpPr/>
+            <p:nvPr/>
+          </p:nvSpPr>
+          <p:spPr>
+            <a:xfrm>
+              <a:off x="4738688" y="5460290"/>
+              <a:ext cx="992187" cy="970674"/>
+            </a:xfrm>
+            <a:custGeom>
+              <a:avLst/>
+              <a:gdLst>
+                <a:gd name="csX0" fmla="*/ 0 w 992187"/>
+                <a:gd name="csY0" fmla="*/ 970673 h 970674"/>
+                <a:gd name="csX1" fmla="*/ 506015 w 992187"/>
+                <a:gd name="csY1" fmla="*/ 970673 h 970674"/>
+                <a:gd name="csX2" fmla="*/ 992187 w 992187"/>
+                <a:gd name="csY2" fmla="*/ 970673 h 970674"/>
+                <a:gd name="csX3" fmla="*/ 862012 w 992187"/>
+                <a:gd name="csY3" fmla="*/ 485337 h 970674"/>
+                <a:gd name="csX4" fmla="*/ 731837 w 992187"/>
+                <a:gd name="csY4" fmla="*/ 0 h 970674"/>
+                <a:gd name="csX5" fmla="*/ 254000 w 992187"/>
+                <a:gd name="csY5" fmla="*/ 0 h 970674"/>
+                <a:gd name="csX6" fmla="*/ 129540 w 992187"/>
+                <a:gd name="csY6" fmla="*/ 475630 h 970674"/>
+                <a:gd name="csX7" fmla="*/ 0 w 992187"/>
+                <a:gd name="csY7" fmla="*/ 970673 h 970674"/>
+              </a:gdLst>
+              <a:ahLst/>
+              <a:cxnLst>
+                <a:cxn ang="0">
+                  <a:pos x="csX0" y="csY0"/>
+                </a:cxn>
+                <a:cxn ang="0">
+                  <a:pos x="csX1" y="csY1"/>
+                </a:cxn>
+                <a:cxn ang="0">
+                  <a:pos x="csX2" y="csY2"/>
+                </a:cxn>
+                <a:cxn ang="0">
+                  <a:pos x="csX3" y="csY3"/>
+                </a:cxn>
+                <a:cxn ang="0">
+                  <a:pos x="csX4" y="csY4"/>
+                </a:cxn>
+                <a:cxn ang="0">
+                  <a:pos x="csX5" y="csY5"/>
+                </a:cxn>
+                <a:cxn ang="0">
+                  <a:pos x="csX6" y="csY6"/>
+                </a:cxn>
+                <a:cxn ang="0">
+                  <a:pos x="csX7" y="csY7"/>
+                </a:cxn>
+              </a:cxnLst>
+              <a:rect l="l" t="t" r="r" b="b"/>
+              <a:pathLst>
+                <a:path w="992187" h="970674" fill="none" extrusionOk="0">
+                  <a:moveTo>
+                    <a:pt x="0" y="970673"/>
+                  </a:moveTo>
+                  <a:cubicBezTo>
+                    <a:pt x="199398" y="914951"/>
+                    <a:pt x="381162" y="986307"/>
+                    <a:pt x="506015" y="970673"/>
+                  </a:cubicBezTo>
+                  <a:cubicBezTo>
+                    <a:pt x="630869" y="955039"/>
+                    <a:pt x="847261" y="997104"/>
+                    <a:pt x="992187" y="970673"/>
+                  </a:cubicBezTo>
+                  <a:cubicBezTo>
+                    <a:pt x="919974" y="815730"/>
+                    <a:pt x="936779" y="617462"/>
+                    <a:pt x="862012" y="485337"/>
+                  </a:cubicBezTo>
+                  <a:cubicBezTo>
+                    <a:pt x="787245" y="353212"/>
+                    <a:pt x="838731" y="198914"/>
+                    <a:pt x="731837" y="0"/>
+                  </a:cubicBezTo>
+                  <a:cubicBezTo>
+                    <a:pt x="598804" y="12999"/>
+                    <a:pt x="445568" y="-45813"/>
+                    <a:pt x="254000" y="0"/>
+                  </a:cubicBezTo>
+                  <a:cubicBezTo>
+                    <a:pt x="228358" y="227324"/>
+                    <a:pt x="149970" y="346085"/>
+                    <a:pt x="129540" y="475630"/>
+                  </a:cubicBezTo>
+                  <a:cubicBezTo>
+                    <a:pt x="109110" y="605175"/>
+                    <a:pt x="29359" y="827949"/>
+                    <a:pt x="0" y="970673"/>
+                  </a:cubicBezTo>
+                  <a:close/>
+                </a:path>
+                <a:path w="992187" h="970674" stroke="0" extrusionOk="0">
+                  <a:moveTo>
+                    <a:pt x="0" y="970673"/>
+                  </a:moveTo>
+                  <a:cubicBezTo>
+                    <a:pt x="113668" y="952576"/>
+                    <a:pt x="268518" y="981441"/>
+                    <a:pt x="476250" y="970673"/>
+                  </a:cubicBezTo>
+                  <a:cubicBezTo>
+                    <a:pt x="683982" y="959905"/>
+                    <a:pt x="782710" y="1030700"/>
+                    <a:pt x="992187" y="970673"/>
+                  </a:cubicBezTo>
+                  <a:cubicBezTo>
+                    <a:pt x="930096" y="779354"/>
+                    <a:pt x="965578" y="713368"/>
+                    <a:pt x="869823" y="514457"/>
+                  </a:cubicBezTo>
+                  <a:cubicBezTo>
+                    <a:pt x="774067" y="315546"/>
+                    <a:pt x="778707" y="122647"/>
+                    <a:pt x="731837" y="0"/>
+                  </a:cubicBezTo>
+                  <a:cubicBezTo>
+                    <a:pt x="636089" y="13334"/>
+                    <a:pt x="361472" y="-8201"/>
+                    <a:pt x="254000" y="0"/>
+                  </a:cubicBezTo>
+                  <a:cubicBezTo>
+                    <a:pt x="252820" y="117774"/>
+                    <a:pt x="175731" y="291913"/>
+                    <a:pt x="132080" y="465923"/>
+                  </a:cubicBezTo>
+                  <a:cubicBezTo>
+                    <a:pt x="88429" y="639933"/>
+                    <a:pt x="27820" y="843652"/>
+                    <a:pt x="0" y="970673"/>
+                  </a:cubicBezTo>
+                  <a:close/>
+                </a:path>
+              </a:pathLst>
+            </a:custGeom>
+            <a:grpFill/>
+            <a:ln w="28575">
+              <a:solidFill>
+                <a:schemeClr val="tx1"/>
+              </a:solidFill>
+              <a:extLst>
+                <a:ext uri="{C807C97D-BFC1-408E-A445-0C87EB9F89A2}">
+                  <ask:lineSketchStyleProps xmlns:ask="http://schemas.microsoft.com/office/drawing/2018/sketchyshapes" sd="2586312744">
+                    <a:custGeom>
+                      <a:avLst/>
+                      <a:gdLst>
+                        <a:gd name="csX0" fmla="*/ 0 w 992187"/>
+                        <a:gd name="csY0" fmla="*/ 892175 h 892175"/>
+                        <a:gd name="csX1" fmla="*/ 992187 w 992187"/>
+                        <a:gd name="csY1" fmla="*/ 892175 h 892175"/>
+                        <a:gd name="csX2" fmla="*/ 731837 w 992187"/>
+                        <a:gd name="csY2" fmla="*/ 0 h 892175"/>
+                        <a:gd name="csX3" fmla="*/ 254000 w 992187"/>
+                        <a:gd name="csY3" fmla="*/ 0 h 892175"/>
+                        <a:gd name="csX4" fmla="*/ 0 w 992187"/>
+                        <a:gd name="csY4" fmla="*/ 892175 h 892175"/>
+                      </a:gdLst>
+                      <a:ahLst/>
+                      <a:cxnLst>
+                        <a:cxn ang="0">
+                          <a:pos x="csX0" y="csY0"/>
+                        </a:cxn>
+                        <a:cxn ang="0">
+                          <a:pos x="csX1" y="csY1"/>
+                        </a:cxn>
+                        <a:cxn ang="0">
+                          <a:pos x="csX2" y="csY2"/>
+                        </a:cxn>
+                        <a:cxn ang="0">
+                          <a:pos x="csX3" y="csY3"/>
+                        </a:cxn>
+                        <a:cxn ang="0">
+                          <a:pos x="csX4" y="csY4"/>
+                        </a:cxn>
+                      </a:cxnLst>
+                      <a:rect l="l" t="t" r="r" b="b"/>
+                      <a:pathLst>
+                        <a:path w="992187" h="892175">
+                          <a:moveTo>
+                            <a:pt x="0" y="892175"/>
+                          </a:moveTo>
+                          <a:lnTo>
+                            <a:pt x="992187" y="892175"/>
+                          </a:lnTo>
+                          <a:lnTo>
+                            <a:pt x="731837" y="0"/>
+                          </a:lnTo>
+                          <a:lnTo>
+                            <a:pt x="254000" y="0"/>
+                          </a:lnTo>
+                          <a:lnTo>
+                            <a:pt x="0" y="892175"/>
+                          </a:lnTo>
+                          <a:close/>
+                        </a:path>
+                      </a:pathLst>
+                    </a:custGeom>
+                    <ask:type>
+                      <ask:lineSketchScribble/>
+                    </ask:type>
+                  </ask:lineSketchStyleProps>
+                </a:ext>
+              </a:extLst>
+            </a:ln>
+          </p:spPr>
+          <p:style>
+            <a:lnRef idx="2">
+              <a:schemeClr val="accent1">
+                <a:shade val="15000"/>
+              </a:schemeClr>
+            </a:lnRef>
+            <a:fillRef idx="1">
+              <a:schemeClr val="accent1"/>
+            </a:fillRef>
+            <a:effectRef idx="0">
+              <a:schemeClr val="accent1"/>
+            </a:effectRef>
+            <a:fontRef idx="minor">
+              <a:schemeClr val="lt1"/>
+            </a:fontRef>
+          </p:style>
+          <p:txBody>
+            <a:bodyPr rtlCol="0" anchor="ctr"/>
+            <a:lstStyle/>
+            <a:p>
+              <a:pPr algn="ctr"/>
+              <a:endParaRPr lang="en-US"/>
+            </a:p>
+          </p:txBody>
+        </p:sp>
+        <p:sp>
+          <p:nvSpPr>
+            <p:cNvPr id="16" name="Freeform: Shape 15">
+              <a:extLst>
+                <a:ext uri="{FF2B5EF4-FFF2-40B4-BE49-F238E27FC236}">
+                  <a16:creationId xmlns:a16="http://schemas.microsoft.com/office/drawing/2014/main" id="{4D7A11D6-0226-8E82-4FBF-B7BCDC5E04E7}"/>
+                </a:ext>
+              </a:extLst>
+            </p:cNvPr>
+            <p:cNvSpPr/>
+            <p:nvPr/>
+          </p:nvSpPr>
+          <p:spPr>
+            <a:xfrm>
+              <a:off x="4960938" y="5357813"/>
+              <a:ext cx="554831" cy="95250"/>
+            </a:xfrm>
+            <a:custGeom>
+              <a:avLst/>
+              <a:gdLst>
+                <a:gd name="csX0" fmla="*/ 554831 w 554831"/>
+                <a:gd name="csY0" fmla="*/ 95250 h 95250"/>
+                <a:gd name="csX1" fmla="*/ 0 w 554831"/>
+                <a:gd name="csY1" fmla="*/ 95250 h 95250"/>
+                <a:gd name="csX2" fmla="*/ 0 w 554831"/>
+                <a:gd name="csY2" fmla="*/ 0 h 95250"/>
+                <a:gd name="csX3" fmla="*/ 554037 w 554831"/>
+                <a:gd name="csY3" fmla="*/ 0 h 95250"/>
+                <a:gd name="csX4" fmla="*/ 554831 w 554831"/>
+                <a:gd name="csY4" fmla="*/ 95250 h 95250"/>
+              </a:gdLst>
+              <a:ahLst/>
+              <a:cxnLst>
+                <a:cxn ang="0">
+                  <a:pos x="csX0" y="csY0"/>
+                </a:cxn>
+                <a:cxn ang="0">
+                  <a:pos x="csX1" y="csY1"/>
+                </a:cxn>
+                <a:cxn ang="0">
+                  <a:pos x="csX2" y="csY2"/>
+                </a:cxn>
+                <a:cxn ang="0">
+                  <a:pos x="csX3" y="csY3"/>
+                </a:cxn>
+                <a:cxn ang="0">
+                  <a:pos x="csX4" y="csY4"/>
+                </a:cxn>
+              </a:cxnLst>
+              <a:rect l="l" t="t" r="r" b="b"/>
+              <a:pathLst>
+                <a:path w="554831" h="95250" fill="none" extrusionOk="0">
+                  <a:moveTo>
+                    <a:pt x="554831" y="95250"/>
+                  </a:moveTo>
+                  <a:cubicBezTo>
+                    <a:pt x="332444" y="156913"/>
+                    <a:pt x="186917" y="71339"/>
+                    <a:pt x="0" y="95250"/>
+                  </a:cubicBezTo>
+                  <a:cubicBezTo>
+                    <a:pt x="-1144" y="61630"/>
+                    <a:pt x="8373" y="29280"/>
+                    <a:pt x="0" y="0"/>
+                  </a:cubicBezTo>
+                  <a:cubicBezTo>
+                    <a:pt x="141617" y="-25306"/>
+                    <a:pt x="352311" y="39046"/>
+                    <a:pt x="554037" y="0"/>
+                  </a:cubicBezTo>
+                  <a:cubicBezTo>
+                    <a:pt x="561506" y="30688"/>
+                    <a:pt x="560817" y="62932"/>
+                    <a:pt x="554831" y="95250"/>
+                  </a:cubicBezTo>
+                  <a:close/>
+                </a:path>
+                <a:path w="554831" h="95250" stroke="0" extrusionOk="0">
+                  <a:moveTo>
+                    <a:pt x="554831" y="95250"/>
+                  </a:moveTo>
+                  <a:cubicBezTo>
+                    <a:pt x="440892" y="157690"/>
+                    <a:pt x="177780" y="72866"/>
+                    <a:pt x="0" y="95250"/>
+                  </a:cubicBezTo>
+                  <a:cubicBezTo>
+                    <a:pt x="-6362" y="70765"/>
+                    <a:pt x="5752" y="19551"/>
+                    <a:pt x="0" y="0"/>
+                  </a:cubicBezTo>
+                  <a:cubicBezTo>
+                    <a:pt x="196818" y="-65538"/>
+                    <a:pt x="403890" y="29507"/>
+                    <a:pt x="554037" y="0"/>
+                  </a:cubicBezTo>
+                  <a:cubicBezTo>
+                    <a:pt x="555997" y="36420"/>
+                    <a:pt x="550048" y="69321"/>
+                    <a:pt x="554831" y="95250"/>
+                  </a:cubicBezTo>
+                  <a:close/>
+                </a:path>
+              </a:pathLst>
+            </a:custGeom>
+            <a:solidFill>
+              <a:schemeClr val="tx1"/>
+            </a:solidFill>
+            <a:ln w="12700">
+              <a:solidFill>
+                <a:schemeClr val="tx1"/>
+              </a:solidFill>
+              <a:extLst>
+                <a:ext uri="{C807C97D-BFC1-408E-A445-0C87EB9F89A2}">
+                  <ask:lineSketchStyleProps xmlns:ask="http://schemas.microsoft.com/office/drawing/2018/sketchyshapes" sd="510079494">
+                    <a:custGeom>
+                      <a:avLst/>
+                      <a:gdLst>
+                        <a:gd name="csX0" fmla="*/ 566737 w 566737"/>
+                        <a:gd name="csY0" fmla="*/ 95250 h 95250"/>
+                        <a:gd name="csX1" fmla="*/ 0 w 566737"/>
+                        <a:gd name="csY1" fmla="*/ 95250 h 95250"/>
+                        <a:gd name="csX2" fmla="*/ 0 w 566737"/>
+                        <a:gd name="csY2" fmla="*/ 0 h 95250"/>
+                        <a:gd name="csX3" fmla="*/ 554037 w 566737"/>
+                        <a:gd name="csY3" fmla="*/ 0 h 95250"/>
+                        <a:gd name="csX4" fmla="*/ 566737 w 566737"/>
+                        <a:gd name="csY4" fmla="*/ 95250 h 95250"/>
+                        <a:gd name="csX0" fmla="*/ 554831 w 554831"/>
+                        <a:gd name="csY0" fmla="*/ 95250 h 95250"/>
+                        <a:gd name="csX1" fmla="*/ 0 w 554831"/>
+                        <a:gd name="csY1" fmla="*/ 95250 h 95250"/>
+                        <a:gd name="csX2" fmla="*/ 0 w 554831"/>
+                        <a:gd name="csY2" fmla="*/ 0 h 95250"/>
+                        <a:gd name="csX3" fmla="*/ 554037 w 554831"/>
+                        <a:gd name="csY3" fmla="*/ 0 h 95250"/>
+                        <a:gd name="csX4" fmla="*/ 554831 w 554831"/>
+                        <a:gd name="csY4" fmla="*/ 95250 h 95250"/>
+                      </a:gdLst>
+                      <a:ahLst/>
+                      <a:cxnLst>
+                        <a:cxn ang="0">
+                          <a:pos x="csX0" y="csY0"/>
+                        </a:cxn>
+                        <a:cxn ang="0">
+                          <a:pos x="csX1" y="csY1"/>
+                        </a:cxn>
+                        <a:cxn ang="0">
+                          <a:pos x="csX2" y="csY2"/>
+                        </a:cxn>
+                        <a:cxn ang="0">
+                          <a:pos x="csX3" y="csY3"/>
+                        </a:cxn>
+                        <a:cxn ang="0">
+                          <a:pos x="csX4" y="csY4"/>
+                        </a:cxn>
+                      </a:cxnLst>
+                      <a:rect l="l" t="t" r="r" b="b"/>
+                      <a:pathLst>
+                        <a:path w="554831" h="95250">
+                          <a:moveTo>
+                            <a:pt x="554831" y="95250"/>
+                          </a:moveTo>
+                          <a:lnTo>
+                            <a:pt x="0" y="95250"/>
+                          </a:lnTo>
+                          <a:lnTo>
+                            <a:pt x="0" y="0"/>
+                          </a:lnTo>
+                          <a:lnTo>
+                            <a:pt x="554037" y="0"/>
+                          </a:lnTo>
+                          <a:cubicBezTo>
+                            <a:pt x="554302" y="31750"/>
+                            <a:pt x="554566" y="63500"/>
+                            <a:pt x="554831" y="95250"/>
+                          </a:cubicBezTo>
+                          <a:close/>
+                        </a:path>
+                      </a:pathLst>
+                    </a:custGeom>
+                    <ask:type>
+                      <ask:lineSketchScribble/>
+                    </ask:type>
+                  </ask:lineSketchStyleProps>
+                </a:ext>
+              </a:extLst>
+            </a:ln>
+          </p:spPr>
+          <p:style>
+            <a:lnRef idx="2">
+              <a:schemeClr val="accent1">
+                <a:shade val="15000"/>
+              </a:schemeClr>
+            </a:lnRef>
+            <a:fillRef idx="1">
+              <a:schemeClr val="accent1"/>
+            </a:fillRef>
+            <a:effectRef idx="0">
+              <a:schemeClr val="accent1"/>
+            </a:effectRef>
+            <a:fontRef idx="minor">
+              <a:schemeClr val="lt1"/>
+            </a:fontRef>
+          </p:style>
+          <p:txBody>
+            <a:bodyPr rtlCol="0" anchor="ctr"/>
+            <a:lstStyle/>
+            <a:p>
+              <a:pPr algn="ctr"/>
+              <a:endParaRPr lang="en-US" dirty="0"/>
+            </a:p>
+          </p:txBody>
+        </p:sp>
+      </p:grpSp>
     </p:spTree>
     <p:extLst>
       <p:ext uri="{BB962C8B-B14F-4D97-AF65-F5344CB8AC3E}">
         <p14:creationId xmlns:p14="http://schemas.microsoft.com/office/powerpoint/2010/main" val="2337196529"/>
+      </p:ext>
+    </p:extLst>
+  </p:cSld>
+  <p:clrMapOvr>
+    <a:masterClrMapping/>
+  </p:clrMapOvr>
+</p:sld>
+</file>
+
+<file path=ppt/slides/slide2.xml><?xml version="1.0" encoding="utf-8"?>
+<p:sld xmlns:a="http://schemas.openxmlformats.org/drawingml/2006/main" xmlns:r="http://schemas.openxmlformats.org/officeDocument/2006/relationships" xmlns:p="http://schemas.openxmlformats.org/presentationml/2006/main">
+  <p:cSld>
+    <p:spTree>
+      <p:nvGrpSpPr>
+        <p:cNvPr id="1" name=""/>
+        <p:cNvGrpSpPr/>
+        <p:nvPr/>
+      </p:nvGrpSpPr>
+      <p:grpSpPr>
+        <a:xfrm>
+          <a:off x="0" y="0"/>
+          <a:ext cx="0" cy="0"/>
+          <a:chOff x="0" y="0"/>
+          <a:chExt cx="0" cy="0"/>
+        </a:xfrm>
+      </p:grpSpPr>
+      <p:sp>
+        <p:nvSpPr>
+          <p:cNvPr id="4" name="Rectangle 3">
+            <a:extLst>
+              <a:ext uri="{FF2B5EF4-FFF2-40B4-BE49-F238E27FC236}">
+                <a16:creationId xmlns:a16="http://schemas.microsoft.com/office/drawing/2014/main" id="{977B907E-B426-104B-5554-7E762C9D06A4}"/>
+              </a:ext>
+            </a:extLst>
+          </p:cNvPr>
+          <p:cNvSpPr/>
+          <p:nvPr/>
+        </p:nvSpPr>
+        <p:spPr>
+          <a:xfrm>
+            <a:off x="4269347" y="5229695"/>
+            <a:ext cx="698108" cy="833102"/>
+          </a:xfrm>
+          <a:custGeom>
+            <a:avLst/>
+            <a:gdLst>
+              <a:gd name="csX0" fmla="*/ 0 w 698108"/>
+              <a:gd name="csY0" fmla="*/ 0 h 833102"/>
+              <a:gd name="csX1" fmla="*/ 698108 w 698108"/>
+              <a:gd name="csY1" fmla="*/ 0 h 833102"/>
+              <a:gd name="csX2" fmla="*/ 698108 w 698108"/>
+              <a:gd name="csY2" fmla="*/ 424882 h 833102"/>
+              <a:gd name="csX3" fmla="*/ 698108 w 698108"/>
+              <a:gd name="csY3" fmla="*/ 833102 h 833102"/>
+              <a:gd name="csX4" fmla="*/ 0 w 698108"/>
+              <a:gd name="csY4" fmla="*/ 833102 h 833102"/>
+              <a:gd name="csX5" fmla="*/ 0 w 698108"/>
+              <a:gd name="csY5" fmla="*/ 416551 h 833102"/>
+              <a:gd name="csX6" fmla="*/ 0 w 698108"/>
+              <a:gd name="csY6" fmla="*/ 0 h 833102"/>
+            </a:gdLst>
+            <a:ahLst/>
+            <a:cxnLst>
+              <a:cxn ang="0">
+                <a:pos x="csX0" y="csY0"/>
+              </a:cxn>
+              <a:cxn ang="0">
+                <a:pos x="csX1" y="csY1"/>
+              </a:cxn>
+              <a:cxn ang="0">
+                <a:pos x="csX2" y="csY2"/>
+              </a:cxn>
+              <a:cxn ang="0">
+                <a:pos x="csX3" y="csY3"/>
+              </a:cxn>
+              <a:cxn ang="0">
+                <a:pos x="csX4" y="csY4"/>
+              </a:cxn>
+              <a:cxn ang="0">
+                <a:pos x="csX5" y="csY5"/>
+              </a:cxn>
+              <a:cxn ang="0">
+                <a:pos x="csX6" y="csY6"/>
+              </a:cxn>
+            </a:cxnLst>
+            <a:rect l="l" t="t" r="r" b="b"/>
+            <a:pathLst>
+              <a:path w="698108" h="833102" fill="none" extrusionOk="0">
+                <a:moveTo>
+                  <a:pt x="0" y="0"/>
+                </a:moveTo>
+                <a:cubicBezTo>
+                  <a:pt x="202731" y="10479"/>
+                  <a:pt x="475032" y="-27622"/>
+                  <a:pt x="698108" y="0"/>
+                </a:cubicBezTo>
+                <a:cubicBezTo>
+                  <a:pt x="695909" y="128635"/>
+                  <a:pt x="685014" y="310709"/>
+                  <a:pt x="698108" y="424882"/>
+                </a:cubicBezTo>
+                <a:cubicBezTo>
+                  <a:pt x="711202" y="539055"/>
+                  <a:pt x="698494" y="633453"/>
+                  <a:pt x="698108" y="833102"/>
+                </a:cubicBezTo>
+                <a:cubicBezTo>
+                  <a:pt x="504640" y="867799"/>
+                  <a:pt x="273818" y="863380"/>
+                  <a:pt x="0" y="833102"/>
+                </a:cubicBezTo>
+                <a:cubicBezTo>
+                  <a:pt x="-3338" y="686020"/>
+                  <a:pt x="9505" y="549997"/>
+                  <a:pt x="0" y="416551"/>
+                </a:cubicBezTo>
+                <a:cubicBezTo>
+                  <a:pt x="-9505" y="283105"/>
+                  <a:pt x="7425" y="199120"/>
+                  <a:pt x="0" y="0"/>
+                </a:cubicBezTo>
+                <a:close/>
+              </a:path>
+              <a:path w="698108" h="833102" stroke="0" extrusionOk="0">
+                <a:moveTo>
+                  <a:pt x="0" y="0"/>
+                </a:moveTo>
+                <a:cubicBezTo>
+                  <a:pt x="233910" y="-14660"/>
+                  <a:pt x="392738" y="-3402"/>
+                  <a:pt x="698108" y="0"/>
+                </a:cubicBezTo>
+                <a:cubicBezTo>
+                  <a:pt x="698286" y="148722"/>
+                  <a:pt x="700384" y="288308"/>
+                  <a:pt x="698108" y="399889"/>
+                </a:cubicBezTo>
+                <a:cubicBezTo>
+                  <a:pt x="695832" y="511470"/>
+                  <a:pt x="695088" y="717154"/>
+                  <a:pt x="698108" y="833102"/>
+                </a:cubicBezTo>
+                <a:cubicBezTo>
+                  <a:pt x="533326" y="862774"/>
+                  <a:pt x="329312" y="834966"/>
+                  <a:pt x="0" y="833102"/>
+                </a:cubicBezTo>
+                <a:cubicBezTo>
+                  <a:pt x="11402" y="620096"/>
+                  <a:pt x="-5519" y="537698"/>
+                  <a:pt x="0" y="399889"/>
+                </a:cubicBezTo>
+                <a:cubicBezTo>
+                  <a:pt x="5519" y="262080"/>
+                  <a:pt x="-4872" y="141675"/>
+                  <a:pt x="0" y="0"/>
+                </a:cubicBezTo>
+                <a:close/>
+              </a:path>
+            </a:pathLst>
+          </a:custGeom>
+          <a:solidFill>
+            <a:schemeClr val="bg1"/>
+          </a:solidFill>
+          <a:ln w="38100">
+            <a:solidFill>
+              <a:schemeClr val="tx1"/>
+            </a:solidFill>
+            <a:extLst>
+              <a:ext uri="{C807C97D-BFC1-408E-A445-0C87EB9F89A2}">
+                <ask:lineSketchStyleProps xmlns:ask="http://schemas.microsoft.com/office/drawing/2018/sketchyshapes" sd="1381636961">
+                  <a:prstGeom prst="rect">
+                    <a:avLst/>
+                  </a:prstGeom>
+                  <ask:type>
+                    <ask:lineSketchFreehand/>
+                  </ask:type>
+                </ask:lineSketchStyleProps>
+              </a:ext>
+            </a:extLst>
+          </a:ln>
+        </p:spPr>
+        <p:style>
+          <a:lnRef idx="2">
+            <a:schemeClr val="accent1">
+              <a:shade val="15000"/>
+            </a:schemeClr>
+          </a:lnRef>
+          <a:fillRef idx="1">
+            <a:schemeClr val="accent1"/>
+          </a:fillRef>
+          <a:effectRef idx="0">
+            <a:schemeClr val="accent1"/>
+          </a:effectRef>
+          <a:fontRef idx="minor">
+            <a:schemeClr val="lt1"/>
+          </a:fontRef>
+        </p:style>
+        <p:txBody>
+          <a:bodyPr rtlCol="0" anchor="ctr"/>
+          <a:lstStyle/>
+          <a:p>
+            <a:pPr algn="ctr"/>
+            <a:endParaRPr lang="en-US" sz="1013"/>
+          </a:p>
+        </p:txBody>
+      </p:sp>
+      <p:sp>
+        <p:nvSpPr>
+          <p:cNvPr id="5" name="Rectangle 4">
+            <a:extLst>
+              <a:ext uri="{FF2B5EF4-FFF2-40B4-BE49-F238E27FC236}">
+                <a16:creationId xmlns:a16="http://schemas.microsoft.com/office/drawing/2014/main" id="{6D114C9F-CFCF-8C1F-A97D-8A7815CCA48B}"/>
+              </a:ext>
+            </a:extLst>
+          </p:cNvPr>
+          <p:cNvSpPr/>
+          <p:nvPr/>
+        </p:nvSpPr>
+        <p:spPr>
+          <a:xfrm>
+            <a:off x="4355072" y="5315420"/>
+            <a:ext cx="698108" cy="833102"/>
+          </a:xfrm>
+          <a:custGeom>
+            <a:avLst/>
+            <a:gdLst>
+              <a:gd name="csX0" fmla="*/ 0 w 698108"/>
+              <a:gd name="csY0" fmla="*/ 0 h 833102"/>
+              <a:gd name="csX1" fmla="*/ 698108 w 698108"/>
+              <a:gd name="csY1" fmla="*/ 0 h 833102"/>
+              <a:gd name="csX2" fmla="*/ 698108 w 698108"/>
+              <a:gd name="csY2" fmla="*/ 433213 h 833102"/>
+              <a:gd name="csX3" fmla="*/ 698108 w 698108"/>
+              <a:gd name="csY3" fmla="*/ 833102 h 833102"/>
+              <a:gd name="csX4" fmla="*/ 0 w 698108"/>
+              <a:gd name="csY4" fmla="*/ 833102 h 833102"/>
+              <a:gd name="csX5" fmla="*/ 0 w 698108"/>
+              <a:gd name="csY5" fmla="*/ 416551 h 833102"/>
+              <a:gd name="csX6" fmla="*/ 0 w 698108"/>
+              <a:gd name="csY6" fmla="*/ 0 h 833102"/>
+            </a:gdLst>
+            <a:ahLst/>
+            <a:cxnLst>
+              <a:cxn ang="0">
+                <a:pos x="csX0" y="csY0"/>
+              </a:cxn>
+              <a:cxn ang="0">
+                <a:pos x="csX1" y="csY1"/>
+              </a:cxn>
+              <a:cxn ang="0">
+                <a:pos x="csX2" y="csY2"/>
+              </a:cxn>
+              <a:cxn ang="0">
+                <a:pos x="csX3" y="csY3"/>
+              </a:cxn>
+              <a:cxn ang="0">
+                <a:pos x="csX4" y="csY4"/>
+              </a:cxn>
+              <a:cxn ang="0">
+                <a:pos x="csX5" y="csY5"/>
+              </a:cxn>
+              <a:cxn ang="0">
+                <a:pos x="csX6" y="csY6"/>
+              </a:cxn>
+            </a:cxnLst>
+            <a:rect l="l" t="t" r="r" b="b"/>
+            <a:pathLst>
+              <a:path w="698108" h="833102" fill="none" extrusionOk="0">
+                <a:moveTo>
+                  <a:pt x="0" y="0"/>
+                </a:moveTo>
+                <a:cubicBezTo>
+                  <a:pt x="250732" y="-19793"/>
+                  <a:pt x="356353" y="-27951"/>
+                  <a:pt x="698108" y="0"/>
+                </a:cubicBezTo>
+                <a:cubicBezTo>
+                  <a:pt x="716497" y="89941"/>
+                  <a:pt x="717961" y="298195"/>
+                  <a:pt x="698108" y="433213"/>
+                </a:cubicBezTo>
+                <a:cubicBezTo>
+                  <a:pt x="678255" y="568231"/>
+                  <a:pt x="709444" y="667611"/>
+                  <a:pt x="698108" y="833102"/>
+                </a:cubicBezTo>
+                <a:cubicBezTo>
+                  <a:pt x="510182" y="838352"/>
+                  <a:pt x="156727" y="808934"/>
+                  <a:pt x="0" y="833102"/>
+                </a:cubicBezTo>
+                <a:cubicBezTo>
+                  <a:pt x="7961" y="718932"/>
+                  <a:pt x="5026" y="559502"/>
+                  <a:pt x="0" y="416551"/>
+                </a:cubicBezTo>
+                <a:cubicBezTo>
+                  <a:pt x="-5026" y="273600"/>
+                  <a:pt x="13269" y="193456"/>
+                  <a:pt x="0" y="0"/>
+                </a:cubicBezTo>
+                <a:close/>
+              </a:path>
+              <a:path w="698108" h="833102" stroke="0" extrusionOk="0">
+                <a:moveTo>
+                  <a:pt x="0" y="0"/>
+                </a:moveTo>
+                <a:cubicBezTo>
+                  <a:pt x="340503" y="-11899"/>
+                  <a:pt x="457324" y="32456"/>
+                  <a:pt x="698108" y="0"/>
+                </a:cubicBezTo>
+                <a:cubicBezTo>
+                  <a:pt x="694692" y="132737"/>
+                  <a:pt x="684858" y="231074"/>
+                  <a:pt x="698108" y="416551"/>
+                </a:cubicBezTo>
+                <a:cubicBezTo>
+                  <a:pt x="711358" y="602028"/>
+                  <a:pt x="698482" y="647539"/>
+                  <a:pt x="698108" y="833102"/>
+                </a:cubicBezTo>
+                <a:cubicBezTo>
+                  <a:pt x="459191" y="864598"/>
+                  <a:pt x="201639" y="854608"/>
+                  <a:pt x="0" y="833102"/>
+                </a:cubicBezTo>
+                <a:cubicBezTo>
+                  <a:pt x="12015" y="688889"/>
+                  <a:pt x="6414" y="567872"/>
+                  <a:pt x="0" y="433213"/>
+                </a:cubicBezTo>
+                <a:cubicBezTo>
+                  <a:pt x="-6414" y="298554"/>
+                  <a:pt x="-4007" y="99694"/>
+                  <a:pt x="0" y="0"/>
+                </a:cubicBezTo>
+                <a:close/>
+              </a:path>
+            </a:pathLst>
+          </a:custGeom>
+          <a:solidFill>
+            <a:schemeClr val="bg1"/>
+          </a:solidFill>
+          <a:ln w="38100">
+            <a:solidFill>
+              <a:schemeClr val="tx1"/>
+            </a:solidFill>
+            <a:extLst>
+              <a:ext uri="{C807C97D-BFC1-408E-A445-0C87EB9F89A2}">
+                <ask:lineSketchStyleProps xmlns:ask="http://schemas.microsoft.com/office/drawing/2018/sketchyshapes" sd="1697105241">
+                  <a:prstGeom prst="rect">
+                    <a:avLst/>
+                  </a:prstGeom>
+                  <ask:type>
+                    <ask:lineSketchFreehand/>
+                  </ask:type>
+                </ask:lineSketchStyleProps>
+              </a:ext>
+            </a:extLst>
+          </a:ln>
+        </p:spPr>
+        <p:style>
+          <a:lnRef idx="2">
+            <a:schemeClr val="accent1">
+              <a:shade val="15000"/>
+            </a:schemeClr>
+          </a:lnRef>
+          <a:fillRef idx="1">
+            <a:schemeClr val="accent1"/>
+          </a:fillRef>
+          <a:effectRef idx="0">
+            <a:schemeClr val="accent1"/>
+          </a:effectRef>
+          <a:fontRef idx="minor">
+            <a:schemeClr val="lt1"/>
+          </a:fontRef>
+        </p:style>
+        <p:txBody>
+          <a:bodyPr rtlCol="0" anchor="ctr"/>
+          <a:lstStyle/>
+          <a:p>
+            <a:pPr algn="ctr"/>
+            <a:endParaRPr lang="en-US" sz="1013"/>
+          </a:p>
+        </p:txBody>
+      </p:sp>
+      <p:sp>
+        <p:nvSpPr>
+          <p:cNvPr id="6" name="Rectangle 5">
+            <a:extLst>
+              <a:ext uri="{FF2B5EF4-FFF2-40B4-BE49-F238E27FC236}">
+                <a16:creationId xmlns:a16="http://schemas.microsoft.com/office/drawing/2014/main" id="{10DB347A-078A-B1D8-18CD-8916C9D143E3}"/>
+              </a:ext>
+            </a:extLst>
+          </p:cNvPr>
+          <p:cNvSpPr/>
+          <p:nvPr/>
+        </p:nvSpPr>
+        <p:spPr>
+          <a:xfrm>
+            <a:off x="4440797" y="5401145"/>
+            <a:ext cx="698108" cy="833102"/>
+          </a:xfrm>
+          <a:custGeom>
+            <a:avLst/>
+            <a:gdLst>
+              <a:gd name="csX0" fmla="*/ 0 w 698108"/>
+              <a:gd name="csY0" fmla="*/ 0 h 833102"/>
+              <a:gd name="csX1" fmla="*/ 698108 w 698108"/>
+              <a:gd name="csY1" fmla="*/ 0 h 833102"/>
+              <a:gd name="csX2" fmla="*/ 698108 w 698108"/>
+              <a:gd name="csY2" fmla="*/ 416551 h 833102"/>
+              <a:gd name="csX3" fmla="*/ 698108 w 698108"/>
+              <a:gd name="csY3" fmla="*/ 833102 h 833102"/>
+              <a:gd name="csX4" fmla="*/ 0 w 698108"/>
+              <a:gd name="csY4" fmla="*/ 833102 h 833102"/>
+              <a:gd name="csX5" fmla="*/ 0 w 698108"/>
+              <a:gd name="csY5" fmla="*/ 399889 h 833102"/>
+              <a:gd name="csX6" fmla="*/ 0 w 698108"/>
+              <a:gd name="csY6" fmla="*/ 0 h 833102"/>
+            </a:gdLst>
+            <a:ahLst/>
+            <a:cxnLst>
+              <a:cxn ang="0">
+                <a:pos x="csX0" y="csY0"/>
+              </a:cxn>
+              <a:cxn ang="0">
+                <a:pos x="csX1" y="csY1"/>
+              </a:cxn>
+              <a:cxn ang="0">
+                <a:pos x="csX2" y="csY2"/>
+              </a:cxn>
+              <a:cxn ang="0">
+                <a:pos x="csX3" y="csY3"/>
+              </a:cxn>
+              <a:cxn ang="0">
+                <a:pos x="csX4" y="csY4"/>
+              </a:cxn>
+              <a:cxn ang="0">
+                <a:pos x="csX5" y="csY5"/>
+              </a:cxn>
+              <a:cxn ang="0">
+                <a:pos x="csX6" y="csY6"/>
+              </a:cxn>
+            </a:cxnLst>
+            <a:rect l="l" t="t" r="r" b="b"/>
+            <a:pathLst>
+              <a:path w="698108" h="833102" fill="none" extrusionOk="0">
+                <a:moveTo>
+                  <a:pt x="0" y="0"/>
+                </a:moveTo>
+                <a:cubicBezTo>
+                  <a:pt x="307324" y="-13676"/>
+                  <a:pt x="427269" y="-26198"/>
+                  <a:pt x="698108" y="0"/>
+                </a:cubicBezTo>
+                <a:cubicBezTo>
+                  <a:pt x="715296" y="206628"/>
+                  <a:pt x="706768" y="283413"/>
+                  <a:pt x="698108" y="416551"/>
+                </a:cubicBezTo>
+                <a:cubicBezTo>
+                  <a:pt x="689448" y="549689"/>
+                  <a:pt x="700911" y="720375"/>
+                  <a:pt x="698108" y="833102"/>
+                </a:cubicBezTo>
+                <a:cubicBezTo>
+                  <a:pt x="364779" y="804363"/>
+                  <a:pt x="302642" y="805082"/>
+                  <a:pt x="0" y="833102"/>
+                </a:cubicBezTo>
+                <a:cubicBezTo>
+                  <a:pt x="4077" y="676051"/>
+                  <a:pt x="-17107" y="607700"/>
+                  <a:pt x="0" y="399889"/>
+                </a:cubicBezTo>
+                <a:cubicBezTo>
+                  <a:pt x="17107" y="192078"/>
+                  <a:pt x="8409" y="83801"/>
+                  <a:pt x="0" y="0"/>
+                </a:cubicBezTo>
+                <a:close/>
+              </a:path>
+              <a:path w="698108" h="833102" stroke="0" extrusionOk="0">
+                <a:moveTo>
+                  <a:pt x="0" y="0"/>
+                </a:moveTo>
+                <a:cubicBezTo>
+                  <a:pt x="190011" y="13842"/>
+                  <a:pt x="441488" y="-6703"/>
+                  <a:pt x="698108" y="0"/>
+                </a:cubicBezTo>
+                <a:cubicBezTo>
+                  <a:pt x="718370" y="135614"/>
+                  <a:pt x="718633" y="235065"/>
+                  <a:pt x="698108" y="433213"/>
+                </a:cubicBezTo>
+                <a:cubicBezTo>
+                  <a:pt x="677583" y="631361"/>
+                  <a:pt x="715651" y="670882"/>
+                  <a:pt x="698108" y="833102"/>
+                </a:cubicBezTo>
+                <a:cubicBezTo>
+                  <a:pt x="491978" y="830909"/>
+                  <a:pt x="270322" y="825760"/>
+                  <a:pt x="0" y="833102"/>
+                </a:cubicBezTo>
+                <a:cubicBezTo>
+                  <a:pt x="1474" y="695849"/>
+                  <a:pt x="15485" y="513747"/>
+                  <a:pt x="0" y="399889"/>
+                </a:cubicBezTo>
+                <a:cubicBezTo>
+                  <a:pt x="-15485" y="286031"/>
+                  <a:pt x="-15052" y="132867"/>
+                  <a:pt x="0" y="0"/>
+                </a:cubicBezTo>
+                <a:close/>
+              </a:path>
+            </a:pathLst>
+          </a:custGeom>
+          <a:solidFill>
+            <a:schemeClr val="bg1"/>
+          </a:solidFill>
+          <a:ln w="38100">
+            <a:solidFill>
+              <a:schemeClr val="tx1"/>
+            </a:solidFill>
+            <a:extLst>
+              <a:ext uri="{C807C97D-BFC1-408E-A445-0C87EB9F89A2}">
+                <ask:lineSketchStyleProps xmlns:ask="http://schemas.microsoft.com/office/drawing/2018/sketchyshapes" sd="1495722173">
+                  <a:prstGeom prst="rect">
+                    <a:avLst/>
+                  </a:prstGeom>
+                  <ask:type>
+                    <ask:lineSketchFreehand/>
+                  </ask:type>
+                </ask:lineSketchStyleProps>
+              </a:ext>
+            </a:extLst>
+          </a:ln>
+        </p:spPr>
+        <p:style>
+          <a:lnRef idx="2">
+            <a:schemeClr val="accent1">
+              <a:shade val="15000"/>
+            </a:schemeClr>
+          </a:lnRef>
+          <a:fillRef idx="1">
+            <a:schemeClr val="accent1"/>
+          </a:fillRef>
+          <a:effectRef idx="0">
+            <a:schemeClr val="accent1"/>
+          </a:effectRef>
+          <a:fontRef idx="minor">
+            <a:schemeClr val="lt1"/>
+          </a:fontRef>
+        </p:style>
+        <p:txBody>
+          <a:bodyPr rtlCol="0" anchor="ctr"/>
+          <a:lstStyle/>
+          <a:p>
+            <a:pPr algn="ctr"/>
+            <a:endParaRPr lang="en-US" sz="1013"/>
+          </a:p>
+        </p:txBody>
+      </p:sp>
+      <p:pic>
+        <p:nvPicPr>
+          <p:cNvPr id="1026" name="Picture 2" descr="book icon">
+            <a:extLst>
+              <a:ext uri="{FF2B5EF4-FFF2-40B4-BE49-F238E27FC236}">
+                <a16:creationId xmlns:a16="http://schemas.microsoft.com/office/drawing/2014/main" id="{E090B038-92EE-93C3-7E86-E619ED4F1B51}"/>
+              </a:ext>
+            </a:extLst>
+          </p:cNvPr>
+          <p:cNvPicPr>
+            <a:picLocks noChangeAspect="1" noChangeArrowheads="1"/>
+          </p:cNvPicPr>
+          <p:nvPr/>
+        </p:nvPicPr>
+        <p:blipFill>
+          <a:blip r:embed="rId2">
+            <a:extLst>
+              <a:ext uri="{28A0092B-C50C-407E-A947-70E740481C1C}">
+                <a14:useLocalDpi xmlns:a14="http://schemas.microsoft.com/office/drawing/2010/main" val="0"/>
+              </a:ext>
+            </a:extLst>
+          </a:blip>
+          <a:srcRect/>
+          <a:stretch>
+            <a:fillRect/>
+          </a:stretch>
+        </p:blipFill>
+        <p:spPr bwMode="auto">
+          <a:xfrm>
+            <a:off x="644748" y="5127066"/>
+            <a:ext cx="1021456" cy="1021456"/>
+          </a:xfrm>
+          <a:prstGeom prst="rect">
+            <a:avLst/>
+          </a:prstGeom>
+          <a:noFill/>
+          <a:extLst>
+            <a:ext uri="{909E8E84-426E-40DD-AFC4-6F175D3DCCD1}">
+              <a14:hiddenFill xmlns:a14="http://schemas.microsoft.com/office/drawing/2010/main">
+                <a:solidFill>
+                  <a:srgbClr val="FFFFFF"/>
+                </a:solidFill>
+              </a14:hiddenFill>
+            </a:ext>
+          </a:extLst>
+        </p:spPr>
+      </p:pic>
+      <p:pic>
+        <p:nvPicPr>
+          <p:cNvPr id="1028" name="Picture 4" descr="book icon">
+            <a:extLst>
+              <a:ext uri="{FF2B5EF4-FFF2-40B4-BE49-F238E27FC236}">
+                <a16:creationId xmlns:a16="http://schemas.microsoft.com/office/drawing/2014/main" id="{3534FC0B-F77A-8C7F-3346-C72CBDD7DCF0}"/>
+              </a:ext>
+            </a:extLst>
+          </p:cNvPr>
+          <p:cNvPicPr>
+            <a:picLocks noChangeAspect="1" noChangeArrowheads="1"/>
+          </p:cNvPicPr>
+          <p:nvPr/>
+        </p:nvPicPr>
+        <p:blipFill>
+          <a:blip r:embed="rId3">
+            <a:extLst>
+              <a:ext uri="{28A0092B-C50C-407E-A947-70E740481C1C}">
+                <a14:useLocalDpi xmlns:a14="http://schemas.microsoft.com/office/drawing/2010/main" val="0"/>
+              </a:ext>
+            </a:extLst>
+          </a:blip>
+          <a:srcRect/>
+          <a:stretch>
+            <a:fillRect/>
+          </a:stretch>
+        </p:blipFill>
+        <p:spPr bwMode="auto">
+          <a:xfrm>
+            <a:off x="2057400" y="4724400"/>
+            <a:ext cx="2743200" cy="2743200"/>
+          </a:xfrm>
+          <a:prstGeom prst="rect">
+            <a:avLst/>
+          </a:prstGeom>
+          <a:noFill/>
+          <a:extLst>
+            <a:ext uri="{909E8E84-426E-40DD-AFC4-6F175D3DCCD1}">
+              <a14:hiddenFill xmlns:a14="http://schemas.microsoft.com/office/drawing/2010/main">
+                <a:solidFill>
+                  <a:srgbClr val="FFFFFF"/>
+                </a:solidFill>
+              </a14:hiddenFill>
+            </a:ext>
+          </a:extLst>
+        </p:spPr>
+      </p:pic>
+      <p:pic>
+        <p:nvPicPr>
+          <p:cNvPr id="1030" name="Picture 6" descr="book icon">
+            <a:extLst>
+              <a:ext uri="{FF2B5EF4-FFF2-40B4-BE49-F238E27FC236}">
+                <a16:creationId xmlns:a16="http://schemas.microsoft.com/office/drawing/2014/main" id="{2C9D2331-4ED0-F546-2FCE-FAC8D733D5A8}"/>
+              </a:ext>
+            </a:extLst>
+          </p:cNvPr>
+          <p:cNvPicPr>
+            <a:picLocks noChangeAspect="1" noChangeArrowheads="1"/>
+          </p:cNvPicPr>
+          <p:nvPr/>
+        </p:nvPicPr>
+        <p:blipFill>
+          <a:blip r:embed="rId4">
+            <a:extLst>
+              <a:ext uri="{28A0092B-C50C-407E-A947-70E740481C1C}">
+                <a14:useLocalDpi xmlns:a14="http://schemas.microsoft.com/office/drawing/2010/main" val="0"/>
+              </a:ext>
+            </a:extLst>
+          </a:blip>
+          <a:srcRect/>
+          <a:stretch>
+            <a:fillRect/>
+          </a:stretch>
+        </p:blipFill>
+        <p:spPr bwMode="auto">
+          <a:xfrm>
+            <a:off x="2143125" y="4810125"/>
+            <a:ext cx="2743200" cy="2743200"/>
+          </a:xfrm>
+          <a:prstGeom prst="rect">
+            <a:avLst/>
+          </a:prstGeom>
+          <a:noFill/>
+          <a:extLst>
+            <a:ext uri="{909E8E84-426E-40DD-AFC4-6F175D3DCCD1}">
+              <a14:hiddenFill xmlns:a14="http://schemas.microsoft.com/office/drawing/2010/main">
+                <a:solidFill>
+                  <a:srgbClr val="FFFFFF"/>
+                </a:solidFill>
+              </a14:hiddenFill>
+            </a:ext>
+          </a:extLst>
+        </p:spPr>
+      </p:pic>
+    </p:spTree>
+    <p:extLst>
+      <p:ext uri="{BB962C8B-B14F-4D97-AF65-F5344CB8AC3E}">
+        <p14:creationId xmlns:p14="http://schemas.microsoft.com/office/powerpoint/2010/main" val="1159967484"/>
+      </p:ext>
+    </p:extLst>
+  </p:cSld>
+  <p:clrMapOvr>
+    <a:masterClrMapping/>
+  </p:clrMapOvr>
+</p:sld>
+</file>
+
+<file path=ppt/slides/slide3.xml><?xml version="1.0" encoding="utf-8"?>
+<p:sld xmlns:a="http://schemas.openxmlformats.org/drawingml/2006/main" xmlns:r="http://schemas.openxmlformats.org/officeDocument/2006/relationships" xmlns:p="http://schemas.openxmlformats.org/presentationml/2006/main">
+  <p:cSld>
+    <p:spTree>
+      <p:nvGrpSpPr>
+        <p:cNvPr id="1" name=""/>
+        <p:cNvGrpSpPr/>
+        <p:nvPr/>
+      </p:nvGrpSpPr>
+      <p:grpSpPr>
+        <a:xfrm>
+          <a:off x="0" y="0"/>
+          <a:ext cx="0" cy="0"/>
+          <a:chOff x="0" y="0"/>
+          <a:chExt cx="0" cy="0"/>
+        </a:xfrm>
+      </p:grpSpPr>
+      <p:sp>
+        <p:nvSpPr>
+          <p:cNvPr id="5" name="Rectangle 4">
+            <a:extLst>
+              <a:ext uri="{FF2B5EF4-FFF2-40B4-BE49-F238E27FC236}">
+                <a16:creationId xmlns:a16="http://schemas.microsoft.com/office/drawing/2014/main" id="{8E2C00D0-8484-DE5F-8420-C5881C5B9A32}"/>
+              </a:ext>
+            </a:extLst>
+          </p:cNvPr>
+          <p:cNvSpPr/>
+          <p:nvPr/>
+        </p:nvSpPr>
+        <p:spPr>
+          <a:xfrm>
+            <a:off x="4829417" y="8762547"/>
+            <a:ext cx="293949" cy="350790"/>
+          </a:xfrm>
+          <a:custGeom>
+            <a:avLst/>
+            <a:gdLst>
+              <a:gd name="csX0" fmla="*/ 0 w 293949"/>
+              <a:gd name="csY0" fmla="*/ 0 h 350790"/>
+              <a:gd name="csX1" fmla="*/ 293949 w 293949"/>
+              <a:gd name="csY1" fmla="*/ 0 h 350790"/>
+              <a:gd name="csX2" fmla="*/ 293949 w 293949"/>
+              <a:gd name="csY2" fmla="*/ 350790 h 350790"/>
+              <a:gd name="csX3" fmla="*/ 0 w 293949"/>
+              <a:gd name="csY3" fmla="*/ 350790 h 350790"/>
+              <a:gd name="csX4" fmla="*/ 0 w 293949"/>
+              <a:gd name="csY4" fmla="*/ 0 h 350790"/>
+            </a:gdLst>
+            <a:ahLst/>
+            <a:cxnLst>
+              <a:cxn ang="0">
+                <a:pos x="csX0" y="csY0"/>
+              </a:cxn>
+              <a:cxn ang="0">
+                <a:pos x="csX1" y="csY1"/>
+              </a:cxn>
+              <a:cxn ang="0">
+                <a:pos x="csX2" y="csY2"/>
+              </a:cxn>
+              <a:cxn ang="0">
+                <a:pos x="csX3" y="csY3"/>
+              </a:cxn>
+              <a:cxn ang="0">
+                <a:pos x="csX4" y="csY4"/>
+              </a:cxn>
+            </a:cxnLst>
+            <a:rect l="l" t="t" r="r" b="b"/>
+            <a:pathLst>
+              <a:path w="293949" h="350790" fill="none" extrusionOk="0">
+                <a:moveTo>
+                  <a:pt x="0" y="0"/>
+                </a:moveTo>
+                <a:cubicBezTo>
+                  <a:pt x="103628" y="-10687"/>
+                  <a:pt x="234113" y="-6108"/>
+                  <a:pt x="293949" y="0"/>
+                </a:cubicBezTo>
+                <a:cubicBezTo>
+                  <a:pt x="281140" y="122726"/>
+                  <a:pt x="294750" y="177976"/>
+                  <a:pt x="293949" y="350790"/>
+                </a:cubicBezTo>
+                <a:cubicBezTo>
+                  <a:pt x="218382" y="337422"/>
+                  <a:pt x="146375" y="350126"/>
+                  <a:pt x="0" y="350790"/>
+                </a:cubicBezTo>
+                <a:cubicBezTo>
+                  <a:pt x="12517" y="234031"/>
+                  <a:pt x="-7647" y="140726"/>
+                  <a:pt x="0" y="0"/>
+                </a:cubicBezTo>
+                <a:close/>
+              </a:path>
+              <a:path w="293949" h="350790" stroke="0" extrusionOk="0">
+                <a:moveTo>
+                  <a:pt x="0" y="0"/>
+                </a:moveTo>
+                <a:cubicBezTo>
+                  <a:pt x="77615" y="-1356"/>
+                  <a:pt x="216699" y="9085"/>
+                  <a:pt x="293949" y="0"/>
+                </a:cubicBezTo>
+                <a:cubicBezTo>
+                  <a:pt x="279351" y="153339"/>
+                  <a:pt x="287330" y="189299"/>
+                  <a:pt x="293949" y="350790"/>
+                </a:cubicBezTo>
+                <a:cubicBezTo>
+                  <a:pt x="216746" y="339383"/>
+                  <a:pt x="138975" y="358561"/>
+                  <a:pt x="0" y="350790"/>
+                </a:cubicBezTo>
+                <a:cubicBezTo>
+                  <a:pt x="7632" y="220691"/>
+                  <a:pt x="-1215" y="151662"/>
+                  <a:pt x="0" y="0"/>
+                </a:cubicBezTo>
+                <a:close/>
+              </a:path>
+            </a:pathLst>
+          </a:custGeom>
+          <a:solidFill>
+            <a:schemeClr val="bg1"/>
+          </a:solidFill>
+          <a:ln w="38100">
+            <a:solidFill>
+              <a:schemeClr val="tx1"/>
+            </a:solidFill>
+            <a:extLst>
+              <a:ext uri="{C807C97D-BFC1-408E-A445-0C87EB9F89A2}">
+                <ask:lineSketchStyleProps xmlns:ask="http://schemas.microsoft.com/office/drawing/2018/sketchyshapes" sd="1381636961">
+                  <a:prstGeom prst="rect">
+                    <a:avLst/>
+                  </a:prstGeom>
+                  <ask:type>
+                    <ask:lineSketchFreehand/>
+                  </ask:type>
+                </ask:lineSketchStyleProps>
+              </a:ext>
+            </a:extLst>
+          </a:ln>
+        </p:spPr>
+        <p:style>
+          <a:lnRef idx="2">
+            <a:schemeClr val="accent1">
+              <a:shade val="15000"/>
+            </a:schemeClr>
+          </a:lnRef>
+          <a:fillRef idx="1">
+            <a:schemeClr val="accent1"/>
+          </a:fillRef>
+          <a:effectRef idx="0">
+            <a:schemeClr val="accent1"/>
+          </a:effectRef>
+          <a:fontRef idx="minor">
+            <a:schemeClr val="lt1"/>
+          </a:fontRef>
+        </p:style>
+        <p:txBody>
+          <a:bodyPr rtlCol="0" anchor="ctr"/>
+          <a:lstStyle/>
+          <a:p>
+            <a:pPr algn="ctr"/>
+            <a:endParaRPr lang="en-US" sz="1013"/>
+          </a:p>
+        </p:txBody>
+      </p:sp>
+      <p:sp>
+        <p:nvSpPr>
+          <p:cNvPr id="6" name="Rectangle 5">
+            <a:extLst>
+              <a:ext uri="{FF2B5EF4-FFF2-40B4-BE49-F238E27FC236}">
+                <a16:creationId xmlns:a16="http://schemas.microsoft.com/office/drawing/2014/main" id="{29858940-093D-D61A-A369-6480C5D657B5}"/>
+              </a:ext>
+            </a:extLst>
+          </p:cNvPr>
+          <p:cNvSpPr/>
+          <p:nvPr/>
+        </p:nvSpPr>
+        <p:spPr>
+          <a:xfrm>
+            <a:off x="4915142" y="8848272"/>
+            <a:ext cx="293949" cy="350790"/>
+          </a:xfrm>
+          <a:custGeom>
+            <a:avLst/>
+            <a:gdLst>
+              <a:gd name="csX0" fmla="*/ 0 w 293949"/>
+              <a:gd name="csY0" fmla="*/ 0 h 350790"/>
+              <a:gd name="csX1" fmla="*/ 293949 w 293949"/>
+              <a:gd name="csY1" fmla="*/ 0 h 350790"/>
+              <a:gd name="csX2" fmla="*/ 293949 w 293949"/>
+              <a:gd name="csY2" fmla="*/ 350790 h 350790"/>
+              <a:gd name="csX3" fmla="*/ 0 w 293949"/>
+              <a:gd name="csY3" fmla="*/ 350790 h 350790"/>
+              <a:gd name="csX4" fmla="*/ 0 w 293949"/>
+              <a:gd name="csY4" fmla="*/ 0 h 350790"/>
+            </a:gdLst>
+            <a:ahLst/>
+            <a:cxnLst>
+              <a:cxn ang="0">
+                <a:pos x="csX0" y="csY0"/>
+              </a:cxn>
+              <a:cxn ang="0">
+                <a:pos x="csX1" y="csY1"/>
+              </a:cxn>
+              <a:cxn ang="0">
+                <a:pos x="csX2" y="csY2"/>
+              </a:cxn>
+              <a:cxn ang="0">
+                <a:pos x="csX3" y="csY3"/>
+              </a:cxn>
+              <a:cxn ang="0">
+                <a:pos x="csX4" y="csY4"/>
+              </a:cxn>
+            </a:cxnLst>
+            <a:rect l="l" t="t" r="r" b="b"/>
+            <a:pathLst>
+              <a:path w="293949" h="350790" fill="none" extrusionOk="0">
+                <a:moveTo>
+                  <a:pt x="0" y="0"/>
+                </a:moveTo>
+                <a:cubicBezTo>
+                  <a:pt x="97591" y="-6012"/>
+                  <a:pt x="181720" y="-3338"/>
+                  <a:pt x="293949" y="0"/>
+                </a:cubicBezTo>
+                <a:cubicBezTo>
+                  <a:pt x="279387" y="108638"/>
+                  <a:pt x="299079" y="280343"/>
+                  <a:pt x="293949" y="350790"/>
+                </a:cubicBezTo>
+                <a:cubicBezTo>
+                  <a:pt x="163984" y="348419"/>
+                  <a:pt x="135182" y="353451"/>
+                  <a:pt x="0" y="350790"/>
+                </a:cubicBezTo>
+                <a:cubicBezTo>
+                  <a:pt x="-13951" y="253653"/>
+                  <a:pt x="14159" y="157998"/>
+                  <a:pt x="0" y="0"/>
+                </a:cubicBezTo>
+                <a:close/>
+              </a:path>
+              <a:path w="293949" h="350790" stroke="0" extrusionOk="0">
+                <a:moveTo>
+                  <a:pt x="0" y="0"/>
+                </a:moveTo>
+                <a:cubicBezTo>
+                  <a:pt x="141264" y="4569"/>
+                  <a:pt x="166052" y="-10293"/>
+                  <a:pt x="293949" y="0"/>
+                </a:cubicBezTo>
+                <a:cubicBezTo>
+                  <a:pt x="306887" y="81011"/>
+                  <a:pt x="298748" y="206727"/>
+                  <a:pt x="293949" y="350790"/>
+                </a:cubicBezTo>
+                <a:cubicBezTo>
+                  <a:pt x="195713" y="346709"/>
+                  <a:pt x="76129" y="339557"/>
+                  <a:pt x="0" y="350790"/>
+                </a:cubicBezTo>
+                <a:cubicBezTo>
+                  <a:pt x="-295" y="229700"/>
+                  <a:pt x="2323" y="139802"/>
+                  <a:pt x="0" y="0"/>
+                </a:cubicBezTo>
+                <a:close/>
+              </a:path>
+            </a:pathLst>
+          </a:custGeom>
+          <a:solidFill>
+            <a:schemeClr val="bg1"/>
+          </a:solidFill>
+          <a:ln w="38100">
+            <a:solidFill>
+              <a:schemeClr val="tx1"/>
+            </a:solidFill>
+            <a:extLst>
+              <a:ext uri="{C807C97D-BFC1-408E-A445-0C87EB9F89A2}">
+                <ask:lineSketchStyleProps xmlns:ask="http://schemas.microsoft.com/office/drawing/2018/sketchyshapes" sd="1697105241">
+                  <a:prstGeom prst="rect">
+                    <a:avLst/>
+                  </a:prstGeom>
+                  <ask:type>
+                    <ask:lineSketchFreehand/>
+                  </ask:type>
+                </ask:lineSketchStyleProps>
+              </a:ext>
+            </a:extLst>
+          </a:ln>
+        </p:spPr>
+        <p:style>
+          <a:lnRef idx="2">
+            <a:schemeClr val="accent1">
+              <a:shade val="15000"/>
+            </a:schemeClr>
+          </a:lnRef>
+          <a:fillRef idx="1">
+            <a:schemeClr val="accent1"/>
+          </a:fillRef>
+          <a:effectRef idx="0">
+            <a:schemeClr val="accent1"/>
+          </a:effectRef>
+          <a:fontRef idx="minor">
+            <a:schemeClr val="lt1"/>
+          </a:fontRef>
+        </p:style>
+        <p:txBody>
+          <a:bodyPr rtlCol="0" anchor="ctr"/>
+          <a:lstStyle/>
+          <a:p>
+            <a:pPr algn="ctr"/>
+            <a:endParaRPr lang="en-US" sz="1013"/>
+          </a:p>
+        </p:txBody>
+      </p:sp>
+      <p:sp>
+        <p:nvSpPr>
+          <p:cNvPr id="7" name="Rectangle 6">
+            <a:extLst>
+              <a:ext uri="{FF2B5EF4-FFF2-40B4-BE49-F238E27FC236}">
+                <a16:creationId xmlns:a16="http://schemas.microsoft.com/office/drawing/2014/main" id="{8F23BDD7-4F8C-5335-E689-63E93898069F}"/>
+              </a:ext>
+            </a:extLst>
+          </p:cNvPr>
+          <p:cNvSpPr/>
+          <p:nvPr/>
+        </p:nvSpPr>
+        <p:spPr>
+          <a:xfrm>
+            <a:off x="5000867" y="8933997"/>
+            <a:ext cx="293949" cy="350790"/>
+          </a:xfrm>
+          <a:custGeom>
+            <a:avLst/>
+            <a:gdLst>
+              <a:gd name="csX0" fmla="*/ 0 w 293949"/>
+              <a:gd name="csY0" fmla="*/ 0 h 350790"/>
+              <a:gd name="csX1" fmla="*/ 293949 w 293949"/>
+              <a:gd name="csY1" fmla="*/ 0 h 350790"/>
+              <a:gd name="csX2" fmla="*/ 293949 w 293949"/>
+              <a:gd name="csY2" fmla="*/ 350790 h 350790"/>
+              <a:gd name="csX3" fmla="*/ 0 w 293949"/>
+              <a:gd name="csY3" fmla="*/ 350790 h 350790"/>
+              <a:gd name="csX4" fmla="*/ 0 w 293949"/>
+              <a:gd name="csY4" fmla="*/ 0 h 350790"/>
+            </a:gdLst>
+            <a:ahLst/>
+            <a:cxnLst>
+              <a:cxn ang="0">
+                <a:pos x="csX0" y="csY0"/>
+              </a:cxn>
+              <a:cxn ang="0">
+                <a:pos x="csX1" y="csY1"/>
+              </a:cxn>
+              <a:cxn ang="0">
+                <a:pos x="csX2" y="csY2"/>
+              </a:cxn>
+              <a:cxn ang="0">
+                <a:pos x="csX3" y="csY3"/>
+              </a:cxn>
+              <a:cxn ang="0">
+                <a:pos x="csX4" y="csY4"/>
+              </a:cxn>
+            </a:cxnLst>
+            <a:rect l="l" t="t" r="r" b="b"/>
+            <a:pathLst>
+              <a:path w="293949" h="350790" fill="none" extrusionOk="0">
+                <a:moveTo>
+                  <a:pt x="0" y="0"/>
+                </a:moveTo>
+                <a:cubicBezTo>
+                  <a:pt x="64996" y="11069"/>
+                  <a:pt x="182457" y="-1320"/>
+                  <a:pt x="293949" y="0"/>
+                </a:cubicBezTo>
+                <a:cubicBezTo>
+                  <a:pt x="311101" y="118370"/>
+                  <a:pt x="300077" y="269380"/>
+                  <a:pt x="293949" y="350790"/>
+                </a:cubicBezTo>
+                <a:cubicBezTo>
+                  <a:pt x="208650" y="355872"/>
+                  <a:pt x="72918" y="361913"/>
+                  <a:pt x="0" y="350790"/>
+                </a:cubicBezTo>
+                <a:cubicBezTo>
+                  <a:pt x="9407" y="262283"/>
+                  <a:pt x="-10111" y="148643"/>
+                  <a:pt x="0" y="0"/>
+                </a:cubicBezTo>
+                <a:close/>
+              </a:path>
+              <a:path w="293949" h="350790" stroke="0" extrusionOk="0">
+                <a:moveTo>
+                  <a:pt x="0" y="0"/>
+                </a:moveTo>
+                <a:cubicBezTo>
+                  <a:pt x="134740" y="-11302"/>
+                  <a:pt x="176962" y="-9052"/>
+                  <a:pt x="293949" y="0"/>
+                </a:cubicBezTo>
+                <a:cubicBezTo>
+                  <a:pt x="299024" y="70504"/>
+                  <a:pt x="284757" y="180596"/>
+                  <a:pt x="293949" y="350790"/>
+                </a:cubicBezTo>
+                <a:cubicBezTo>
+                  <a:pt x="224439" y="336203"/>
+                  <a:pt x="141415" y="358087"/>
+                  <a:pt x="0" y="350790"/>
+                </a:cubicBezTo>
+                <a:cubicBezTo>
+                  <a:pt x="-12627" y="259327"/>
+                  <a:pt x="3414" y="97970"/>
+                  <a:pt x="0" y="0"/>
+                </a:cubicBezTo>
+                <a:close/>
+              </a:path>
+            </a:pathLst>
+          </a:custGeom>
+          <a:solidFill>
+            <a:schemeClr val="bg1"/>
+          </a:solidFill>
+          <a:ln w="38100">
+            <a:solidFill>
+              <a:schemeClr val="tx1"/>
+            </a:solidFill>
+            <a:extLst>
+              <a:ext uri="{C807C97D-BFC1-408E-A445-0C87EB9F89A2}">
+                <ask:lineSketchStyleProps xmlns:ask="http://schemas.microsoft.com/office/drawing/2018/sketchyshapes" sd="1495722173">
+                  <a:prstGeom prst="rect">
+                    <a:avLst/>
+                  </a:prstGeom>
+                  <ask:type>
+                    <ask:lineSketchFreehand/>
+                  </ask:type>
+                </ask:lineSketchStyleProps>
+              </a:ext>
+            </a:extLst>
+          </a:ln>
+        </p:spPr>
+        <p:style>
+          <a:lnRef idx="2">
+            <a:schemeClr val="accent1">
+              <a:shade val="15000"/>
+            </a:schemeClr>
+          </a:lnRef>
+          <a:fillRef idx="1">
+            <a:schemeClr val="accent1"/>
+          </a:fillRef>
+          <a:effectRef idx="0">
+            <a:schemeClr val="accent1"/>
+          </a:effectRef>
+          <a:fontRef idx="minor">
+            <a:schemeClr val="lt1"/>
+          </a:fontRef>
+        </p:style>
+        <p:txBody>
+          <a:bodyPr rtlCol="0" anchor="ctr"/>
+          <a:lstStyle/>
+          <a:p>
+            <a:pPr algn="ctr"/>
+            <a:endParaRPr lang="en-US" sz="1013"/>
+          </a:p>
+        </p:txBody>
+      </p:sp>
+      <p:pic>
+        <p:nvPicPr>
+          <p:cNvPr id="9" name="Picture 2" descr="book icon">
+            <a:extLst>
+              <a:ext uri="{FF2B5EF4-FFF2-40B4-BE49-F238E27FC236}">
+                <a16:creationId xmlns:a16="http://schemas.microsoft.com/office/drawing/2014/main" id="{E3D0C5CB-D439-D0D7-9491-9B87D55D9010}"/>
+              </a:ext>
+            </a:extLst>
+          </p:cNvPr>
+          <p:cNvPicPr>
+            <a:picLocks noChangeAspect="1" noChangeArrowheads="1"/>
+          </p:cNvPicPr>
+          <p:nvPr/>
+        </p:nvPicPr>
+        <p:blipFill>
+          <a:blip r:embed="rId2">
+            <a:extLst>
+              <a:ext uri="{28A0092B-C50C-407E-A947-70E740481C1C}">
+                <a14:useLocalDpi xmlns:a14="http://schemas.microsoft.com/office/drawing/2010/main" val="0"/>
+              </a:ext>
+            </a:extLst>
+          </a:blip>
+          <a:srcRect/>
+          <a:stretch>
+            <a:fillRect/>
+          </a:stretch>
+        </p:blipFill>
+        <p:spPr bwMode="auto">
+          <a:xfrm>
+            <a:off x="1204818" y="8768962"/>
+            <a:ext cx="430099" cy="430099"/>
+          </a:xfrm>
+          <a:prstGeom prst="rect">
+            <a:avLst/>
+          </a:prstGeom>
+          <a:noFill/>
+          <a:extLst>
+            <a:ext uri="{909E8E84-426E-40DD-AFC4-6F175D3DCCD1}">
+              <a14:hiddenFill xmlns:a14="http://schemas.microsoft.com/office/drawing/2010/main">
+                <a:solidFill>
+                  <a:srgbClr val="FFFFFF"/>
+                </a:solidFill>
+              </a14:hiddenFill>
+            </a:ext>
+          </a:extLst>
+        </p:spPr>
+      </p:pic>
+      <p:pic>
+        <p:nvPicPr>
+          <p:cNvPr id="10" name="Picture 4" descr="book icon">
+            <a:extLst>
+              <a:ext uri="{FF2B5EF4-FFF2-40B4-BE49-F238E27FC236}">
+                <a16:creationId xmlns:a16="http://schemas.microsoft.com/office/drawing/2014/main" id="{06CF107E-2124-1507-05C1-0F23BDEB0CCB}"/>
+              </a:ext>
+            </a:extLst>
+          </p:cNvPr>
+          <p:cNvPicPr>
+            <a:picLocks noChangeAspect="1" noChangeArrowheads="1"/>
+          </p:cNvPicPr>
+          <p:nvPr/>
+        </p:nvPicPr>
+        <p:blipFill>
+          <a:blip r:embed="rId3">
+            <a:extLst>
+              <a:ext uri="{28A0092B-C50C-407E-A947-70E740481C1C}">
+                <a14:useLocalDpi xmlns:a14="http://schemas.microsoft.com/office/drawing/2010/main" val="0"/>
+              </a:ext>
+            </a:extLst>
+          </a:blip>
+          <a:srcRect/>
+          <a:stretch>
+            <a:fillRect/>
+          </a:stretch>
+        </p:blipFill>
+        <p:spPr bwMode="auto">
+          <a:xfrm>
+            <a:off x="2617470" y="9363074"/>
+            <a:ext cx="1155065" cy="1155065"/>
+          </a:xfrm>
+          <a:prstGeom prst="rect">
+            <a:avLst/>
+          </a:prstGeom>
+          <a:noFill/>
+          <a:extLst>
+            <a:ext uri="{909E8E84-426E-40DD-AFC4-6F175D3DCCD1}">
+              <a14:hiddenFill xmlns:a14="http://schemas.microsoft.com/office/drawing/2010/main">
+                <a:solidFill>
+                  <a:srgbClr val="FFFFFF"/>
+                </a:solidFill>
+              </a14:hiddenFill>
+            </a:ext>
+          </a:extLst>
+        </p:spPr>
+      </p:pic>
+      <p:pic>
+        <p:nvPicPr>
+          <p:cNvPr id="11" name="Picture 6" descr="book icon">
+            <a:extLst>
+              <a:ext uri="{FF2B5EF4-FFF2-40B4-BE49-F238E27FC236}">
+                <a16:creationId xmlns:a16="http://schemas.microsoft.com/office/drawing/2014/main" id="{EB603DB8-0575-621F-31B0-8E52212342A7}"/>
+              </a:ext>
+            </a:extLst>
+          </p:cNvPr>
+          <p:cNvPicPr>
+            <a:picLocks noChangeAspect="1" noChangeArrowheads="1"/>
+          </p:cNvPicPr>
+          <p:nvPr/>
+        </p:nvPicPr>
+        <p:blipFill>
+          <a:blip r:embed="rId4">
+            <a:extLst>
+              <a:ext uri="{28A0092B-C50C-407E-A947-70E740481C1C}">
+                <a14:useLocalDpi xmlns:a14="http://schemas.microsoft.com/office/drawing/2010/main" val="0"/>
+              </a:ext>
+            </a:extLst>
+          </a:blip>
+          <a:srcRect/>
+          <a:stretch>
+            <a:fillRect/>
+          </a:stretch>
+        </p:blipFill>
+        <p:spPr bwMode="auto">
+          <a:xfrm>
+            <a:off x="985651" y="9023667"/>
+            <a:ext cx="1155065" cy="1155065"/>
+          </a:xfrm>
+          <a:prstGeom prst="rect">
+            <a:avLst/>
+          </a:prstGeom>
+          <a:noFill/>
+          <a:extLst>
+            <a:ext uri="{909E8E84-426E-40DD-AFC4-6F175D3DCCD1}">
+              <a14:hiddenFill xmlns:a14="http://schemas.microsoft.com/office/drawing/2010/main">
+                <a:solidFill>
+                  <a:srgbClr val="FFFFFF"/>
+                </a:solidFill>
+              </a14:hiddenFill>
+            </a:ext>
+          </a:extLst>
+        </p:spPr>
+      </p:pic>
+      <p:pic>
+        <p:nvPicPr>
+          <p:cNvPr id="4" name="Picture 3">
+            <a:extLst>
+              <a:ext uri="{FF2B5EF4-FFF2-40B4-BE49-F238E27FC236}">
+                <a16:creationId xmlns:a16="http://schemas.microsoft.com/office/drawing/2014/main" id="{9A6DDB07-9DDB-D7C2-6351-701BC7010CC7}"/>
+              </a:ext>
+            </a:extLst>
+          </p:cNvPr>
+          <p:cNvPicPr>
+            <a:picLocks noChangeAspect="1"/>
+          </p:cNvPicPr>
+          <p:nvPr/>
+        </p:nvPicPr>
+        <p:blipFill>
+          <a:blip r:embed="rId5"/>
+          <a:stretch>
+            <a:fillRect/>
+          </a:stretch>
+        </p:blipFill>
+        <p:spPr>
+          <a:xfrm>
+            <a:off x="1148254" y="1670282"/>
+            <a:ext cx="3160510" cy="6858000"/>
+          </a:xfrm>
+          <a:prstGeom prst="rect">
+            <a:avLst/>
+          </a:prstGeom>
+          <a:effectLst>
+            <a:outerShdw blurRad="63500" sx="102000" sy="102000" algn="ctr" rotWithShape="0">
+              <a:prstClr val="black">
+                <a:alpha val="40000"/>
+              </a:prstClr>
+            </a:outerShdw>
+          </a:effectLst>
+        </p:spPr>
+      </p:pic>
+    </p:spTree>
+    <p:extLst>
+      <p:ext uri="{BB962C8B-B14F-4D97-AF65-F5344CB8AC3E}">
+        <p14:creationId xmlns:p14="http://schemas.microsoft.com/office/powerpoint/2010/main" val="1561906910"/>
+      </p:ext>
+    </p:extLst>
+  </p:cSld>
+  <p:clrMapOvr>
+    <a:masterClrMapping/>
+  </p:clrMapOvr>
+</p:sld>
+</file>
+
+<file path=ppt/slides/slide4.xml><?xml version="1.0" encoding="utf-8"?>
+<p:sld xmlns:a="http://schemas.openxmlformats.org/drawingml/2006/main" xmlns:r="http://schemas.openxmlformats.org/officeDocument/2006/relationships" xmlns:p="http://schemas.openxmlformats.org/presentationml/2006/main">
+  <p:cSld>
+    <p:spTree>
+      <p:nvGrpSpPr>
+        <p:cNvPr id="1" name="">
+          <a:extLst>
+            <a:ext uri="{FF2B5EF4-FFF2-40B4-BE49-F238E27FC236}">
+              <a16:creationId xmlns:a16="http://schemas.microsoft.com/office/drawing/2014/main" id="{DDDE8D06-9DB4-5DD1-EC7C-0652129A7969}"/>
+            </a:ext>
+          </a:extLst>
+        </p:cNvPr>
+        <p:cNvGrpSpPr/>
+        <p:nvPr/>
+      </p:nvGrpSpPr>
+      <p:grpSpPr>
+        <a:xfrm>
+          <a:off x="0" y="0"/>
+          <a:ext cx="0" cy="0"/>
+          <a:chOff x="0" y="0"/>
+          <a:chExt cx="0" cy="0"/>
+        </a:xfrm>
+      </p:grpSpPr>
+      <p:grpSp>
+        <p:nvGrpSpPr>
+          <p:cNvPr id="13" name="Group 12">
+            <a:extLst>
+              <a:ext uri="{FF2B5EF4-FFF2-40B4-BE49-F238E27FC236}">
+                <a16:creationId xmlns:a16="http://schemas.microsoft.com/office/drawing/2014/main" id="{4BDD61AB-F01E-71F8-0F89-6FA8DD626E28}"/>
+              </a:ext>
+            </a:extLst>
+          </p:cNvPr>
+          <p:cNvGrpSpPr/>
+          <p:nvPr/>
+        </p:nvGrpSpPr>
+        <p:grpSpPr>
+          <a:xfrm>
+            <a:off x="1148254" y="1670282"/>
+            <a:ext cx="3160510" cy="6858000"/>
+            <a:chOff x="1148254" y="1670282"/>
+            <a:chExt cx="3160510" cy="6858000"/>
+          </a:xfrm>
+        </p:grpSpPr>
+        <p:pic>
+          <p:nvPicPr>
+            <p:cNvPr id="4" name="Picture 3">
+              <a:extLst>
+                <a:ext uri="{FF2B5EF4-FFF2-40B4-BE49-F238E27FC236}">
+                  <a16:creationId xmlns:a16="http://schemas.microsoft.com/office/drawing/2014/main" id="{4CAD0AE2-F4D0-0DC0-D8D5-30D2EFCDDBC0}"/>
+                </a:ext>
+              </a:extLst>
+            </p:cNvPr>
+            <p:cNvPicPr>
+              <a:picLocks noChangeAspect="1"/>
+            </p:cNvPicPr>
+            <p:nvPr/>
+          </p:nvPicPr>
+          <p:blipFill>
+            <a:blip r:embed="rId2"/>
+            <a:stretch>
+              <a:fillRect/>
+            </a:stretch>
+          </p:blipFill>
+          <p:spPr>
+            <a:xfrm>
+              <a:off x="1148254" y="1670282"/>
+              <a:ext cx="3160510" cy="6858000"/>
+            </a:xfrm>
+            <a:prstGeom prst="rect">
+              <a:avLst/>
+            </a:prstGeom>
+            <a:effectLst>
+              <a:outerShdw blurRad="63500" sx="102000" sy="102000" algn="ctr" rotWithShape="0">
+                <a:prstClr val="black">
+                  <a:alpha val="40000"/>
+                </a:prstClr>
+              </a:outerShdw>
+            </a:effectLst>
+          </p:spPr>
+        </p:pic>
+        <p:sp>
+          <p:nvSpPr>
+            <p:cNvPr id="12" name="Rectangle 11">
+              <a:extLst>
+                <a:ext uri="{FF2B5EF4-FFF2-40B4-BE49-F238E27FC236}">
+                  <a16:creationId xmlns:a16="http://schemas.microsoft.com/office/drawing/2014/main" id="{20CDDC00-BC58-237C-B767-C1375D228130}"/>
+                </a:ext>
+              </a:extLst>
+            </p:cNvPr>
+            <p:cNvSpPr/>
+            <p:nvPr/>
+          </p:nvSpPr>
+          <p:spPr>
+            <a:xfrm>
+              <a:off x="1174750" y="8007350"/>
+              <a:ext cx="3108325" cy="509588"/>
+            </a:xfrm>
+            <a:prstGeom prst="rect">
+              <a:avLst/>
+            </a:prstGeom>
+            <a:solidFill>
+              <a:schemeClr val="bg1"/>
+            </a:solidFill>
+            <a:ln>
+              <a:noFill/>
+            </a:ln>
+          </p:spPr>
+          <p:style>
+            <a:lnRef idx="2">
+              <a:schemeClr val="accent1">
+                <a:shade val="15000"/>
+              </a:schemeClr>
+            </a:lnRef>
+            <a:fillRef idx="1">
+              <a:schemeClr val="accent1"/>
+            </a:fillRef>
+            <a:effectRef idx="0">
+              <a:schemeClr val="accent1"/>
+            </a:effectRef>
+            <a:fontRef idx="minor">
+              <a:schemeClr val="lt1"/>
+            </a:fontRef>
+          </p:style>
+          <p:txBody>
+            <a:bodyPr rtlCol="0" anchor="ctr"/>
+            <a:lstStyle/>
+            <a:p>
+              <a:pPr algn="ctr"/>
+              <a:endParaRPr lang="en-US"/>
+            </a:p>
+          </p:txBody>
+        </p:sp>
+      </p:grpSp>
+      <p:sp>
+        <p:nvSpPr>
+          <p:cNvPr id="5" name="Rectangle 4">
+            <a:extLst>
+              <a:ext uri="{FF2B5EF4-FFF2-40B4-BE49-F238E27FC236}">
+                <a16:creationId xmlns:a16="http://schemas.microsoft.com/office/drawing/2014/main" id="{7B623400-8F29-57BF-119A-45F0D16AA205}"/>
+              </a:ext>
+            </a:extLst>
+          </p:cNvPr>
+          <p:cNvSpPr/>
+          <p:nvPr/>
+        </p:nvSpPr>
+        <p:spPr>
+          <a:xfrm>
+            <a:off x="4829417" y="8762547"/>
+            <a:ext cx="293949" cy="350790"/>
+          </a:xfrm>
+          <a:custGeom>
+            <a:avLst/>
+            <a:gdLst>
+              <a:gd name="csX0" fmla="*/ 0 w 293949"/>
+              <a:gd name="csY0" fmla="*/ 0 h 350790"/>
+              <a:gd name="csX1" fmla="*/ 293949 w 293949"/>
+              <a:gd name="csY1" fmla="*/ 0 h 350790"/>
+              <a:gd name="csX2" fmla="*/ 293949 w 293949"/>
+              <a:gd name="csY2" fmla="*/ 350790 h 350790"/>
+              <a:gd name="csX3" fmla="*/ 0 w 293949"/>
+              <a:gd name="csY3" fmla="*/ 350790 h 350790"/>
+              <a:gd name="csX4" fmla="*/ 0 w 293949"/>
+              <a:gd name="csY4" fmla="*/ 0 h 350790"/>
+            </a:gdLst>
+            <a:ahLst/>
+            <a:cxnLst>
+              <a:cxn ang="0">
+                <a:pos x="csX0" y="csY0"/>
+              </a:cxn>
+              <a:cxn ang="0">
+                <a:pos x="csX1" y="csY1"/>
+              </a:cxn>
+              <a:cxn ang="0">
+                <a:pos x="csX2" y="csY2"/>
+              </a:cxn>
+              <a:cxn ang="0">
+                <a:pos x="csX3" y="csY3"/>
+              </a:cxn>
+              <a:cxn ang="0">
+                <a:pos x="csX4" y="csY4"/>
+              </a:cxn>
+            </a:cxnLst>
+            <a:rect l="l" t="t" r="r" b="b"/>
+            <a:pathLst>
+              <a:path w="293949" h="350790" fill="none" extrusionOk="0">
+                <a:moveTo>
+                  <a:pt x="0" y="0"/>
+                </a:moveTo>
+                <a:cubicBezTo>
+                  <a:pt x="103628" y="-10687"/>
+                  <a:pt x="234113" y="-6108"/>
+                  <a:pt x="293949" y="0"/>
+                </a:cubicBezTo>
+                <a:cubicBezTo>
+                  <a:pt x="281140" y="122726"/>
+                  <a:pt x="294750" y="177976"/>
+                  <a:pt x="293949" y="350790"/>
+                </a:cubicBezTo>
+                <a:cubicBezTo>
+                  <a:pt x="218382" y="337422"/>
+                  <a:pt x="146375" y="350126"/>
+                  <a:pt x="0" y="350790"/>
+                </a:cubicBezTo>
+                <a:cubicBezTo>
+                  <a:pt x="12517" y="234031"/>
+                  <a:pt x="-7647" y="140726"/>
+                  <a:pt x="0" y="0"/>
+                </a:cubicBezTo>
+                <a:close/>
+              </a:path>
+              <a:path w="293949" h="350790" stroke="0" extrusionOk="0">
+                <a:moveTo>
+                  <a:pt x="0" y="0"/>
+                </a:moveTo>
+                <a:cubicBezTo>
+                  <a:pt x="77615" y="-1356"/>
+                  <a:pt x="216699" y="9085"/>
+                  <a:pt x="293949" y="0"/>
+                </a:cubicBezTo>
+                <a:cubicBezTo>
+                  <a:pt x="279351" y="153339"/>
+                  <a:pt x="287330" y="189299"/>
+                  <a:pt x="293949" y="350790"/>
+                </a:cubicBezTo>
+                <a:cubicBezTo>
+                  <a:pt x="216746" y="339383"/>
+                  <a:pt x="138975" y="358561"/>
+                  <a:pt x="0" y="350790"/>
+                </a:cubicBezTo>
+                <a:cubicBezTo>
+                  <a:pt x="7632" y="220691"/>
+                  <a:pt x="-1215" y="151662"/>
+                  <a:pt x="0" y="0"/>
+                </a:cubicBezTo>
+                <a:close/>
+              </a:path>
+            </a:pathLst>
+          </a:custGeom>
+          <a:solidFill>
+            <a:schemeClr val="bg1"/>
+          </a:solidFill>
+          <a:ln w="38100">
+            <a:solidFill>
+              <a:schemeClr val="tx1"/>
+            </a:solidFill>
+            <a:extLst>
+              <a:ext uri="{C807C97D-BFC1-408E-A445-0C87EB9F89A2}">
+                <ask:lineSketchStyleProps xmlns:ask="http://schemas.microsoft.com/office/drawing/2018/sketchyshapes" sd="1381636961">
+                  <a:prstGeom prst="rect">
+                    <a:avLst/>
+                  </a:prstGeom>
+                  <ask:type>
+                    <ask:lineSketchFreehand/>
+                  </ask:type>
+                </ask:lineSketchStyleProps>
+              </a:ext>
+            </a:extLst>
+          </a:ln>
+        </p:spPr>
+        <p:style>
+          <a:lnRef idx="2">
+            <a:schemeClr val="accent1">
+              <a:shade val="15000"/>
+            </a:schemeClr>
+          </a:lnRef>
+          <a:fillRef idx="1">
+            <a:schemeClr val="accent1"/>
+          </a:fillRef>
+          <a:effectRef idx="0">
+            <a:schemeClr val="accent1"/>
+          </a:effectRef>
+          <a:fontRef idx="minor">
+            <a:schemeClr val="lt1"/>
+          </a:fontRef>
+        </p:style>
+        <p:txBody>
+          <a:bodyPr rtlCol="0" anchor="ctr"/>
+          <a:lstStyle/>
+          <a:p>
+            <a:pPr algn="ctr"/>
+            <a:endParaRPr lang="en-US" sz="1013"/>
+          </a:p>
+        </p:txBody>
+      </p:sp>
+      <p:sp>
+        <p:nvSpPr>
+          <p:cNvPr id="6" name="Rectangle 5">
+            <a:extLst>
+              <a:ext uri="{FF2B5EF4-FFF2-40B4-BE49-F238E27FC236}">
+                <a16:creationId xmlns:a16="http://schemas.microsoft.com/office/drawing/2014/main" id="{18C26BCB-7E66-F734-AC6B-8CFE3FCA3F90}"/>
+              </a:ext>
+            </a:extLst>
+          </p:cNvPr>
+          <p:cNvSpPr/>
+          <p:nvPr/>
+        </p:nvSpPr>
+        <p:spPr>
+          <a:xfrm>
+            <a:off x="4915142" y="8848272"/>
+            <a:ext cx="293949" cy="350790"/>
+          </a:xfrm>
+          <a:custGeom>
+            <a:avLst/>
+            <a:gdLst>
+              <a:gd name="csX0" fmla="*/ 0 w 293949"/>
+              <a:gd name="csY0" fmla="*/ 0 h 350790"/>
+              <a:gd name="csX1" fmla="*/ 293949 w 293949"/>
+              <a:gd name="csY1" fmla="*/ 0 h 350790"/>
+              <a:gd name="csX2" fmla="*/ 293949 w 293949"/>
+              <a:gd name="csY2" fmla="*/ 350790 h 350790"/>
+              <a:gd name="csX3" fmla="*/ 0 w 293949"/>
+              <a:gd name="csY3" fmla="*/ 350790 h 350790"/>
+              <a:gd name="csX4" fmla="*/ 0 w 293949"/>
+              <a:gd name="csY4" fmla="*/ 0 h 350790"/>
+            </a:gdLst>
+            <a:ahLst/>
+            <a:cxnLst>
+              <a:cxn ang="0">
+                <a:pos x="csX0" y="csY0"/>
+              </a:cxn>
+              <a:cxn ang="0">
+                <a:pos x="csX1" y="csY1"/>
+              </a:cxn>
+              <a:cxn ang="0">
+                <a:pos x="csX2" y="csY2"/>
+              </a:cxn>
+              <a:cxn ang="0">
+                <a:pos x="csX3" y="csY3"/>
+              </a:cxn>
+              <a:cxn ang="0">
+                <a:pos x="csX4" y="csY4"/>
+              </a:cxn>
+            </a:cxnLst>
+            <a:rect l="l" t="t" r="r" b="b"/>
+            <a:pathLst>
+              <a:path w="293949" h="350790" fill="none" extrusionOk="0">
+                <a:moveTo>
+                  <a:pt x="0" y="0"/>
+                </a:moveTo>
+                <a:cubicBezTo>
+                  <a:pt x="97591" y="-6012"/>
+                  <a:pt x="181720" y="-3338"/>
+                  <a:pt x="293949" y="0"/>
+                </a:cubicBezTo>
+                <a:cubicBezTo>
+                  <a:pt x="279387" y="108638"/>
+                  <a:pt x="299079" y="280343"/>
+                  <a:pt x="293949" y="350790"/>
+                </a:cubicBezTo>
+                <a:cubicBezTo>
+                  <a:pt x="163984" y="348419"/>
+                  <a:pt x="135182" y="353451"/>
+                  <a:pt x="0" y="350790"/>
+                </a:cubicBezTo>
+                <a:cubicBezTo>
+                  <a:pt x="-13951" y="253653"/>
+                  <a:pt x="14159" y="157998"/>
+                  <a:pt x="0" y="0"/>
+                </a:cubicBezTo>
+                <a:close/>
+              </a:path>
+              <a:path w="293949" h="350790" stroke="0" extrusionOk="0">
+                <a:moveTo>
+                  <a:pt x="0" y="0"/>
+                </a:moveTo>
+                <a:cubicBezTo>
+                  <a:pt x="141264" y="4569"/>
+                  <a:pt x="166052" y="-10293"/>
+                  <a:pt x="293949" y="0"/>
+                </a:cubicBezTo>
+                <a:cubicBezTo>
+                  <a:pt x="306887" y="81011"/>
+                  <a:pt x="298748" y="206727"/>
+                  <a:pt x="293949" y="350790"/>
+                </a:cubicBezTo>
+                <a:cubicBezTo>
+                  <a:pt x="195713" y="346709"/>
+                  <a:pt x="76129" y="339557"/>
+                  <a:pt x="0" y="350790"/>
+                </a:cubicBezTo>
+                <a:cubicBezTo>
+                  <a:pt x="-295" y="229700"/>
+                  <a:pt x="2323" y="139802"/>
+                  <a:pt x="0" y="0"/>
+                </a:cubicBezTo>
+                <a:close/>
+              </a:path>
+            </a:pathLst>
+          </a:custGeom>
+          <a:solidFill>
+            <a:schemeClr val="bg1"/>
+          </a:solidFill>
+          <a:ln w="38100">
+            <a:solidFill>
+              <a:schemeClr val="tx1"/>
+            </a:solidFill>
+            <a:extLst>
+              <a:ext uri="{C807C97D-BFC1-408E-A445-0C87EB9F89A2}">
+                <ask:lineSketchStyleProps xmlns:ask="http://schemas.microsoft.com/office/drawing/2018/sketchyshapes" sd="1697105241">
+                  <a:prstGeom prst="rect">
+                    <a:avLst/>
+                  </a:prstGeom>
+                  <ask:type>
+                    <ask:lineSketchFreehand/>
+                  </ask:type>
+                </ask:lineSketchStyleProps>
+              </a:ext>
+            </a:extLst>
+          </a:ln>
+        </p:spPr>
+        <p:style>
+          <a:lnRef idx="2">
+            <a:schemeClr val="accent1">
+              <a:shade val="15000"/>
+            </a:schemeClr>
+          </a:lnRef>
+          <a:fillRef idx="1">
+            <a:schemeClr val="accent1"/>
+          </a:fillRef>
+          <a:effectRef idx="0">
+            <a:schemeClr val="accent1"/>
+          </a:effectRef>
+          <a:fontRef idx="minor">
+            <a:schemeClr val="lt1"/>
+          </a:fontRef>
+        </p:style>
+        <p:txBody>
+          <a:bodyPr rtlCol="0" anchor="ctr"/>
+          <a:lstStyle/>
+          <a:p>
+            <a:pPr algn="ctr"/>
+            <a:endParaRPr lang="en-US" sz="1013"/>
+          </a:p>
+        </p:txBody>
+      </p:sp>
+      <p:sp>
+        <p:nvSpPr>
+          <p:cNvPr id="7" name="Rectangle 6">
+            <a:extLst>
+              <a:ext uri="{FF2B5EF4-FFF2-40B4-BE49-F238E27FC236}">
+                <a16:creationId xmlns:a16="http://schemas.microsoft.com/office/drawing/2014/main" id="{8906D257-CF3F-DB42-7F91-9F1460B7DE3B}"/>
+              </a:ext>
+            </a:extLst>
+          </p:cNvPr>
+          <p:cNvSpPr/>
+          <p:nvPr/>
+        </p:nvSpPr>
+        <p:spPr>
+          <a:xfrm>
+            <a:off x="5000867" y="8933997"/>
+            <a:ext cx="293949" cy="350790"/>
+          </a:xfrm>
+          <a:custGeom>
+            <a:avLst/>
+            <a:gdLst>
+              <a:gd name="csX0" fmla="*/ 0 w 293949"/>
+              <a:gd name="csY0" fmla="*/ 0 h 350790"/>
+              <a:gd name="csX1" fmla="*/ 293949 w 293949"/>
+              <a:gd name="csY1" fmla="*/ 0 h 350790"/>
+              <a:gd name="csX2" fmla="*/ 293949 w 293949"/>
+              <a:gd name="csY2" fmla="*/ 350790 h 350790"/>
+              <a:gd name="csX3" fmla="*/ 0 w 293949"/>
+              <a:gd name="csY3" fmla="*/ 350790 h 350790"/>
+              <a:gd name="csX4" fmla="*/ 0 w 293949"/>
+              <a:gd name="csY4" fmla="*/ 0 h 350790"/>
+            </a:gdLst>
+            <a:ahLst/>
+            <a:cxnLst>
+              <a:cxn ang="0">
+                <a:pos x="csX0" y="csY0"/>
+              </a:cxn>
+              <a:cxn ang="0">
+                <a:pos x="csX1" y="csY1"/>
+              </a:cxn>
+              <a:cxn ang="0">
+                <a:pos x="csX2" y="csY2"/>
+              </a:cxn>
+              <a:cxn ang="0">
+                <a:pos x="csX3" y="csY3"/>
+              </a:cxn>
+              <a:cxn ang="0">
+                <a:pos x="csX4" y="csY4"/>
+              </a:cxn>
+            </a:cxnLst>
+            <a:rect l="l" t="t" r="r" b="b"/>
+            <a:pathLst>
+              <a:path w="293949" h="350790" fill="none" extrusionOk="0">
+                <a:moveTo>
+                  <a:pt x="0" y="0"/>
+                </a:moveTo>
+                <a:cubicBezTo>
+                  <a:pt x="64996" y="11069"/>
+                  <a:pt x="182457" y="-1320"/>
+                  <a:pt x="293949" y="0"/>
+                </a:cubicBezTo>
+                <a:cubicBezTo>
+                  <a:pt x="311101" y="118370"/>
+                  <a:pt x="300077" y="269380"/>
+                  <a:pt x="293949" y="350790"/>
+                </a:cubicBezTo>
+                <a:cubicBezTo>
+                  <a:pt x="208650" y="355872"/>
+                  <a:pt x="72918" y="361913"/>
+                  <a:pt x="0" y="350790"/>
+                </a:cubicBezTo>
+                <a:cubicBezTo>
+                  <a:pt x="9407" y="262283"/>
+                  <a:pt x="-10111" y="148643"/>
+                  <a:pt x="0" y="0"/>
+                </a:cubicBezTo>
+                <a:close/>
+              </a:path>
+              <a:path w="293949" h="350790" stroke="0" extrusionOk="0">
+                <a:moveTo>
+                  <a:pt x="0" y="0"/>
+                </a:moveTo>
+                <a:cubicBezTo>
+                  <a:pt x="134740" y="-11302"/>
+                  <a:pt x="176962" y="-9052"/>
+                  <a:pt x="293949" y="0"/>
+                </a:cubicBezTo>
+                <a:cubicBezTo>
+                  <a:pt x="299024" y="70504"/>
+                  <a:pt x="284757" y="180596"/>
+                  <a:pt x="293949" y="350790"/>
+                </a:cubicBezTo>
+                <a:cubicBezTo>
+                  <a:pt x="224439" y="336203"/>
+                  <a:pt x="141415" y="358087"/>
+                  <a:pt x="0" y="350790"/>
+                </a:cubicBezTo>
+                <a:cubicBezTo>
+                  <a:pt x="-12627" y="259327"/>
+                  <a:pt x="3414" y="97970"/>
+                  <a:pt x="0" y="0"/>
+                </a:cubicBezTo>
+                <a:close/>
+              </a:path>
+            </a:pathLst>
+          </a:custGeom>
+          <a:solidFill>
+            <a:schemeClr val="bg1"/>
+          </a:solidFill>
+          <a:ln w="38100">
+            <a:solidFill>
+              <a:schemeClr val="tx1"/>
+            </a:solidFill>
+            <a:extLst>
+              <a:ext uri="{C807C97D-BFC1-408E-A445-0C87EB9F89A2}">
+                <ask:lineSketchStyleProps xmlns:ask="http://schemas.microsoft.com/office/drawing/2018/sketchyshapes" sd="1495722173">
+                  <a:prstGeom prst="rect">
+                    <a:avLst/>
+                  </a:prstGeom>
+                  <ask:type>
+                    <ask:lineSketchFreehand/>
+                  </ask:type>
+                </ask:lineSketchStyleProps>
+              </a:ext>
+            </a:extLst>
+          </a:ln>
+        </p:spPr>
+        <p:style>
+          <a:lnRef idx="2">
+            <a:schemeClr val="accent1">
+              <a:shade val="15000"/>
+            </a:schemeClr>
+          </a:lnRef>
+          <a:fillRef idx="1">
+            <a:schemeClr val="accent1"/>
+          </a:fillRef>
+          <a:effectRef idx="0">
+            <a:schemeClr val="accent1"/>
+          </a:effectRef>
+          <a:fontRef idx="minor">
+            <a:schemeClr val="lt1"/>
+          </a:fontRef>
+        </p:style>
+        <p:txBody>
+          <a:bodyPr rtlCol="0" anchor="ctr"/>
+          <a:lstStyle/>
+          <a:p>
+            <a:pPr algn="ctr"/>
+            <a:endParaRPr lang="en-US" sz="1013"/>
+          </a:p>
+        </p:txBody>
+      </p:sp>
+      <p:pic>
+        <p:nvPicPr>
+          <p:cNvPr id="9" name="Picture 2" descr="book icon">
+            <a:extLst>
+              <a:ext uri="{FF2B5EF4-FFF2-40B4-BE49-F238E27FC236}">
+                <a16:creationId xmlns:a16="http://schemas.microsoft.com/office/drawing/2014/main" id="{CBA962D7-B2BA-7599-37D5-E4FBD0ECF8D0}"/>
+              </a:ext>
+            </a:extLst>
+          </p:cNvPr>
+          <p:cNvPicPr>
+            <a:picLocks noChangeAspect="1" noChangeArrowheads="1"/>
+          </p:cNvPicPr>
+          <p:nvPr/>
+        </p:nvPicPr>
+        <p:blipFill>
+          <a:blip r:embed="rId3">
+            <a:extLst>
+              <a:ext uri="{28A0092B-C50C-407E-A947-70E740481C1C}">
+                <a14:useLocalDpi xmlns:a14="http://schemas.microsoft.com/office/drawing/2010/main" val="0"/>
+              </a:ext>
+            </a:extLst>
+          </a:blip>
+          <a:srcRect/>
+          <a:stretch>
+            <a:fillRect/>
+          </a:stretch>
+        </p:blipFill>
+        <p:spPr bwMode="auto">
+          <a:xfrm>
+            <a:off x="106268" y="8262144"/>
+            <a:ext cx="430099" cy="430099"/>
+          </a:xfrm>
+          <a:prstGeom prst="rect">
+            <a:avLst/>
+          </a:prstGeom>
+          <a:noFill/>
+          <a:extLst>
+            <a:ext uri="{909E8E84-426E-40DD-AFC4-6F175D3DCCD1}">
+              <a14:hiddenFill xmlns:a14="http://schemas.microsoft.com/office/drawing/2010/main">
+                <a:solidFill>
+                  <a:srgbClr val="FFFFFF"/>
+                </a:solidFill>
+              </a14:hiddenFill>
+            </a:ext>
+          </a:extLst>
+        </p:spPr>
+      </p:pic>
+      <p:pic>
+        <p:nvPicPr>
+          <p:cNvPr id="10" name="Picture 4" descr="book icon">
+            <a:extLst>
+              <a:ext uri="{FF2B5EF4-FFF2-40B4-BE49-F238E27FC236}">
+                <a16:creationId xmlns:a16="http://schemas.microsoft.com/office/drawing/2014/main" id="{7C9645A6-5FBD-7E65-16FB-11032016EA59}"/>
+              </a:ext>
+            </a:extLst>
+          </p:cNvPr>
+          <p:cNvPicPr>
+            <a:picLocks noChangeAspect="1" noChangeArrowheads="1"/>
+          </p:cNvPicPr>
+          <p:nvPr/>
+        </p:nvPicPr>
+        <p:blipFill>
+          <a:blip r:embed="rId4">
+            <a:extLst>
+              <a:ext uri="{28A0092B-C50C-407E-A947-70E740481C1C}">
+                <a14:useLocalDpi xmlns:a14="http://schemas.microsoft.com/office/drawing/2010/main" val="0"/>
+              </a:ext>
+            </a:extLst>
+          </a:blip>
+          <a:srcRect/>
+          <a:stretch>
+            <a:fillRect/>
+          </a:stretch>
+        </p:blipFill>
+        <p:spPr bwMode="auto">
+          <a:xfrm>
+            <a:off x="1257225" y="8044561"/>
+            <a:ext cx="432632" cy="432632"/>
+          </a:xfrm>
+          <a:prstGeom prst="rect">
+            <a:avLst/>
+          </a:prstGeom>
+          <a:noFill/>
+          <a:extLst>
+            <a:ext uri="{909E8E84-426E-40DD-AFC4-6F175D3DCCD1}">
+              <a14:hiddenFill xmlns:a14="http://schemas.microsoft.com/office/drawing/2010/main">
+                <a:solidFill>
+                  <a:srgbClr val="FFFFFF"/>
+                </a:solidFill>
+              </a14:hiddenFill>
+            </a:ext>
+          </a:extLst>
+        </p:spPr>
+      </p:pic>
+      <p:pic>
+        <p:nvPicPr>
+          <p:cNvPr id="11" name="Picture 6" descr="book icon">
+            <a:extLst>
+              <a:ext uri="{FF2B5EF4-FFF2-40B4-BE49-F238E27FC236}">
+                <a16:creationId xmlns:a16="http://schemas.microsoft.com/office/drawing/2014/main" id="{A4DEA36F-AF4F-12E1-0BAD-4DA496787327}"/>
+              </a:ext>
+            </a:extLst>
+          </p:cNvPr>
+          <p:cNvPicPr>
+            <a:picLocks noChangeAspect="1" noChangeArrowheads="1"/>
+          </p:cNvPicPr>
+          <p:nvPr/>
+        </p:nvPicPr>
+        <p:blipFill>
+          <a:blip r:embed="rId5">
+            <a:extLst>
+              <a:ext uri="{28A0092B-C50C-407E-A947-70E740481C1C}">
+                <a14:useLocalDpi xmlns:a14="http://schemas.microsoft.com/office/drawing/2010/main" val="0"/>
+              </a:ext>
+            </a:extLst>
+          </a:blip>
+          <a:srcRect/>
+          <a:stretch>
+            <a:fillRect/>
+          </a:stretch>
+        </p:blipFill>
+        <p:spPr bwMode="auto">
+          <a:xfrm>
+            <a:off x="5062116" y="6692763"/>
+            <a:ext cx="1155065" cy="1155065"/>
+          </a:xfrm>
+          <a:prstGeom prst="rect">
+            <a:avLst/>
+          </a:prstGeom>
+          <a:noFill/>
+          <a:extLst>
+            <a:ext uri="{909E8E84-426E-40DD-AFC4-6F175D3DCCD1}">
+              <a14:hiddenFill xmlns:a14="http://schemas.microsoft.com/office/drawing/2010/main">
+                <a:solidFill>
+                  <a:srgbClr val="FFFFFF"/>
+                </a:solidFill>
+              </a14:hiddenFill>
+            </a:ext>
+          </a:extLst>
+        </p:spPr>
+      </p:pic>
+      <p:pic>
+        <p:nvPicPr>
+          <p:cNvPr id="2050" name="Picture 2" descr="magnifying glass icon">
+            <a:extLst>
+              <a:ext uri="{FF2B5EF4-FFF2-40B4-BE49-F238E27FC236}">
+                <a16:creationId xmlns:a16="http://schemas.microsoft.com/office/drawing/2014/main" id="{0ACB8676-B309-46D2-B85B-A215D34DE209}"/>
+              </a:ext>
+            </a:extLst>
+          </p:cNvPr>
+          <p:cNvPicPr>
+            <a:picLocks noChangeAspect="1" noChangeArrowheads="1"/>
+          </p:cNvPicPr>
+          <p:nvPr/>
+        </p:nvPicPr>
+        <p:blipFill>
+          <a:blip r:embed="rId6">
+            <a:extLst>
+              <a:ext uri="{28A0092B-C50C-407E-A947-70E740481C1C}">
+                <a14:useLocalDpi xmlns:a14="http://schemas.microsoft.com/office/drawing/2010/main" val="0"/>
+              </a:ext>
+            </a:extLst>
+          </a:blip>
+          <a:srcRect/>
+          <a:stretch>
+            <a:fillRect/>
+          </a:stretch>
+        </p:blipFill>
+        <p:spPr bwMode="auto">
+          <a:xfrm>
+            <a:off x="2775328" y="8044561"/>
+            <a:ext cx="384175" cy="384175"/>
+          </a:xfrm>
+          <a:prstGeom prst="rect">
+            <a:avLst/>
+          </a:prstGeom>
+          <a:noFill/>
+          <a:extLst>
+            <a:ext uri="{909E8E84-426E-40DD-AFC4-6F175D3DCCD1}">
+              <a14:hiddenFill xmlns:a14="http://schemas.microsoft.com/office/drawing/2010/main">
+                <a:solidFill>
+                  <a:srgbClr val="FFFFFF"/>
+                </a:solidFill>
+              </a14:hiddenFill>
+            </a:ext>
+          </a:extLst>
+        </p:spPr>
+      </p:pic>
+      <p:pic>
+        <p:nvPicPr>
+          <p:cNvPr id="2052" name="Picture 4" descr="bottle icon">
+            <a:extLst>
+              <a:ext uri="{FF2B5EF4-FFF2-40B4-BE49-F238E27FC236}">
+                <a16:creationId xmlns:a16="http://schemas.microsoft.com/office/drawing/2014/main" id="{039D5F19-0F65-B57E-6937-16EBB1E47183}"/>
+              </a:ext>
+            </a:extLst>
+          </p:cNvPr>
+          <p:cNvPicPr>
+            <a:picLocks noChangeAspect="1" noChangeArrowheads="1"/>
+          </p:cNvPicPr>
+          <p:nvPr/>
+        </p:nvPicPr>
+        <p:blipFill>
+          <a:blip r:embed="rId7">
+            <a:extLst>
+              <a:ext uri="{28A0092B-C50C-407E-A947-70E740481C1C}">
+                <a14:useLocalDpi xmlns:a14="http://schemas.microsoft.com/office/drawing/2010/main" val="0"/>
+              </a:ext>
+            </a:extLst>
+          </a:blip>
+          <a:srcRect/>
+          <a:stretch>
+            <a:fillRect/>
+          </a:stretch>
+        </p:blipFill>
+        <p:spPr bwMode="auto">
+          <a:xfrm>
+            <a:off x="2121699" y="8044560"/>
+            <a:ext cx="432633" cy="432633"/>
+          </a:xfrm>
+          <a:prstGeom prst="rect">
+            <a:avLst/>
+          </a:prstGeom>
+          <a:noFill/>
+          <a:extLst>
+            <a:ext uri="{909E8E84-426E-40DD-AFC4-6F175D3DCCD1}">
+              <a14:hiddenFill xmlns:a14="http://schemas.microsoft.com/office/drawing/2010/main">
+                <a:solidFill>
+                  <a:srgbClr val="FFFFFF"/>
+                </a:solidFill>
+              </a14:hiddenFill>
+            </a:ext>
+          </a:extLst>
+        </p:spPr>
+      </p:pic>
+      <p:pic>
+        <p:nvPicPr>
+          <p:cNvPr id="2054" name="Picture 6" descr="wine icon">
+            <a:extLst>
+              <a:ext uri="{FF2B5EF4-FFF2-40B4-BE49-F238E27FC236}">
+                <a16:creationId xmlns:a16="http://schemas.microsoft.com/office/drawing/2014/main" id="{A5C0E5AF-B18A-A199-3423-A4D5606117D3}"/>
+              </a:ext>
+            </a:extLst>
+          </p:cNvPr>
+          <p:cNvPicPr>
+            <a:picLocks noChangeAspect="1" noChangeArrowheads="1"/>
+          </p:cNvPicPr>
+          <p:nvPr/>
+        </p:nvPicPr>
+        <p:blipFill rotWithShape="1">
+          <a:blip r:embed="rId8">
+            <a:extLst>
+              <a:ext uri="{28A0092B-C50C-407E-A947-70E740481C1C}">
+                <a14:useLocalDpi xmlns:a14="http://schemas.microsoft.com/office/drawing/2010/main" val="0"/>
+              </a:ext>
+            </a:extLst>
+          </a:blip>
+          <a:srcRect l="20351" t="20354" r="48222" b="18610"/>
+          <a:stretch>
+            <a:fillRect/>
+          </a:stretch>
+        </p:blipFill>
+        <p:spPr bwMode="auto">
+          <a:xfrm>
+            <a:off x="2081610" y="8129041"/>
+            <a:ext cx="170679" cy="331484"/>
+          </a:xfrm>
+          <a:prstGeom prst="rect">
+            <a:avLst/>
+          </a:prstGeom>
+          <a:noFill/>
+          <a:extLst>
+            <a:ext uri="{909E8E84-426E-40DD-AFC4-6F175D3DCCD1}">
+              <a14:hiddenFill xmlns:a14="http://schemas.microsoft.com/office/drawing/2010/main">
+                <a:solidFill>
+                  <a:srgbClr val="FFFFFF"/>
+                </a:solidFill>
+              </a14:hiddenFill>
+            </a:ext>
+          </a:extLst>
+        </p:spPr>
+      </p:pic>
+      <p:pic>
+        <p:nvPicPr>
+          <p:cNvPr id="2056" name="Picture 8" descr="gear icon">
+            <a:extLst>
+              <a:ext uri="{FF2B5EF4-FFF2-40B4-BE49-F238E27FC236}">
+                <a16:creationId xmlns:a16="http://schemas.microsoft.com/office/drawing/2014/main" id="{9C373A1C-4486-76C2-53D5-2CBB9B0A4E8B}"/>
+              </a:ext>
+            </a:extLst>
+          </p:cNvPr>
+          <p:cNvPicPr>
+            <a:picLocks noChangeAspect="1" noChangeArrowheads="1"/>
+          </p:cNvPicPr>
+          <p:nvPr/>
+        </p:nvPicPr>
+        <p:blipFill>
+          <a:blip r:embed="rId9">
+            <a:extLst>
+              <a:ext uri="{28A0092B-C50C-407E-A947-70E740481C1C}">
+                <a14:useLocalDpi xmlns:a14="http://schemas.microsoft.com/office/drawing/2010/main" val="0"/>
+              </a:ext>
+            </a:extLst>
+          </a:blip>
+          <a:srcRect/>
+          <a:stretch>
+            <a:fillRect/>
+          </a:stretch>
+        </p:blipFill>
+        <p:spPr bwMode="auto">
+          <a:xfrm>
+            <a:off x="3878011" y="8144027"/>
+            <a:ext cx="272256" cy="272256"/>
+          </a:xfrm>
+          <a:prstGeom prst="rect">
+            <a:avLst/>
+          </a:prstGeom>
+          <a:noFill/>
+          <a:extLst>
+            <a:ext uri="{909E8E84-426E-40DD-AFC4-6F175D3DCCD1}">
+              <a14:hiddenFill xmlns:a14="http://schemas.microsoft.com/office/drawing/2010/main">
+                <a:solidFill>
+                  <a:srgbClr val="FFFFFF"/>
+                </a:solidFill>
+              </a14:hiddenFill>
+            </a:ext>
+          </a:extLst>
+        </p:spPr>
+      </p:pic>
+    </p:spTree>
+    <p:extLst>
+      <p:ext uri="{BB962C8B-B14F-4D97-AF65-F5344CB8AC3E}">
+        <p14:creationId xmlns:p14="http://schemas.microsoft.com/office/powerpoint/2010/main" val="2785571965"/>
+      </p:ext>
+    </p:extLst>
+  </p:cSld>
+  <p:clrMapOvr>
+    <a:masterClrMapping/>
+  </p:clrMapOvr>
+</p:sld>
+</file>
+
+<file path=ppt/slides/slide5.xml><?xml version="1.0" encoding="utf-8"?>
+<p:sld xmlns:a="http://schemas.openxmlformats.org/drawingml/2006/main" xmlns:r="http://schemas.openxmlformats.org/officeDocument/2006/relationships" xmlns:p="http://schemas.openxmlformats.org/presentationml/2006/main">
+  <p:cSld>
+    <p:spTree>
+      <p:nvGrpSpPr>
+        <p:cNvPr id="1" name="">
+          <a:extLst>
+            <a:ext uri="{FF2B5EF4-FFF2-40B4-BE49-F238E27FC236}">
+              <a16:creationId xmlns:a16="http://schemas.microsoft.com/office/drawing/2014/main" id="{4766E637-FD75-57DF-5567-9CAD4375D381}"/>
+            </a:ext>
+          </a:extLst>
+        </p:cNvPr>
+        <p:cNvGrpSpPr/>
+        <p:nvPr/>
+      </p:nvGrpSpPr>
+      <p:grpSpPr>
+        <a:xfrm>
+          <a:off x="0" y="0"/>
+          <a:ext cx="0" cy="0"/>
+          <a:chOff x="0" y="0"/>
+          <a:chExt cx="0" cy="0"/>
+        </a:xfrm>
+      </p:grpSpPr>
+      <p:grpSp>
+        <p:nvGrpSpPr>
+          <p:cNvPr id="13" name="Group 12">
+            <a:extLst>
+              <a:ext uri="{FF2B5EF4-FFF2-40B4-BE49-F238E27FC236}">
+                <a16:creationId xmlns:a16="http://schemas.microsoft.com/office/drawing/2014/main" id="{92788BA5-9AF7-0781-438A-86E501E17A08}"/>
+              </a:ext>
+            </a:extLst>
+          </p:cNvPr>
+          <p:cNvGrpSpPr/>
+          <p:nvPr/>
+        </p:nvGrpSpPr>
+        <p:grpSpPr>
+          <a:xfrm>
+            <a:off x="1148254" y="1670282"/>
+            <a:ext cx="3160510" cy="6858000"/>
+            <a:chOff x="1148254" y="1670282"/>
+            <a:chExt cx="3160510" cy="6858000"/>
+          </a:xfrm>
+        </p:grpSpPr>
+        <p:pic>
+          <p:nvPicPr>
+            <p:cNvPr id="4" name="Picture 3">
+              <a:extLst>
+                <a:ext uri="{FF2B5EF4-FFF2-40B4-BE49-F238E27FC236}">
+                  <a16:creationId xmlns:a16="http://schemas.microsoft.com/office/drawing/2014/main" id="{7423D870-E7D8-D7BD-21A0-F4E8CD331234}"/>
+                </a:ext>
+              </a:extLst>
+            </p:cNvPr>
+            <p:cNvPicPr>
+              <a:picLocks noChangeAspect="1"/>
+            </p:cNvPicPr>
+            <p:nvPr/>
+          </p:nvPicPr>
+          <p:blipFill>
+            <a:blip r:embed="rId2"/>
+            <a:stretch>
+              <a:fillRect/>
+            </a:stretch>
+          </p:blipFill>
+          <p:spPr>
+            <a:xfrm>
+              <a:off x="1148254" y="1670282"/>
+              <a:ext cx="3160510" cy="6858000"/>
+            </a:xfrm>
+            <a:prstGeom prst="rect">
+              <a:avLst/>
+            </a:prstGeom>
+            <a:effectLst>
+              <a:outerShdw blurRad="63500" sx="102000" sy="102000" algn="ctr" rotWithShape="0">
+                <a:prstClr val="black">
+                  <a:alpha val="40000"/>
+                </a:prstClr>
+              </a:outerShdw>
+            </a:effectLst>
+          </p:spPr>
+        </p:pic>
+        <p:sp>
+          <p:nvSpPr>
+            <p:cNvPr id="12" name="Rectangle 11">
+              <a:extLst>
+                <a:ext uri="{FF2B5EF4-FFF2-40B4-BE49-F238E27FC236}">
+                  <a16:creationId xmlns:a16="http://schemas.microsoft.com/office/drawing/2014/main" id="{F3884D71-48B5-E92E-199A-2D0ACF194D9B}"/>
+                </a:ext>
+              </a:extLst>
+            </p:cNvPr>
+            <p:cNvSpPr/>
+            <p:nvPr/>
+          </p:nvSpPr>
+          <p:spPr>
+            <a:xfrm>
+              <a:off x="1174750" y="8007350"/>
+              <a:ext cx="3108325" cy="304800"/>
+            </a:xfrm>
+            <a:prstGeom prst="rect">
+              <a:avLst/>
+            </a:prstGeom>
+            <a:solidFill>
+              <a:schemeClr val="bg1"/>
+            </a:solidFill>
+            <a:ln>
+              <a:noFill/>
+            </a:ln>
+          </p:spPr>
+          <p:style>
+            <a:lnRef idx="2">
+              <a:schemeClr val="accent1">
+                <a:shade val="15000"/>
+              </a:schemeClr>
+            </a:lnRef>
+            <a:fillRef idx="1">
+              <a:schemeClr val="accent1"/>
+            </a:fillRef>
+            <a:effectRef idx="0">
+              <a:schemeClr val="accent1"/>
+            </a:effectRef>
+            <a:fontRef idx="minor">
+              <a:schemeClr val="lt1"/>
+            </a:fontRef>
+          </p:style>
+          <p:txBody>
+            <a:bodyPr rtlCol="0" anchor="ctr"/>
+            <a:lstStyle/>
+            <a:p>
+              <a:pPr algn="ctr"/>
+              <a:endParaRPr lang="en-US" dirty="0"/>
+            </a:p>
+          </p:txBody>
+        </p:sp>
+      </p:grpSp>
+      <p:pic>
+        <p:nvPicPr>
+          <p:cNvPr id="10" name="Picture 4" descr="book icon">
+            <a:extLst>
+              <a:ext uri="{FF2B5EF4-FFF2-40B4-BE49-F238E27FC236}">
+                <a16:creationId xmlns:a16="http://schemas.microsoft.com/office/drawing/2014/main" id="{FF8F24B5-7E94-A186-98B0-282392719CAF}"/>
+              </a:ext>
+            </a:extLst>
+          </p:cNvPr>
+          <p:cNvPicPr>
+            <a:picLocks noChangeAspect="1" noChangeArrowheads="1"/>
+          </p:cNvPicPr>
+          <p:nvPr/>
+        </p:nvPicPr>
+        <p:blipFill>
+          <a:blip r:embed="rId3">
+            <a:extLst>
+              <a:ext uri="{28A0092B-C50C-407E-A947-70E740481C1C}">
+                <a14:useLocalDpi xmlns:a14="http://schemas.microsoft.com/office/drawing/2010/main" val="0"/>
+              </a:ext>
+            </a:extLst>
+          </a:blip>
+          <a:srcRect/>
+          <a:stretch>
+            <a:fillRect/>
+          </a:stretch>
+        </p:blipFill>
+        <p:spPr bwMode="auto">
+          <a:xfrm>
+            <a:off x="1403191" y="8015896"/>
+            <a:ext cx="296254" cy="296254"/>
+          </a:xfrm>
+          <a:prstGeom prst="rect">
+            <a:avLst/>
+          </a:prstGeom>
+          <a:noFill/>
+          <a:extLst>
+            <a:ext uri="{909E8E84-426E-40DD-AFC4-6F175D3DCCD1}">
+              <a14:hiddenFill xmlns:a14="http://schemas.microsoft.com/office/drawing/2010/main">
+                <a:solidFill>
+                  <a:srgbClr val="FFFFFF"/>
+                </a:solidFill>
+              </a14:hiddenFill>
+            </a:ext>
+          </a:extLst>
+        </p:spPr>
+      </p:pic>
+      <p:pic>
+        <p:nvPicPr>
+          <p:cNvPr id="2050" name="Picture 2" descr="magnifying glass icon">
+            <a:extLst>
+              <a:ext uri="{FF2B5EF4-FFF2-40B4-BE49-F238E27FC236}">
+                <a16:creationId xmlns:a16="http://schemas.microsoft.com/office/drawing/2014/main" id="{B5102205-DDA4-A95E-0F95-49210CA4C031}"/>
+              </a:ext>
+            </a:extLst>
+          </p:cNvPr>
+          <p:cNvPicPr>
+            <a:picLocks noChangeAspect="1" noChangeArrowheads="1"/>
+          </p:cNvPicPr>
+          <p:nvPr/>
+        </p:nvPicPr>
+        <p:blipFill>
+          <a:blip r:embed="rId4">
+            <a:extLst>
+              <a:ext uri="{28A0092B-C50C-407E-A947-70E740481C1C}">
+                <a14:useLocalDpi xmlns:a14="http://schemas.microsoft.com/office/drawing/2010/main" val="0"/>
+              </a:ext>
+            </a:extLst>
+          </a:blip>
+          <a:srcRect/>
+          <a:stretch>
+            <a:fillRect/>
+          </a:stretch>
+        </p:blipFill>
+        <p:spPr bwMode="auto">
+          <a:xfrm>
+            <a:off x="2870960" y="8058451"/>
+            <a:ext cx="253699" cy="253699"/>
+          </a:xfrm>
+          <a:prstGeom prst="rect">
+            <a:avLst/>
+          </a:prstGeom>
+          <a:noFill/>
+          <a:extLst>
+            <a:ext uri="{909E8E84-426E-40DD-AFC4-6F175D3DCCD1}">
+              <a14:hiddenFill xmlns:a14="http://schemas.microsoft.com/office/drawing/2010/main">
+                <a:solidFill>
+                  <a:srgbClr val="FFFFFF"/>
+                </a:solidFill>
+              </a14:hiddenFill>
+            </a:ext>
+          </a:extLst>
+        </p:spPr>
+      </p:pic>
+      <p:pic>
+        <p:nvPicPr>
+          <p:cNvPr id="2052" name="Picture 4" descr="bottle icon">
+            <a:extLst>
+              <a:ext uri="{FF2B5EF4-FFF2-40B4-BE49-F238E27FC236}">
+                <a16:creationId xmlns:a16="http://schemas.microsoft.com/office/drawing/2014/main" id="{9296E062-A6D9-7301-CBF7-368F6B37C17E}"/>
+              </a:ext>
+            </a:extLst>
+          </p:cNvPr>
+          <p:cNvPicPr>
+            <a:picLocks noChangeAspect="1" noChangeArrowheads="1"/>
+          </p:cNvPicPr>
+          <p:nvPr/>
+        </p:nvPicPr>
+        <p:blipFill>
+          <a:blip r:embed="rId5">
+            <a:extLst>
+              <a:ext uri="{28A0092B-C50C-407E-A947-70E740481C1C}">
+                <a14:useLocalDpi xmlns:a14="http://schemas.microsoft.com/office/drawing/2010/main" val="0"/>
+              </a:ext>
+            </a:extLst>
+          </a:blip>
+          <a:srcRect/>
+          <a:stretch>
+            <a:fillRect/>
+          </a:stretch>
+        </p:blipFill>
+        <p:spPr bwMode="auto">
+          <a:xfrm>
+            <a:off x="2243629" y="8007350"/>
+            <a:ext cx="304800" cy="304800"/>
+          </a:xfrm>
+          <a:prstGeom prst="rect">
+            <a:avLst/>
+          </a:prstGeom>
+          <a:noFill/>
+          <a:extLst>
+            <a:ext uri="{909E8E84-426E-40DD-AFC4-6F175D3DCCD1}">
+              <a14:hiddenFill xmlns:a14="http://schemas.microsoft.com/office/drawing/2010/main">
+                <a:solidFill>
+                  <a:srgbClr val="FFFFFF"/>
+                </a:solidFill>
+              </a14:hiddenFill>
+            </a:ext>
+          </a:extLst>
+        </p:spPr>
+      </p:pic>
+      <p:pic>
+        <p:nvPicPr>
+          <p:cNvPr id="2054" name="Picture 6" descr="wine icon">
+            <a:extLst>
+              <a:ext uri="{FF2B5EF4-FFF2-40B4-BE49-F238E27FC236}">
+                <a16:creationId xmlns:a16="http://schemas.microsoft.com/office/drawing/2014/main" id="{1A4D3F2C-8425-C2C6-380A-30B7B37A00CF}"/>
+              </a:ext>
+            </a:extLst>
+          </p:cNvPr>
+          <p:cNvPicPr>
+            <a:picLocks noChangeAspect="1" noChangeArrowheads="1"/>
+          </p:cNvPicPr>
+          <p:nvPr/>
+        </p:nvPicPr>
+        <p:blipFill rotWithShape="1">
+          <a:blip r:embed="rId6">
+            <a:extLst>
+              <a:ext uri="{28A0092B-C50C-407E-A947-70E740481C1C}">
+                <a14:useLocalDpi xmlns:a14="http://schemas.microsoft.com/office/drawing/2010/main" val="0"/>
+              </a:ext>
+            </a:extLst>
+          </a:blip>
+          <a:srcRect l="20351" t="20354" r="48222" b="18610"/>
+          <a:stretch>
+            <a:fillRect/>
+          </a:stretch>
+        </p:blipFill>
+        <p:spPr bwMode="auto">
+          <a:xfrm>
+            <a:off x="2203539" y="8061944"/>
+            <a:ext cx="120247" cy="233538"/>
+          </a:xfrm>
+          <a:prstGeom prst="rect">
+            <a:avLst/>
+          </a:prstGeom>
+          <a:noFill/>
+          <a:extLst>
+            <a:ext uri="{909E8E84-426E-40DD-AFC4-6F175D3DCCD1}">
+              <a14:hiddenFill xmlns:a14="http://schemas.microsoft.com/office/drawing/2010/main">
+                <a:solidFill>
+                  <a:srgbClr val="FFFFFF"/>
+                </a:solidFill>
+              </a14:hiddenFill>
+            </a:ext>
+          </a:extLst>
+        </p:spPr>
+      </p:pic>
+      <p:pic>
+        <p:nvPicPr>
+          <p:cNvPr id="2056" name="Picture 8" descr="gear icon">
+            <a:extLst>
+              <a:ext uri="{FF2B5EF4-FFF2-40B4-BE49-F238E27FC236}">
+                <a16:creationId xmlns:a16="http://schemas.microsoft.com/office/drawing/2014/main" id="{295C9DB8-E2D1-357B-7484-A1031C496D7A}"/>
+              </a:ext>
+            </a:extLst>
+          </p:cNvPr>
+          <p:cNvPicPr>
+            <a:picLocks noChangeAspect="1" noChangeArrowheads="1"/>
+          </p:cNvPicPr>
+          <p:nvPr/>
+        </p:nvPicPr>
+        <p:blipFill>
+          <a:blip r:embed="rId7">
+            <a:extLst>
+              <a:ext uri="{28A0092B-C50C-407E-A947-70E740481C1C}">
+                <a14:useLocalDpi xmlns:a14="http://schemas.microsoft.com/office/drawing/2010/main" val="0"/>
+              </a:ext>
+            </a:extLst>
+          </a:blip>
+          <a:srcRect/>
+          <a:stretch>
+            <a:fillRect/>
+          </a:stretch>
+        </p:blipFill>
+        <p:spPr bwMode="auto">
+          <a:xfrm>
+            <a:off x="3733343" y="8069111"/>
+            <a:ext cx="196208" cy="196208"/>
+          </a:xfrm>
+          <a:prstGeom prst="rect">
+            <a:avLst/>
+          </a:prstGeom>
+          <a:noFill/>
+          <a:extLst>
+            <a:ext uri="{909E8E84-426E-40DD-AFC4-6F175D3DCCD1}">
+              <a14:hiddenFill xmlns:a14="http://schemas.microsoft.com/office/drawing/2010/main">
+                <a:solidFill>
+                  <a:srgbClr val="FFFFFF"/>
+                </a:solidFill>
+              </a14:hiddenFill>
+            </a:ext>
+          </a:extLst>
+        </p:spPr>
+      </p:pic>
+    </p:spTree>
+    <p:extLst>
+      <p:ext uri="{BB962C8B-B14F-4D97-AF65-F5344CB8AC3E}">
+        <p14:creationId xmlns:p14="http://schemas.microsoft.com/office/powerpoint/2010/main" val="3827125342"/>
       </p:ext>
     </p:extLst>
   </p:cSld>
